--- a/_umkc-teaching/slides/Lecture9.pptx
+++ b/_umkc-teaching/slides/Lecture9.pptx
@@ -5,7 +5,7 @@
     <p:sldMasterId id="2147483660" r:id="rId1"/>
   </p:sldMasterIdLst>
   <p:notesMasterIdLst>
-    <p:notesMasterId r:id="rId24"/>
+    <p:notesMasterId r:id="rId29"/>
   </p:notesMasterIdLst>
   <p:sldIdLst>
     <p:sldId id="257" r:id="rId2"/>
@@ -15,21 +15,26 @@
     <p:sldId id="361" r:id="rId6"/>
     <p:sldId id="362" r:id="rId7"/>
     <p:sldId id="333" r:id="rId8"/>
-    <p:sldId id="341" r:id="rId9"/>
-    <p:sldId id="347" r:id="rId10"/>
-    <p:sldId id="348" r:id="rId11"/>
-    <p:sldId id="349" r:id="rId12"/>
-    <p:sldId id="350" r:id="rId13"/>
-    <p:sldId id="351" r:id="rId14"/>
-    <p:sldId id="352" r:id="rId15"/>
-    <p:sldId id="353" r:id="rId16"/>
-    <p:sldId id="354" r:id="rId17"/>
-    <p:sldId id="355" r:id="rId18"/>
-    <p:sldId id="356" r:id="rId19"/>
-    <p:sldId id="357" r:id="rId20"/>
-    <p:sldId id="358" r:id="rId21"/>
-    <p:sldId id="359" r:id="rId22"/>
-    <p:sldId id="325" r:id="rId23"/>
+    <p:sldId id="364" r:id="rId9"/>
+    <p:sldId id="369" r:id="rId10"/>
+    <p:sldId id="365" r:id="rId11"/>
+    <p:sldId id="366" r:id="rId12"/>
+    <p:sldId id="367" r:id="rId13"/>
+    <p:sldId id="368" r:id="rId14"/>
+    <p:sldId id="370" r:id="rId15"/>
+    <p:sldId id="371" r:id="rId16"/>
+    <p:sldId id="372" r:id="rId17"/>
+    <p:sldId id="373" r:id="rId18"/>
+    <p:sldId id="374" r:id="rId19"/>
+    <p:sldId id="375" r:id="rId20"/>
+    <p:sldId id="376" r:id="rId21"/>
+    <p:sldId id="377" r:id="rId22"/>
+    <p:sldId id="378" r:id="rId23"/>
+    <p:sldId id="380" r:id="rId24"/>
+    <p:sldId id="381" r:id="rId25"/>
+    <p:sldId id="382" r:id="rId26"/>
+    <p:sldId id="383" r:id="rId27"/>
+    <p:sldId id="325" r:id="rId28"/>
   </p:sldIdLst>
   <p:sldSz cx="12192000" cy="6858000"/>
   <p:notesSz cx="6858000" cy="9144000"/>
@@ -653,7 +658,7 @@
     </p:spTree>
     <p:extLst>
       <p:ext uri="{BB962C8B-B14F-4D97-AF65-F5344CB8AC3E}">
-        <p14:creationId xmlns:p14="http://schemas.microsoft.com/office/powerpoint/2010/main" val="3753264148"/>
+        <p14:creationId xmlns:p14="http://schemas.microsoft.com/office/powerpoint/2010/main" val="2969319535"/>
       </p:ext>
     </p:extLst>
   </p:cSld>
@@ -742,7 +747,7 @@
     </p:spTree>
     <p:extLst>
       <p:ext uri="{BB962C8B-B14F-4D97-AF65-F5344CB8AC3E}">
-        <p14:creationId xmlns:p14="http://schemas.microsoft.com/office/powerpoint/2010/main" val="2211840685"/>
+        <p14:creationId xmlns:p14="http://schemas.microsoft.com/office/powerpoint/2010/main" val="734031668"/>
       </p:ext>
     </p:extLst>
   </p:cSld>
@@ -831,7 +836,7 @@
     </p:spTree>
     <p:extLst>
       <p:ext uri="{BB962C8B-B14F-4D97-AF65-F5344CB8AC3E}">
-        <p14:creationId xmlns:p14="http://schemas.microsoft.com/office/powerpoint/2010/main" val="844412209"/>
+        <p14:creationId xmlns:p14="http://schemas.microsoft.com/office/powerpoint/2010/main" val="2113117061"/>
       </p:ext>
     </p:extLst>
   </p:cSld>
@@ -920,7 +925,7 @@
     </p:spTree>
     <p:extLst>
       <p:ext uri="{BB962C8B-B14F-4D97-AF65-F5344CB8AC3E}">
-        <p14:creationId xmlns:p14="http://schemas.microsoft.com/office/powerpoint/2010/main" val="223822394"/>
+        <p14:creationId xmlns:p14="http://schemas.microsoft.com/office/powerpoint/2010/main" val="3779574446"/>
       </p:ext>
     </p:extLst>
   </p:cSld>
@@ -1009,7 +1014,7 @@
     </p:spTree>
     <p:extLst>
       <p:ext uri="{BB962C8B-B14F-4D97-AF65-F5344CB8AC3E}">
-        <p14:creationId xmlns:p14="http://schemas.microsoft.com/office/powerpoint/2010/main" val="4103770765"/>
+        <p14:creationId xmlns:p14="http://schemas.microsoft.com/office/powerpoint/2010/main" val="2610298252"/>
       </p:ext>
     </p:extLst>
   </p:cSld>
@@ -1098,7 +1103,7 @@
     </p:spTree>
     <p:extLst>
       <p:ext uri="{BB962C8B-B14F-4D97-AF65-F5344CB8AC3E}">
-        <p14:creationId xmlns:p14="http://schemas.microsoft.com/office/powerpoint/2010/main" val="3859038756"/>
+        <p14:creationId xmlns:p14="http://schemas.microsoft.com/office/powerpoint/2010/main" val="188944456"/>
       </p:ext>
     </p:extLst>
   </p:cSld>
@@ -1187,7 +1192,7 @@
     </p:spTree>
     <p:extLst>
       <p:ext uri="{BB962C8B-B14F-4D97-AF65-F5344CB8AC3E}">
-        <p14:creationId xmlns:p14="http://schemas.microsoft.com/office/powerpoint/2010/main" val="1759787995"/>
+        <p14:creationId xmlns:p14="http://schemas.microsoft.com/office/powerpoint/2010/main" val="1173807400"/>
       </p:ext>
     </p:extLst>
   </p:cSld>
@@ -1276,7 +1281,7 @@
     </p:spTree>
     <p:extLst>
       <p:ext uri="{BB962C8B-B14F-4D97-AF65-F5344CB8AC3E}">
-        <p14:creationId xmlns:p14="http://schemas.microsoft.com/office/powerpoint/2010/main" val="682891103"/>
+        <p14:creationId xmlns:p14="http://schemas.microsoft.com/office/powerpoint/2010/main" val="1321576229"/>
       </p:ext>
     </p:extLst>
   </p:cSld>
@@ -1365,7 +1370,7 @@
     </p:spTree>
     <p:extLst>
       <p:ext uri="{BB962C8B-B14F-4D97-AF65-F5344CB8AC3E}">
-        <p14:creationId xmlns:p14="http://schemas.microsoft.com/office/powerpoint/2010/main" val="384427679"/>
+        <p14:creationId xmlns:p14="http://schemas.microsoft.com/office/powerpoint/2010/main" val="3892536621"/>
       </p:ext>
     </p:extLst>
   </p:cSld>
@@ -1454,7 +1459,7 @@
     </p:spTree>
     <p:extLst>
       <p:ext uri="{BB962C8B-B14F-4D97-AF65-F5344CB8AC3E}">
-        <p14:creationId xmlns:p14="http://schemas.microsoft.com/office/powerpoint/2010/main" val="1620780613"/>
+        <p14:creationId xmlns:p14="http://schemas.microsoft.com/office/powerpoint/2010/main" val="2250460646"/>
       </p:ext>
     </p:extLst>
   </p:cSld>
@@ -1632,7 +1637,452 @@
     </p:spTree>
     <p:extLst>
       <p:ext uri="{BB962C8B-B14F-4D97-AF65-F5344CB8AC3E}">
-        <p14:creationId xmlns:p14="http://schemas.microsoft.com/office/powerpoint/2010/main" val="4206038289"/>
+        <p14:creationId xmlns:p14="http://schemas.microsoft.com/office/powerpoint/2010/main" val="1949552323"/>
+      </p:ext>
+    </p:extLst>
+  </p:cSld>
+  <p:clrMapOvr>
+    <a:masterClrMapping/>
+  </p:clrMapOvr>
+</p:notes>
+</file>
+
+<file path=ppt/notesSlides/notesSlide21.xml><?xml version="1.0" encoding="utf-8"?>
+<p:notes xmlns:a="http://schemas.openxmlformats.org/drawingml/2006/main" xmlns:r="http://schemas.openxmlformats.org/officeDocument/2006/relationships" xmlns:p="http://schemas.openxmlformats.org/presentationml/2006/main">
+  <p:cSld>
+    <p:spTree>
+      <p:nvGrpSpPr>
+        <p:cNvPr id="1" name=""/>
+        <p:cNvGrpSpPr/>
+        <p:nvPr/>
+      </p:nvGrpSpPr>
+      <p:grpSpPr>
+        <a:xfrm>
+          <a:off x="0" y="0"/>
+          <a:ext cx="0" cy="0"/>
+          <a:chOff x="0" y="0"/>
+          <a:chExt cx="0" cy="0"/>
+        </a:xfrm>
+      </p:grpSpPr>
+      <p:sp>
+        <p:nvSpPr>
+          <p:cNvPr id="2" name="Slide Image Placeholder 1"/>
+          <p:cNvSpPr>
+            <a:spLocks noGrp="1" noRot="1" noChangeAspect="1"/>
+          </p:cNvSpPr>
+          <p:nvPr>
+            <p:ph type="sldImg"/>
+          </p:nvPr>
+        </p:nvSpPr>
+        <p:spPr>
+          <a:xfrm>
+            <a:off x="685800" y="1143000"/>
+            <a:ext cx="5486400" cy="3086100"/>
+          </a:xfrm>
+        </p:spPr>
+      </p:sp>
+      <p:sp>
+        <p:nvSpPr>
+          <p:cNvPr id="3" name="Notes Placeholder 2"/>
+          <p:cNvSpPr>
+            <a:spLocks noGrp="1"/>
+          </p:cNvSpPr>
+          <p:nvPr>
+            <p:ph type="body" idx="1"/>
+          </p:nvPr>
+        </p:nvSpPr>
+        <p:spPr/>
+        <p:txBody>
+          <a:bodyPr/>
+          <a:lstStyle/>
+          <a:p>
+            <a:endParaRPr lang="en-US" dirty="0"/>
+          </a:p>
+        </p:txBody>
+      </p:sp>
+      <p:sp>
+        <p:nvSpPr>
+          <p:cNvPr id="4" name="Slide Number Placeholder 3"/>
+          <p:cNvSpPr>
+            <a:spLocks noGrp="1"/>
+          </p:cNvSpPr>
+          <p:nvPr>
+            <p:ph type="sldNum" sz="quarter" idx="5"/>
+          </p:nvPr>
+        </p:nvSpPr>
+        <p:spPr/>
+        <p:txBody>
+          <a:bodyPr/>
+          <a:lstStyle/>
+          <a:p>
+            <a:fld id="{3F8BDF20-BE86-4883-8A23-4CE3D0058BEA}" type="slidenum">
+              <a:rPr lang="en-US" smtClean="0"/>
+              <a:t>22</a:t>
+            </a:fld>
+            <a:endParaRPr lang="en-US"/>
+          </a:p>
+        </p:txBody>
+      </p:sp>
+    </p:spTree>
+    <p:extLst>
+      <p:ext uri="{BB962C8B-B14F-4D97-AF65-F5344CB8AC3E}">
+        <p14:creationId xmlns:p14="http://schemas.microsoft.com/office/powerpoint/2010/main" val="1106524648"/>
+      </p:ext>
+    </p:extLst>
+  </p:cSld>
+  <p:clrMapOvr>
+    <a:masterClrMapping/>
+  </p:clrMapOvr>
+</p:notes>
+</file>
+
+<file path=ppt/notesSlides/notesSlide22.xml><?xml version="1.0" encoding="utf-8"?>
+<p:notes xmlns:a="http://schemas.openxmlformats.org/drawingml/2006/main" xmlns:r="http://schemas.openxmlformats.org/officeDocument/2006/relationships" xmlns:p="http://schemas.openxmlformats.org/presentationml/2006/main">
+  <p:cSld>
+    <p:spTree>
+      <p:nvGrpSpPr>
+        <p:cNvPr id="1" name=""/>
+        <p:cNvGrpSpPr/>
+        <p:nvPr/>
+      </p:nvGrpSpPr>
+      <p:grpSpPr>
+        <a:xfrm>
+          <a:off x="0" y="0"/>
+          <a:ext cx="0" cy="0"/>
+          <a:chOff x="0" y="0"/>
+          <a:chExt cx="0" cy="0"/>
+        </a:xfrm>
+      </p:grpSpPr>
+      <p:sp>
+        <p:nvSpPr>
+          <p:cNvPr id="2" name="Slide Image Placeholder 1"/>
+          <p:cNvSpPr>
+            <a:spLocks noGrp="1" noRot="1" noChangeAspect="1"/>
+          </p:cNvSpPr>
+          <p:nvPr>
+            <p:ph type="sldImg"/>
+          </p:nvPr>
+        </p:nvSpPr>
+        <p:spPr>
+          <a:xfrm>
+            <a:off x="685800" y="1143000"/>
+            <a:ext cx="5486400" cy="3086100"/>
+          </a:xfrm>
+        </p:spPr>
+      </p:sp>
+      <p:sp>
+        <p:nvSpPr>
+          <p:cNvPr id="3" name="Notes Placeholder 2"/>
+          <p:cNvSpPr>
+            <a:spLocks noGrp="1"/>
+          </p:cNvSpPr>
+          <p:nvPr>
+            <p:ph type="body" idx="1"/>
+          </p:nvPr>
+        </p:nvSpPr>
+        <p:spPr/>
+        <p:txBody>
+          <a:bodyPr/>
+          <a:lstStyle/>
+          <a:p>
+            <a:endParaRPr lang="en-US" dirty="0"/>
+          </a:p>
+        </p:txBody>
+      </p:sp>
+      <p:sp>
+        <p:nvSpPr>
+          <p:cNvPr id="4" name="Slide Number Placeholder 3"/>
+          <p:cNvSpPr>
+            <a:spLocks noGrp="1"/>
+          </p:cNvSpPr>
+          <p:nvPr>
+            <p:ph type="sldNum" sz="quarter" idx="5"/>
+          </p:nvPr>
+        </p:nvSpPr>
+        <p:spPr/>
+        <p:txBody>
+          <a:bodyPr/>
+          <a:lstStyle/>
+          <a:p>
+            <a:fld id="{3F8BDF20-BE86-4883-8A23-4CE3D0058BEA}" type="slidenum">
+              <a:rPr lang="en-US" smtClean="0"/>
+              <a:t>23</a:t>
+            </a:fld>
+            <a:endParaRPr lang="en-US"/>
+          </a:p>
+        </p:txBody>
+      </p:sp>
+    </p:spTree>
+    <p:extLst>
+      <p:ext uri="{BB962C8B-B14F-4D97-AF65-F5344CB8AC3E}">
+        <p14:creationId xmlns:p14="http://schemas.microsoft.com/office/powerpoint/2010/main" val="3569486598"/>
+      </p:ext>
+    </p:extLst>
+  </p:cSld>
+  <p:clrMapOvr>
+    <a:masterClrMapping/>
+  </p:clrMapOvr>
+</p:notes>
+</file>
+
+<file path=ppt/notesSlides/notesSlide23.xml><?xml version="1.0" encoding="utf-8"?>
+<p:notes xmlns:a="http://schemas.openxmlformats.org/drawingml/2006/main" xmlns:r="http://schemas.openxmlformats.org/officeDocument/2006/relationships" xmlns:p="http://schemas.openxmlformats.org/presentationml/2006/main">
+  <p:cSld>
+    <p:spTree>
+      <p:nvGrpSpPr>
+        <p:cNvPr id="1" name=""/>
+        <p:cNvGrpSpPr/>
+        <p:nvPr/>
+      </p:nvGrpSpPr>
+      <p:grpSpPr>
+        <a:xfrm>
+          <a:off x="0" y="0"/>
+          <a:ext cx="0" cy="0"/>
+          <a:chOff x="0" y="0"/>
+          <a:chExt cx="0" cy="0"/>
+        </a:xfrm>
+      </p:grpSpPr>
+      <p:sp>
+        <p:nvSpPr>
+          <p:cNvPr id="2" name="Slide Image Placeholder 1"/>
+          <p:cNvSpPr>
+            <a:spLocks noGrp="1" noRot="1" noChangeAspect="1"/>
+          </p:cNvSpPr>
+          <p:nvPr>
+            <p:ph type="sldImg"/>
+          </p:nvPr>
+        </p:nvSpPr>
+        <p:spPr>
+          <a:xfrm>
+            <a:off x="685800" y="1143000"/>
+            <a:ext cx="5486400" cy="3086100"/>
+          </a:xfrm>
+        </p:spPr>
+      </p:sp>
+      <p:sp>
+        <p:nvSpPr>
+          <p:cNvPr id="3" name="Notes Placeholder 2"/>
+          <p:cNvSpPr>
+            <a:spLocks noGrp="1"/>
+          </p:cNvSpPr>
+          <p:nvPr>
+            <p:ph type="body" idx="1"/>
+          </p:nvPr>
+        </p:nvSpPr>
+        <p:spPr/>
+        <p:txBody>
+          <a:bodyPr/>
+          <a:lstStyle/>
+          <a:p>
+            <a:endParaRPr lang="en-US" dirty="0"/>
+          </a:p>
+        </p:txBody>
+      </p:sp>
+      <p:sp>
+        <p:nvSpPr>
+          <p:cNvPr id="4" name="Slide Number Placeholder 3"/>
+          <p:cNvSpPr>
+            <a:spLocks noGrp="1"/>
+          </p:cNvSpPr>
+          <p:nvPr>
+            <p:ph type="sldNum" sz="quarter" idx="5"/>
+          </p:nvPr>
+        </p:nvSpPr>
+        <p:spPr/>
+        <p:txBody>
+          <a:bodyPr/>
+          <a:lstStyle/>
+          <a:p>
+            <a:fld id="{3F8BDF20-BE86-4883-8A23-4CE3D0058BEA}" type="slidenum">
+              <a:rPr lang="en-US" smtClean="0"/>
+              <a:t>24</a:t>
+            </a:fld>
+            <a:endParaRPr lang="en-US"/>
+          </a:p>
+        </p:txBody>
+      </p:sp>
+    </p:spTree>
+    <p:extLst>
+      <p:ext uri="{BB962C8B-B14F-4D97-AF65-F5344CB8AC3E}">
+        <p14:creationId xmlns:p14="http://schemas.microsoft.com/office/powerpoint/2010/main" val="3578893946"/>
+      </p:ext>
+    </p:extLst>
+  </p:cSld>
+  <p:clrMapOvr>
+    <a:masterClrMapping/>
+  </p:clrMapOvr>
+</p:notes>
+</file>
+
+<file path=ppt/notesSlides/notesSlide24.xml><?xml version="1.0" encoding="utf-8"?>
+<p:notes xmlns:a="http://schemas.openxmlformats.org/drawingml/2006/main" xmlns:r="http://schemas.openxmlformats.org/officeDocument/2006/relationships" xmlns:p="http://schemas.openxmlformats.org/presentationml/2006/main">
+  <p:cSld>
+    <p:spTree>
+      <p:nvGrpSpPr>
+        <p:cNvPr id="1" name=""/>
+        <p:cNvGrpSpPr/>
+        <p:nvPr/>
+      </p:nvGrpSpPr>
+      <p:grpSpPr>
+        <a:xfrm>
+          <a:off x="0" y="0"/>
+          <a:ext cx="0" cy="0"/>
+          <a:chOff x="0" y="0"/>
+          <a:chExt cx="0" cy="0"/>
+        </a:xfrm>
+      </p:grpSpPr>
+      <p:sp>
+        <p:nvSpPr>
+          <p:cNvPr id="2" name="Slide Image Placeholder 1"/>
+          <p:cNvSpPr>
+            <a:spLocks noGrp="1" noRot="1" noChangeAspect="1"/>
+          </p:cNvSpPr>
+          <p:nvPr>
+            <p:ph type="sldImg"/>
+          </p:nvPr>
+        </p:nvSpPr>
+        <p:spPr>
+          <a:xfrm>
+            <a:off x="685800" y="1143000"/>
+            <a:ext cx="5486400" cy="3086100"/>
+          </a:xfrm>
+        </p:spPr>
+      </p:sp>
+      <p:sp>
+        <p:nvSpPr>
+          <p:cNvPr id="3" name="Notes Placeholder 2"/>
+          <p:cNvSpPr>
+            <a:spLocks noGrp="1"/>
+          </p:cNvSpPr>
+          <p:nvPr>
+            <p:ph type="body" idx="1"/>
+          </p:nvPr>
+        </p:nvSpPr>
+        <p:spPr/>
+        <p:txBody>
+          <a:bodyPr/>
+          <a:lstStyle/>
+          <a:p>
+            <a:endParaRPr lang="en-US" dirty="0"/>
+          </a:p>
+        </p:txBody>
+      </p:sp>
+      <p:sp>
+        <p:nvSpPr>
+          <p:cNvPr id="4" name="Slide Number Placeholder 3"/>
+          <p:cNvSpPr>
+            <a:spLocks noGrp="1"/>
+          </p:cNvSpPr>
+          <p:nvPr>
+            <p:ph type="sldNum" sz="quarter" idx="5"/>
+          </p:nvPr>
+        </p:nvSpPr>
+        <p:spPr/>
+        <p:txBody>
+          <a:bodyPr/>
+          <a:lstStyle/>
+          <a:p>
+            <a:fld id="{3F8BDF20-BE86-4883-8A23-4CE3D0058BEA}" type="slidenum">
+              <a:rPr lang="en-US" smtClean="0"/>
+              <a:t>25</a:t>
+            </a:fld>
+            <a:endParaRPr lang="en-US"/>
+          </a:p>
+        </p:txBody>
+      </p:sp>
+    </p:spTree>
+    <p:extLst>
+      <p:ext uri="{BB962C8B-B14F-4D97-AF65-F5344CB8AC3E}">
+        <p14:creationId xmlns:p14="http://schemas.microsoft.com/office/powerpoint/2010/main" val="1080798274"/>
+      </p:ext>
+    </p:extLst>
+  </p:cSld>
+  <p:clrMapOvr>
+    <a:masterClrMapping/>
+  </p:clrMapOvr>
+</p:notes>
+</file>
+
+<file path=ppt/notesSlides/notesSlide25.xml><?xml version="1.0" encoding="utf-8"?>
+<p:notes xmlns:a="http://schemas.openxmlformats.org/drawingml/2006/main" xmlns:r="http://schemas.openxmlformats.org/officeDocument/2006/relationships" xmlns:p="http://schemas.openxmlformats.org/presentationml/2006/main">
+  <p:cSld>
+    <p:spTree>
+      <p:nvGrpSpPr>
+        <p:cNvPr id="1" name=""/>
+        <p:cNvGrpSpPr/>
+        <p:nvPr/>
+      </p:nvGrpSpPr>
+      <p:grpSpPr>
+        <a:xfrm>
+          <a:off x="0" y="0"/>
+          <a:ext cx="0" cy="0"/>
+          <a:chOff x="0" y="0"/>
+          <a:chExt cx="0" cy="0"/>
+        </a:xfrm>
+      </p:grpSpPr>
+      <p:sp>
+        <p:nvSpPr>
+          <p:cNvPr id="2" name="Slide Image Placeholder 1"/>
+          <p:cNvSpPr>
+            <a:spLocks noGrp="1" noRot="1" noChangeAspect="1"/>
+          </p:cNvSpPr>
+          <p:nvPr>
+            <p:ph type="sldImg"/>
+          </p:nvPr>
+        </p:nvSpPr>
+        <p:spPr>
+          <a:xfrm>
+            <a:off x="685800" y="1143000"/>
+            <a:ext cx="5486400" cy="3086100"/>
+          </a:xfrm>
+        </p:spPr>
+      </p:sp>
+      <p:sp>
+        <p:nvSpPr>
+          <p:cNvPr id="3" name="Notes Placeholder 2"/>
+          <p:cNvSpPr>
+            <a:spLocks noGrp="1"/>
+          </p:cNvSpPr>
+          <p:nvPr>
+            <p:ph type="body" idx="1"/>
+          </p:nvPr>
+        </p:nvSpPr>
+        <p:spPr/>
+        <p:txBody>
+          <a:bodyPr/>
+          <a:lstStyle/>
+          <a:p>
+            <a:endParaRPr lang="en-US" dirty="0"/>
+          </a:p>
+        </p:txBody>
+      </p:sp>
+      <p:sp>
+        <p:nvSpPr>
+          <p:cNvPr id="4" name="Slide Number Placeholder 3"/>
+          <p:cNvSpPr>
+            <a:spLocks noGrp="1"/>
+          </p:cNvSpPr>
+          <p:nvPr>
+            <p:ph type="sldNum" sz="quarter" idx="5"/>
+          </p:nvPr>
+        </p:nvSpPr>
+        <p:spPr/>
+        <p:txBody>
+          <a:bodyPr/>
+          <a:lstStyle/>
+          <a:p>
+            <a:fld id="{3F8BDF20-BE86-4883-8A23-4CE3D0058BEA}" type="slidenum">
+              <a:rPr lang="en-US" smtClean="0"/>
+              <a:t>26</a:t>
+            </a:fld>
+            <a:endParaRPr lang="en-US"/>
+          </a:p>
+        </p:txBody>
+      </p:sp>
+    </p:spTree>
+    <p:extLst>
+      <p:ext uri="{BB962C8B-B14F-4D97-AF65-F5344CB8AC3E}">
+        <p14:creationId xmlns:p14="http://schemas.microsoft.com/office/powerpoint/2010/main" val="2792232873"/>
       </p:ext>
     </p:extLst>
   </p:cSld>
@@ -2077,7 +2527,7 @@
     </p:spTree>
     <p:extLst>
       <p:ext uri="{BB962C8B-B14F-4D97-AF65-F5344CB8AC3E}">
-        <p14:creationId xmlns:p14="http://schemas.microsoft.com/office/powerpoint/2010/main" val="2389215209"/>
+        <p14:creationId xmlns:p14="http://schemas.microsoft.com/office/powerpoint/2010/main" val="1935290043"/>
       </p:ext>
     </p:extLst>
   </p:cSld>
@@ -2166,7 +2616,7 @@
     </p:spTree>
     <p:extLst>
       <p:ext uri="{BB962C8B-B14F-4D97-AF65-F5344CB8AC3E}">
-        <p14:creationId xmlns:p14="http://schemas.microsoft.com/office/powerpoint/2010/main" val="467265031"/>
+        <p14:creationId xmlns:p14="http://schemas.microsoft.com/office/powerpoint/2010/main" val="1654691210"/>
       </p:ext>
     </p:extLst>
   </p:cSld>
@@ -2255,7 +2705,7 @@
     </p:spTree>
     <p:extLst>
       <p:ext uri="{BB962C8B-B14F-4D97-AF65-F5344CB8AC3E}">
-        <p14:creationId xmlns:p14="http://schemas.microsoft.com/office/powerpoint/2010/main" val="1503153199"/>
+        <p14:creationId xmlns:p14="http://schemas.microsoft.com/office/powerpoint/2010/main" val="2661349334"/>
       </p:ext>
     </p:extLst>
   </p:cSld>
@@ -5418,19 +5868,18 @@
           <a:lstStyle/>
           <a:p>
             <a:r>
-              <a:rPr lang="en-US" sz="4400" dirty="0"/>
-              <a:t>Linear Splines </a:t>
-            </a:r>
-            <a:endParaRPr lang="en-US" dirty="0"/>
+              <a:rPr lang="en-US" dirty="0"/>
+              <a:t>Greedy Method</a:t>
+            </a:r>
           </a:p>
         </p:txBody>
       </p:sp>
       <p:pic>
         <p:nvPicPr>
-          <p:cNvPr id="4" name="Picture 3">
+          <p:cNvPr id="3" name="Picture 2">
             <a:extLst>
               <a:ext uri="{FF2B5EF4-FFF2-40B4-BE49-F238E27FC236}">
-                <a16:creationId xmlns:a16="http://schemas.microsoft.com/office/drawing/2014/main" id="{4AABE835-43E4-DBA7-ABBE-650BDED2E9C8}"/>
+                <a16:creationId xmlns:a16="http://schemas.microsoft.com/office/drawing/2014/main" id="{3314DCFB-0BE7-51E9-E36F-62D3310D0181}"/>
               </a:ext>
             </a:extLst>
           </p:cNvPr>
@@ -5447,142 +5896,20 @@
         </p:blipFill>
         <p:spPr>
           <a:xfrm>
-            <a:off x="1493836" y="2638847"/>
-            <a:ext cx="8033223" cy="790153"/>
+            <a:off x="935619" y="1743734"/>
+            <a:ext cx="9874204" cy="1413156"/>
           </a:xfrm>
           <a:prstGeom prst="rect">
             <a:avLst/>
           </a:prstGeom>
         </p:spPr>
       </p:pic>
-      <mc:AlternateContent xmlns:mc="http://schemas.openxmlformats.org/markup-compatibility/2006" xmlns:a14="http://schemas.microsoft.com/office/drawing/2010/main">
-        <mc:Choice Requires="a14">
-          <p:sp>
-            <p:nvSpPr>
-              <p:cNvPr id="5" name="TextBox 4">
-                <a:extLst>
-                  <a:ext uri="{FF2B5EF4-FFF2-40B4-BE49-F238E27FC236}">
-                    <a16:creationId xmlns:a16="http://schemas.microsoft.com/office/drawing/2014/main" id="{6F259E43-8698-C191-A8B6-A4C17702A919}"/>
-                  </a:ext>
-                </a:extLst>
-              </p:cNvPr>
-              <p:cNvSpPr txBox="1"/>
-              <p:nvPr/>
-            </p:nvSpPr>
-            <p:spPr>
-              <a:xfrm>
-                <a:off x="838200" y="1547630"/>
-                <a:ext cx="10073640" cy="1384995"/>
-              </a:xfrm>
-              <a:prstGeom prst="rect">
-                <a:avLst/>
-              </a:prstGeom>
-              <a:noFill/>
-            </p:spPr>
-            <p:txBody>
-              <a:bodyPr wrap="square">
-                <a:spAutoFit/>
-              </a:bodyPr>
-              <a:lstStyle/>
-              <a:p>
-                <a:r>
-                  <a:rPr lang="en-US" altLang="zh-CN" sz="2800" dirty="0"/>
-                  <a:t>A linear spline with knots at </a:t>
-                </a:r>
-                <a14:m>
-                  <m:oMath xmlns:m="http://schemas.openxmlformats.org/officeDocument/2006/math">
-                    <m:sSub>
-                      <m:sSubPr>
-                        <m:ctrlPr>
-                          <a:rPr lang="en-US" altLang="zh-CN" sz="2800" b="0" i="1" smtClean="0">
-                            <a:latin typeface="Cambria Math" panose="02040503050406030204" pitchFamily="18" charset="0"/>
-                          </a:rPr>
-                        </m:ctrlPr>
-                      </m:sSubPr>
-                      <m:e>
-                        <m:r>
-                          <a:rPr lang="en-US" altLang="zh-CN" sz="2800" b="0" i="1" smtClean="0">
-                            <a:latin typeface="Cambria Math" panose="02040503050406030204" pitchFamily="18" charset="0"/>
-                          </a:rPr>
-                          <m:t>𝜉</m:t>
-                        </m:r>
-                      </m:e>
-                      <m:sub>
-                        <m:r>
-                          <a:rPr lang="en-US" altLang="zh-CN" sz="2800" b="0" i="1" smtClean="0">
-                            <a:latin typeface="Cambria Math" panose="02040503050406030204" pitchFamily="18" charset="0"/>
-                          </a:rPr>
-                          <m:t>𝑘</m:t>
-                        </m:r>
-                      </m:sub>
-                    </m:sSub>
-                  </m:oMath>
-                </a14:m>
-                <a:r>
-                  <a:rPr lang="en-US" altLang="zh-CN" sz="2800" dirty="0"/>
-                  <a:t>, k = 1,...,K is a piecewise linear polynomial continuous at each knot. We can represent this model as</a:t>
-                </a:r>
-              </a:p>
-              <a:p>
-                <a:r>
-                  <a:rPr lang="en-US" altLang="zh-CN" sz="2800" dirty="0"/>
-                  <a:t> </a:t>
-                </a:r>
-              </a:p>
-            </p:txBody>
-          </p:sp>
-        </mc:Choice>
-        <mc:Fallback xmlns="">
-          <p:sp>
-            <p:nvSpPr>
-              <p:cNvPr id="5" name="TextBox 4">
-                <a:extLst>
-                  <a:ext uri="{FF2B5EF4-FFF2-40B4-BE49-F238E27FC236}">
-                    <a16:creationId xmlns:a16="http://schemas.microsoft.com/office/drawing/2014/main" id="{6F259E43-8698-C191-A8B6-A4C17702A919}"/>
-                  </a:ext>
-                </a:extLst>
-              </p:cNvPr>
-              <p:cNvSpPr txBox="1">
-                <a:spLocks noRot="1" noChangeAspect="1" noMove="1" noResize="1" noEditPoints="1" noAdjustHandles="1" noChangeArrowheads="1" noChangeShapeType="1" noTextEdit="1"/>
-              </p:cNvSpPr>
-              <p:nvPr/>
-            </p:nvSpPr>
-            <p:spPr>
-              <a:xfrm>
-                <a:off x="838200" y="1547630"/>
-                <a:ext cx="10073640" cy="1384995"/>
-              </a:xfrm>
-              <a:prstGeom prst="rect">
-                <a:avLst/>
-              </a:prstGeom>
-              <a:blipFill>
-                <a:blip r:embed="rId4"/>
-                <a:stretch>
-                  <a:fillRect l="-1259" t="-4545" r="-1008"/>
-                </a:stretch>
-              </a:blipFill>
-            </p:spPr>
-            <p:txBody>
-              <a:bodyPr/>
-              <a:lstStyle/>
-              <a:p>
-                <a:r>
-                  <a:rPr lang="en-US">
-                    <a:noFill/>
-                  </a:rPr>
-                  <a:t> </a:t>
-                </a:r>
-              </a:p>
-            </p:txBody>
-          </p:sp>
-        </mc:Fallback>
-      </mc:AlternateContent>
       <p:pic>
         <p:nvPicPr>
-          <p:cNvPr id="6" name="Picture 5">
+          <p:cNvPr id="5" name="Picture 4">
             <a:extLst>
               <a:ext uri="{FF2B5EF4-FFF2-40B4-BE49-F238E27FC236}">
-                <a16:creationId xmlns:a16="http://schemas.microsoft.com/office/drawing/2014/main" id="{719EDE7E-CAB9-7C44-AE70-BC58B7F66894}"/>
+                <a16:creationId xmlns:a16="http://schemas.microsoft.com/office/drawing/2014/main" id="{7977A70E-7B4F-97F3-BD0F-64349B9BCD4A}"/>
               </a:ext>
             </a:extLst>
           </p:cNvPr>
@@ -5592,45 +5919,15 @@
           <p:nvPr/>
         </p:nvPicPr>
         <p:blipFill>
-          <a:blip r:embed="rId5"/>
+          <a:blip r:embed="rId4"/>
           <a:stretch>
             <a:fillRect/>
           </a:stretch>
         </p:blipFill>
         <p:spPr>
           <a:xfrm>
-            <a:off x="1951507" y="3656237"/>
-            <a:ext cx="7847026" cy="1157758"/>
-          </a:xfrm>
-          <a:prstGeom prst="rect">
-            <a:avLst/>
-          </a:prstGeom>
-        </p:spPr>
-      </p:pic>
-      <p:pic>
-        <p:nvPicPr>
-          <p:cNvPr id="7" name="Picture 6">
-            <a:extLst>
-              <a:ext uri="{FF2B5EF4-FFF2-40B4-BE49-F238E27FC236}">
-                <a16:creationId xmlns:a16="http://schemas.microsoft.com/office/drawing/2014/main" id="{6A38654E-5799-3975-573D-04BD4833CC1C}"/>
-              </a:ext>
-            </a:extLst>
-          </p:cNvPr>
-          <p:cNvPicPr>
-            <a:picLocks noChangeAspect="1"/>
-          </p:cNvPicPr>
-          <p:nvPr/>
-        </p:nvPicPr>
-        <p:blipFill>
-          <a:blip r:embed="rId6"/>
-          <a:stretch>
-            <a:fillRect/>
-          </a:stretch>
-        </p:blipFill>
-        <p:spPr>
-          <a:xfrm>
-            <a:off x="2969811" y="5310370"/>
-            <a:ext cx="5081271" cy="1157758"/>
+            <a:off x="935611" y="3701111"/>
+            <a:ext cx="9874197" cy="1413155"/>
           </a:xfrm>
           <a:prstGeom prst="rect">
             <a:avLst/>
@@ -5640,7 +5937,7 @@
     </p:spTree>
     <p:extLst>
       <p:ext uri="{BB962C8B-B14F-4D97-AF65-F5344CB8AC3E}">
-        <p14:creationId xmlns:p14="http://schemas.microsoft.com/office/powerpoint/2010/main" val="717428170"/>
+        <p14:creationId xmlns:p14="http://schemas.microsoft.com/office/powerpoint/2010/main" val="3871388151"/>
       </p:ext>
     </p:extLst>
   </p:cSld>
@@ -5690,10 +5987,9 @@
           <a:lstStyle/>
           <a:p>
             <a:r>
-              <a:rPr lang="en-US" sz="4400" dirty="0"/>
-              <a:t>Cubic Splines </a:t>
-            </a:r>
-            <a:endParaRPr lang="en-US" dirty="0"/>
+              <a:rPr lang="en-US" dirty="0"/>
+              <a:t>Tree Pruning</a:t>
+            </a:r>
           </a:p>
         </p:txBody>
       </p:sp>
@@ -5702,7 +5998,7 @@
           <p:cNvPr id="4" name="Picture 3">
             <a:extLst>
               <a:ext uri="{FF2B5EF4-FFF2-40B4-BE49-F238E27FC236}">
-                <a16:creationId xmlns:a16="http://schemas.microsoft.com/office/drawing/2014/main" id="{9C432C7D-2B1D-6E66-613C-0CC2DB09CA00}"/>
+                <a16:creationId xmlns:a16="http://schemas.microsoft.com/office/drawing/2014/main" id="{0B194AF0-4E22-95C7-BE5E-54FCD0F1E8D0}"/>
               </a:ext>
             </a:extLst>
           </p:cNvPr>
@@ -5719,8 +6015,8 @@
         </p:blipFill>
         <p:spPr>
           <a:xfrm>
-            <a:off x="2016124" y="1863724"/>
-            <a:ext cx="7480626" cy="2751139"/>
+            <a:off x="953946" y="1596260"/>
+            <a:ext cx="9648463" cy="1380849"/>
           </a:xfrm>
           <a:prstGeom prst="rect">
             <a:avLst/>
@@ -5729,10 +6025,10 @@
       </p:pic>
       <p:pic>
         <p:nvPicPr>
-          <p:cNvPr id="5" name="Picture 4">
+          <p:cNvPr id="6" name="Picture 5">
             <a:extLst>
               <a:ext uri="{FF2B5EF4-FFF2-40B4-BE49-F238E27FC236}">
-                <a16:creationId xmlns:a16="http://schemas.microsoft.com/office/drawing/2014/main" id="{53CC4B17-594E-3C7E-3249-6A03ED5BBB38}"/>
+                <a16:creationId xmlns:a16="http://schemas.microsoft.com/office/drawing/2014/main" id="{C90806F3-8F25-5A79-CA37-691FA3707390}"/>
               </a:ext>
             </a:extLst>
           </p:cNvPr>
@@ -5749,8 +6045,8 @@
         </p:blipFill>
         <p:spPr>
           <a:xfrm>
-            <a:off x="2016124" y="5131565"/>
-            <a:ext cx="5416248" cy="981893"/>
+            <a:off x="953945" y="3749152"/>
+            <a:ext cx="9648464" cy="1380849"/>
           </a:xfrm>
           <a:prstGeom prst="rect">
             <a:avLst/>
@@ -5760,7 +6056,7 @@
     </p:spTree>
     <p:extLst>
       <p:ext uri="{BB962C8B-B14F-4D97-AF65-F5344CB8AC3E}">
-        <p14:creationId xmlns:p14="http://schemas.microsoft.com/office/powerpoint/2010/main" val="4057873780"/>
+        <p14:creationId xmlns:p14="http://schemas.microsoft.com/office/powerpoint/2010/main" val="4167171065"/>
       </p:ext>
     </p:extLst>
   </p:cSld>
@@ -5810,21 +6106,204 @@
           <a:lstStyle/>
           <a:p>
             <a:r>
-              <a:rPr lang="en-US" sz="4400" dirty="0"/>
-              <a:t>Natural Cubic Splines </a:t>
-            </a:r>
-            <a:endParaRPr lang="en-US" dirty="0"/>
-          </a:p>
-        </p:txBody>
-      </p:sp>
-      <mc:AlternateContent xmlns:mc="http://schemas.openxmlformats.org/markup-compatibility/2006" xmlns:a14="http://schemas.microsoft.com/office/drawing/2010/main">
-        <mc:Choice Requires="a14">
+              <a:rPr lang="en-US" dirty="0"/>
+              <a:t>Tree Pruning</a:t>
+            </a:r>
+          </a:p>
+        </p:txBody>
+      </p:sp>
+      <p:pic>
+        <p:nvPicPr>
+          <p:cNvPr id="3" name="Picture 2">
+            <a:extLst>
+              <a:ext uri="{FF2B5EF4-FFF2-40B4-BE49-F238E27FC236}">
+                <a16:creationId xmlns:a16="http://schemas.microsoft.com/office/drawing/2014/main" id="{8D860BD2-18E4-989D-CD89-EB2A3B5CCB4C}"/>
+              </a:ext>
+            </a:extLst>
+          </p:cNvPr>
+          <p:cNvPicPr>
+            <a:picLocks noChangeAspect="1"/>
+          </p:cNvPicPr>
+          <p:nvPr/>
+        </p:nvPicPr>
+        <p:blipFill>
+          <a:blip r:embed="rId3"/>
+          <a:stretch>
+            <a:fillRect/>
+          </a:stretch>
+        </p:blipFill>
+        <p:spPr>
+          <a:xfrm>
+            <a:off x="993493" y="1940207"/>
+            <a:ext cx="10037139" cy="981894"/>
+          </a:xfrm>
+          <a:prstGeom prst="rect">
+            <a:avLst/>
+          </a:prstGeom>
+        </p:spPr>
+      </p:pic>
+      <p:pic>
+        <p:nvPicPr>
+          <p:cNvPr id="5" name="Picture 4">
+            <a:extLst>
+              <a:ext uri="{FF2B5EF4-FFF2-40B4-BE49-F238E27FC236}">
+                <a16:creationId xmlns:a16="http://schemas.microsoft.com/office/drawing/2014/main" id="{2A58A11F-8ADB-265E-94E0-BFA6FF9CF811}"/>
+              </a:ext>
+            </a:extLst>
+          </p:cNvPr>
+          <p:cNvPicPr>
+            <a:picLocks noChangeAspect="1"/>
+          </p:cNvPicPr>
+          <p:nvPr/>
+        </p:nvPicPr>
+        <p:blipFill>
+          <a:blip r:embed="rId4"/>
+          <a:stretch>
+            <a:fillRect/>
+          </a:stretch>
+        </p:blipFill>
+        <p:spPr>
+          <a:xfrm>
+            <a:off x="993493" y="3746600"/>
+            <a:ext cx="9678366" cy="1026781"/>
+          </a:xfrm>
+          <a:prstGeom prst="rect">
+            <a:avLst/>
+          </a:prstGeom>
+        </p:spPr>
+      </p:pic>
+    </p:spTree>
+    <p:extLst>
+      <p:ext uri="{BB962C8B-B14F-4D97-AF65-F5344CB8AC3E}">
+        <p14:creationId xmlns:p14="http://schemas.microsoft.com/office/powerpoint/2010/main" val="3170887885"/>
+      </p:ext>
+    </p:extLst>
+  </p:cSld>
+  <p:clrMapOvr>
+    <a:masterClrMapping/>
+  </p:clrMapOvr>
+</p:sld>
+</file>
+
+<file path=ppt/slides/slide13.xml><?xml version="1.0" encoding="utf-8"?>
+<p:sld xmlns:a="http://schemas.openxmlformats.org/drawingml/2006/main" xmlns:r="http://schemas.openxmlformats.org/officeDocument/2006/relationships" xmlns:p="http://schemas.openxmlformats.org/presentationml/2006/main">
+  <p:cSld>
+    <p:spTree>
+      <p:nvGrpSpPr>
+        <p:cNvPr id="1" name=""/>
+        <p:cNvGrpSpPr/>
+        <p:nvPr/>
+      </p:nvGrpSpPr>
+      <p:grpSpPr>
+        <a:xfrm>
+          <a:off x="0" y="0"/>
+          <a:ext cx="0" cy="0"/>
+          <a:chOff x="0" y="0"/>
+          <a:chExt cx="0" cy="0"/>
+        </a:xfrm>
+      </p:grpSpPr>
+      <p:sp>
+        <p:nvSpPr>
+          <p:cNvPr id="2" name="Title 1"/>
+          <p:cNvSpPr>
+            <a:spLocks noGrp="1"/>
+          </p:cNvSpPr>
+          <p:nvPr>
+            <p:ph type="title"/>
+          </p:nvPr>
+        </p:nvSpPr>
+        <p:spPr>
+          <a:xfrm>
+            <a:off x="838200" y="365126"/>
+            <a:ext cx="10515600" cy="981894"/>
+          </a:xfrm>
+        </p:spPr>
+        <p:txBody>
+          <a:bodyPr>
+            <a:normAutofit/>
+          </a:bodyPr>
+          <a:lstStyle/>
+          <a:p>
+            <a:r>
+              <a:rPr lang="en-US" dirty="0"/>
+              <a:t>Cost Complexity Pruning</a:t>
+            </a:r>
+          </a:p>
+        </p:txBody>
+      </p:sp>
+      <p:sp>
+        <p:nvSpPr>
+          <p:cNvPr id="6" name="TextBox 5">
+            <a:extLst>
+              <a:ext uri="{FF2B5EF4-FFF2-40B4-BE49-F238E27FC236}">
+                <a16:creationId xmlns:a16="http://schemas.microsoft.com/office/drawing/2014/main" id="{FACC12E7-D594-4DBF-68FB-73DBB09CF8F7}"/>
+              </a:ext>
+            </a:extLst>
+          </p:cNvPr>
+          <p:cNvSpPr txBox="1"/>
+          <p:nvPr/>
+        </p:nvSpPr>
+        <p:spPr>
+          <a:xfrm>
+            <a:off x="838200" y="1669687"/>
+            <a:ext cx="10073640" cy="523220"/>
+          </a:xfrm>
+          <a:prstGeom prst="rect">
+            <a:avLst/>
+          </a:prstGeom>
+          <a:noFill/>
+        </p:spPr>
+        <p:txBody>
+          <a:bodyPr wrap="square">
+            <a:spAutoFit/>
+          </a:bodyPr>
+          <a:lstStyle/>
+          <a:p>
+            <a:r>
+              <a:rPr lang="en-US" altLang="zh-CN" sz="2800" dirty="0"/>
+              <a:t>The objective is</a:t>
+            </a:r>
+          </a:p>
+        </p:txBody>
+      </p:sp>
+      <p:pic>
+        <p:nvPicPr>
+          <p:cNvPr id="7" name="Picture 6">
+            <a:extLst>
+              <a:ext uri="{FF2B5EF4-FFF2-40B4-BE49-F238E27FC236}">
+                <a16:creationId xmlns:a16="http://schemas.microsoft.com/office/drawing/2014/main" id="{8F7BB590-5C1C-AC41-5D7F-818854B3D5FF}"/>
+              </a:ext>
+            </a:extLst>
+          </p:cNvPr>
+          <p:cNvPicPr>
+            <a:picLocks noChangeAspect="1"/>
+          </p:cNvPicPr>
+          <p:nvPr/>
+        </p:nvPicPr>
+        <p:blipFill>
+          <a:blip r:embed="rId3"/>
+          <a:stretch>
+            <a:fillRect/>
+          </a:stretch>
+        </p:blipFill>
+        <p:spPr>
+          <a:xfrm>
+            <a:off x="2801512" y="2492416"/>
+            <a:ext cx="5083400" cy="1319110"/>
+          </a:xfrm>
+          <a:prstGeom prst="rect">
+            <a:avLst/>
+          </a:prstGeom>
+        </p:spPr>
+      </p:pic>
+      <mc:AlternateContent xmlns:mc="http://schemas.openxmlformats.org/markup-compatibility/2006">
+        <mc:Choice xmlns:a14="http://schemas.microsoft.com/office/drawing/2010/main" Requires="a14">
           <p:sp>
             <p:nvSpPr>
-              <p:cNvPr id="3" name="TextBox 2">
+              <p:cNvPr id="8" name="TextBox 7">
                 <a:extLst>
                   <a:ext uri="{FF2B5EF4-FFF2-40B4-BE49-F238E27FC236}">
-                    <a16:creationId xmlns:a16="http://schemas.microsoft.com/office/drawing/2014/main" id="{5C97A158-F913-D876-7FE0-24A6C091BA83}"/>
+                    <a16:creationId xmlns:a16="http://schemas.microsoft.com/office/drawing/2014/main" id="{CBA43338-512F-7B0C-7A48-7B885F97A49A}"/>
                   </a:ext>
                 </a:extLst>
               </p:cNvPr>
@@ -5833,7 +6312,942 @@
             </p:nvSpPr>
             <p:spPr>
               <a:xfrm>
-                <a:off x="838200" y="1547630"/>
+                <a:off x="838200" y="4141874"/>
+                <a:ext cx="10314904" cy="1424172"/>
+              </a:xfrm>
+              <a:prstGeom prst="rect">
+                <a:avLst/>
+              </a:prstGeom>
+              <a:noFill/>
+            </p:spPr>
+            <p:txBody>
+              <a:bodyPr wrap="square">
+                <a:spAutoFit/>
+              </a:bodyPr>
+              <a:lstStyle/>
+              <a:p>
+                <a:r>
+                  <a:rPr lang="en-US" altLang="zh-CN" sz="2800" dirty="0"/>
+                  <a:t>Here |T| indicates the number of terminal nodes of the tree T, </a:t>
+                </a:r>
+                <a14:m>
+                  <m:oMath xmlns:m="http://schemas.openxmlformats.org/officeDocument/2006/math">
+                    <m:sSub>
+                      <m:sSubPr>
+                        <m:ctrlPr>
+                          <a:rPr lang="en-US" altLang="zh-CN" sz="2800" b="0" i="1" smtClean="0">
+                            <a:latin typeface="Cambria Math" panose="02040503050406030204" pitchFamily="18" charset="0"/>
+                          </a:rPr>
+                        </m:ctrlPr>
+                      </m:sSubPr>
+                      <m:e>
+                        <m:r>
+                          <a:rPr lang="en-US" altLang="zh-CN" sz="2800" b="0" i="1" smtClean="0">
+                            <a:latin typeface="Cambria Math" panose="02040503050406030204" pitchFamily="18" charset="0"/>
+                          </a:rPr>
+                          <m:t>𝑅</m:t>
+                        </m:r>
+                      </m:e>
+                      <m:sub>
+                        <m:r>
+                          <a:rPr lang="en-US" altLang="zh-CN" sz="2800" b="0" i="1" smtClean="0">
+                            <a:latin typeface="Cambria Math" panose="02040503050406030204" pitchFamily="18" charset="0"/>
+                          </a:rPr>
+                          <m:t>𝑚</m:t>
+                        </m:r>
+                      </m:sub>
+                    </m:sSub>
+                  </m:oMath>
+                </a14:m>
+                <a:r>
+                  <a:rPr lang="en-US" altLang="zh-CN" sz="2800" dirty="0"/>
+                  <a:t> is the rectangle corresponding to the m-</a:t>
+                </a:r>
+                <a:r>
+                  <a:rPr lang="en-US" altLang="zh-CN" sz="2800" dirty="0" err="1"/>
+                  <a:t>th</a:t>
+                </a:r>
+                <a:r>
+                  <a:rPr lang="en-US" altLang="zh-CN" sz="2800" dirty="0"/>
+                  <a:t> terminal node, and </a:t>
+                </a:r>
+                <a14:m>
+                  <m:oMath xmlns:m="http://schemas.openxmlformats.org/officeDocument/2006/math">
+                    <m:sSub>
+                      <m:sSubPr>
+                        <m:ctrlPr>
+                          <a:rPr lang="en-US" altLang="zh-CN" sz="2800" b="0" i="1" smtClean="0">
+                            <a:latin typeface="Cambria Math" panose="02040503050406030204" pitchFamily="18" charset="0"/>
+                          </a:rPr>
+                        </m:ctrlPr>
+                      </m:sSubPr>
+                      <m:e>
+                        <m:acc>
+                          <m:accPr>
+                            <m:chr m:val="̂"/>
+                            <m:ctrlPr>
+                              <a:rPr lang="en-US" altLang="zh-CN" sz="2800" i="1" smtClean="0">
+                                <a:latin typeface="Cambria Math" panose="02040503050406030204" pitchFamily="18" charset="0"/>
+                              </a:rPr>
+                            </m:ctrlPr>
+                          </m:accPr>
+                          <m:e>
+                            <m:r>
+                              <a:rPr lang="en-US" altLang="zh-CN" sz="2800" b="0" i="1" smtClean="0">
+                                <a:latin typeface="Cambria Math" panose="02040503050406030204" pitchFamily="18" charset="0"/>
+                              </a:rPr>
+                              <m:t>𝑦</m:t>
+                            </m:r>
+                          </m:e>
+                        </m:acc>
+                      </m:e>
+                      <m:sub>
+                        <m:sSub>
+                          <m:sSubPr>
+                            <m:ctrlPr>
+                              <a:rPr lang="en-US" altLang="zh-CN" sz="2800" b="0" i="1" smtClean="0">
+                                <a:latin typeface="Cambria Math" panose="02040503050406030204" pitchFamily="18" charset="0"/>
+                              </a:rPr>
+                            </m:ctrlPr>
+                          </m:sSubPr>
+                          <m:e>
+                            <m:r>
+                              <a:rPr lang="en-US" altLang="zh-CN" sz="2800" b="0" i="1" smtClean="0">
+                                <a:latin typeface="Cambria Math" panose="02040503050406030204" pitchFamily="18" charset="0"/>
+                              </a:rPr>
+                              <m:t>𝑅</m:t>
+                            </m:r>
+                          </m:e>
+                          <m:sub>
+                            <m:r>
+                              <a:rPr lang="en-US" altLang="zh-CN" sz="2800" b="0" i="1" smtClean="0">
+                                <a:latin typeface="Cambria Math" panose="02040503050406030204" pitchFamily="18" charset="0"/>
+                              </a:rPr>
+                              <m:t>𝑚</m:t>
+                            </m:r>
+                          </m:sub>
+                        </m:sSub>
+                      </m:sub>
+                    </m:sSub>
+                  </m:oMath>
+                </a14:m>
+                <a:r>
+                  <a:rPr lang="en-US" altLang="zh-CN" sz="2800" dirty="0"/>
+                  <a:t>is the mean of the training observations in </a:t>
+                </a:r>
+                <a14:m>
+                  <m:oMath xmlns:m="http://schemas.openxmlformats.org/officeDocument/2006/math">
+                    <m:sSub>
+                      <m:sSubPr>
+                        <m:ctrlPr>
+                          <a:rPr lang="en-US" altLang="zh-CN" sz="2800" i="1">
+                            <a:latin typeface="Cambria Math" panose="02040503050406030204" pitchFamily="18" charset="0"/>
+                          </a:rPr>
+                        </m:ctrlPr>
+                      </m:sSubPr>
+                      <m:e>
+                        <m:r>
+                          <a:rPr lang="en-US" altLang="zh-CN" sz="2800" i="1">
+                            <a:latin typeface="Cambria Math" panose="02040503050406030204" pitchFamily="18" charset="0"/>
+                          </a:rPr>
+                          <m:t>𝑅</m:t>
+                        </m:r>
+                      </m:e>
+                      <m:sub>
+                        <m:r>
+                          <a:rPr lang="en-US" altLang="zh-CN" sz="2800" i="1">
+                            <a:latin typeface="Cambria Math" panose="02040503050406030204" pitchFamily="18" charset="0"/>
+                          </a:rPr>
+                          <m:t>𝑚</m:t>
+                        </m:r>
+                      </m:sub>
+                    </m:sSub>
+                  </m:oMath>
+                </a14:m>
+                <a:endParaRPr lang="en-US" altLang="zh-CN" sz="2800" dirty="0"/>
+              </a:p>
+            </p:txBody>
+          </p:sp>
+        </mc:Choice>
+        <mc:Fallback>
+          <p:sp>
+            <p:nvSpPr>
+              <p:cNvPr id="8" name="TextBox 7">
+                <a:extLst>
+                  <a:ext uri="{FF2B5EF4-FFF2-40B4-BE49-F238E27FC236}">
+                    <a16:creationId xmlns:a16="http://schemas.microsoft.com/office/drawing/2014/main" id="{CBA43338-512F-7B0C-7A48-7B885F97A49A}"/>
+                  </a:ext>
+                </a:extLst>
+              </p:cNvPr>
+              <p:cNvSpPr txBox="1">
+                <a:spLocks noRot="1" noChangeAspect="1" noMove="1" noResize="1" noEditPoints="1" noAdjustHandles="1" noChangeArrowheads="1" noChangeShapeType="1" noTextEdit="1"/>
+              </p:cNvSpPr>
+              <p:nvPr/>
+            </p:nvSpPr>
+            <p:spPr>
+              <a:xfrm>
+                <a:off x="838200" y="4141874"/>
+                <a:ext cx="10314904" cy="1424172"/>
+              </a:xfrm>
+              <a:prstGeom prst="rect">
+                <a:avLst/>
+              </a:prstGeom>
+              <a:blipFill>
+                <a:blip r:embed="rId4"/>
+                <a:stretch>
+                  <a:fillRect l="-1230" t="-3509" r="-1476" b="-11404"/>
+                </a:stretch>
+              </a:blipFill>
+            </p:spPr>
+            <p:txBody>
+              <a:bodyPr/>
+              <a:lstStyle/>
+              <a:p>
+                <a:r>
+                  <a:rPr lang="en-US">
+                    <a:noFill/>
+                  </a:rPr>
+                  <a:t> </a:t>
+                </a:r>
+              </a:p>
+            </p:txBody>
+          </p:sp>
+        </mc:Fallback>
+      </mc:AlternateContent>
+    </p:spTree>
+    <p:extLst>
+      <p:ext uri="{BB962C8B-B14F-4D97-AF65-F5344CB8AC3E}">
+        <p14:creationId xmlns:p14="http://schemas.microsoft.com/office/powerpoint/2010/main" val="1429766753"/>
+      </p:ext>
+    </p:extLst>
+  </p:cSld>
+  <p:clrMapOvr>
+    <a:masterClrMapping/>
+  </p:clrMapOvr>
+</p:sld>
+</file>
+
+<file path=ppt/slides/slide14.xml><?xml version="1.0" encoding="utf-8"?>
+<p:sld xmlns:a="http://schemas.openxmlformats.org/drawingml/2006/main" xmlns:r="http://schemas.openxmlformats.org/officeDocument/2006/relationships" xmlns:p="http://schemas.openxmlformats.org/presentationml/2006/main">
+  <p:cSld>
+    <p:spTree>
+      <p:nvGrpSpPr>
+        <p:cNvPr id="1" name=""/>
+        <p:cNvGrpSpPr/>
+        <p:nvPr/>
+      </p:nvGrpSpPr>
+      <p:grpSpPr>
+        <a:xfrm>
+          <a:off x="0" y="0"/>
+          <a:ext cx="0" cy="0"/>
+          <a:chOff x="0" y="0"/>
+          <a:chExt cx="0" cy="0"/>
+        </a:xfrm>
+      </p:grpSpPr>
+      <p:sp>
+        <p:nvSpPr>
+          <p:cNvPr id="2" name="Title 1"/>
+          <p:cNvSpPr>
+            <a:spLocks noGrp="1"/>
+          </p:cNvSpPr>
+          <p:nvPr>
+            <p:ph type="title"/>
+          </p:nvPr>
+        </p:nvSpPr>
+        <p:spPr>
+          <a:xfrm>
+            <a:off x="838200" y="365126"/>
+            <a:ext cx="10515600" cy="981894"/>
+          </a:xfrm>
+        </p:spPr>
+        <p:txBody>
+          <a:bodyPr>
+            <a:normAutofit/>
+          </a:bodyPr>
+          <a:lstStyle/>
+          <a:p>
+            <a:r>
+              <a:rPr lang="en-US" dirty="0"/>
+              <a:t>Cost Complexity Pruning</a:t>
+            </a:r>
+          </a:p>
+        </p:txBody>
+      </p:sp>
+      <p:pic>
+        <p:nvPicPr>
+          <p:cNvPr id="3" name="Picture 2">
+            <a:extLst>
+              <a:ext uri="{FF2B5EF4-FFF2-40B4-BE49-F238E27FC236}">
+                <a16:creationId xmlns:a16="http://schemas.microsoft.com/office/drawing/2014/main" id="{98152861-CFB8-CD49-DAE7-709561C52DD8}"/>
+              </a:ext>
+            </a:extLst>
+          </p:cNvPr>
+          <p:cNvPicPr>
+            <a:picLocks noChangeAspect="1"/>
+          </p:cNvPicPr>
+          <p:nvPr/>
+        </p:nvPicPr>
+        <p:blipFill>
+          <a:blip r:embed="rId3"/>
+          <a:stretch>
+            <a:fillRect/>
+          </a:stretch>
+        </p:blipFill>
+        <p:spPr>
+          <a:xfrm>
+            <a:off x="928352" y="1569672"/>
+            <a:ext cx="8936865" cy="1121356"/>
+          </a:xfrm>
+          <a:prstGeom prst="rect">
+            <a:avLst/>
+          </a:prstGeom>
+        </p:spPr>
+      </p:pic>
+      <p:pic>
+        <p:nvPicPr>
+          <p:cNvPr id="9" name="Picture 8">
+            <a:extLst>
+              <a:ext uri="{FF2B5EF4-FFF2-40B4-BE49-F238E27FC236}">
+                <a16:creationId xmlns:a16="http://schemas.microsoft.com/office/drawing/2014/main" id="{3BE83BBE-9296-90F6-2082-5A6175EFE61D}"/>
+              </a:ext>
+            </a:extLst>
+          </p:cNvPr>
+          <p:cNvPicPr>
+            <a:picLocks noChangeAspect="1"/>
+          </p:cNvPicPr>
+          <p:nvPr/>
+        </p:nvPicPr>
+        <p:blipFill>
+          <a:blip r:embed="rId4"/>
+          <a:stretch>
+            <a:fillRect/>
+          </a:stretch>
+        </p:blipFill>
+        <p:spPr>
+          <a:xfrm>
+            <a:off x="928351" y="3244849"/>
+            <a:ext cx="8679349" cy="515781"/>
+          </a:xfrm>
+          <a:prstGeom prst="rect">
+            <a:avLst/>
+          </a:prstGeom>
+        </p:spPr>
+      </p:pic>
+      <p:pic>
+        <p:nvPicPr>
+          <p:cNvPr id="10" name="Picture 9">
+            <a:extLst>
+              <a:ext uri="{FF2B5EF4-FFF2-40B4-BE49-F238E27FC236}">
+                <a16:creationId xmlns:a16="http://schemas.microsoft.com/office/drawing/2014/main" id="{EB770F36-AC29-54CE-0D1A-44A04FF15B88}"/>
+              </a:ext>
+            </a:extLst>
+          </p:cNvPr>
+          <p:cNvPicPr>
+            <a:picLocks noChangeAspect="1"/>
+          </p:cNvPicPr>
+          <p:nvPr/>
+        </p:nvPicPr>
+        <p:blipFill>
+          <a:blip r:embed="rId5"/>
+          <a:stretch>
+            <a:fillRect/>
+          </a:stretch>
+        </p:blipFill>
+        <p:spPr>
+          <a:xfrm>
+            <a:off x="928351" y="4588857"/>
+            <a:ext cx="9433186" cy="981893"/>
+          </a:xfrm>
+          <a:prstGeom prst="rect">
+            <a:avLst/>
+          </a:prstGeom>
+        </p:spPr>
+      </p:pic>
+    </p:spTree>
+    <p:extLst>
+      <p:ext uri="{BB962C8B-B14F-4D97-AF65-F5344CB8AC3E}">
+        <p14:creationId xmlns:p14="http://schemas.microsoft.com/office/powerpoint/2010/main" val="1243819679"/>
+      </p:ext>
+    </p:extLst>
+  </p:cSld>
+  <p:clrMapOvr>
+    <a:masterClrMapping/>
+  </p:clrMapOvr>
+</p:sld>
+</file>
+
+<file path=ppt/slides/slide15.xml><?xml version="1.0" encoding="utf-8"?>
+<p:sld xmlns:a="http://schemas.openxmlformats.org/drawingml/2006/main" xmlns:r="http://schemas.openxmlformats.org/officeDocument/2006/relationships" xmlns:p="http://schemas.openxmlformats.org/presentationml/2006/main">
+  <p:cSld>
+    <p:spTree>
+      <p:nvGrpSpPr>
+        <p:cNvPr id="1" name=""/>
+        <p:cNvGrpSpPr/>
+        <p:nvPr/>
+      </p:nvGrpSpPr>
+      <p:grpSpPr>
+        <a:xfrm>
+          <a:off x="0" y="0"/>
+          <a:ext cx="0" cy="0"/>
+          <a:chOff x="0" y="0"/>
+          <a:chExt cx="0" cy="0"/>
+        </a:xfrm>
+      </p:grpSpPr>
+      <p:sp>
+        <p:nvSpPr>
+          <p:cNvPr id="2" name="Title 1"/>
+          <p:cNvSpPr>
+            <a:spLocks noGrp="1"/>
+          </p:cNvSpPr>
+          <p:nvPr>
+            <p:ph type="title"/>
+          </p:nvPr>
+        </p:nvSpPr>
+        <p:spPr>
+          <a:xfrm>
+            <a:off x="838200" y="365126"/>
+            <a:ext cx="10515600" cy="981894"/>
+          </a:xfrm>
+        </p:spPr>
+        <p:txBody>
+          <a:bodyPr>
+            <a:normAutofit/>
+          </a:bodyPr>
+          <a:lstStyle/>
+          <a:p>
+            <a:r>
+              <a:rPr lang="en-US" dirty="0"/>
+              <a:t>Classification Tree</a:t>
+            </a:r>
+          </a:p>
+        </p:txBody>
+      </p:sp>
+      <p:pic>
+        <p:nvPicPr>
+          <p:cNvPr id="4" name="Picture 3">
+            <a:extLst>
+              <a:ext uri="{FF2B5EF4-FFF2-40B4-BE49-F238E27FC236}">
+                <a16:creationId xmlns:a16="http://schemas.microsoft.com/office/drawing/2014/main" id="{09BC9A17-24BB-1586-560A-3BD986CC927F}"/>
+              </a:ext>
+            </a:extLst>
+          </p:cNvPr>
+          <p:cNvPicPr>
+            <a:picLocks noChangeAspect="1"/>
+          </p:cNvPicPr>
+          <p:nvPr/>
+        </p:nvPicPr>
+        <p:blipFill>
+          <a:blip r:embed="rId3"/>
+          <a:stretch>
+            <a:fillRect/>
+          </a:stretch>
+        </p:blipFill>
+        <p:spPr>
+          <a:xfrm>
+            <a:off x="979689" y="1730151"/>
+            <a:ext cx="9265056" cy="1463810"/>
+          </a:xfrm>
+          <a:prstGeom prst="rect">
+            <a:avLst/>
+          </a:prstGeom>
+        </p:spPr>
+      </p:pic>
+      <p:pic>
+        <p:nvPicPr>
+          <p:cNvPr id="5" name="Picture 4">
+            <a:extLst>
+              <a:ext uri="{FF2B5EF4-FFF2-40B4-BE49-F238E27FC236}">
+                <a16:creationId xmlns:a16="http://schemas.microsoft.com/office/drawing/2014/main" id="{D2261089-1A17-B57B-9645-46692D3E5E94}"/>
+              </a:ext>
+            </a:extLst>
+          </p:cNvPr>
+          <p:cNvPicPr>
+            <a:picLocks noChangeAspect="1"/>
+          </p:cNvPicPr>
+          <p:nvPr/>
+        </p:nvPicPr>
+        <p:blipFill>
+          <a:blip r:embed="rId4"/>
+          <a:stretch>
+            <a:fillRect/>
+          </a:stretch>
+        </p:blipFill>
+        <p:spPr>
+          <a:xfrm>
+            <a:off x="979689" y="3816529"/>
+            <a:ext cx="9265056" cy="1463810"/>
+          </a:xfrm>
+          <a:prstGeom prst="rect">
+            <a:avLst/>
+          </a:prstGeom>
+        </p:spPr>
+      </p:pic>
+    </p:spTree>
+    <p:extLst>
+      <p:ext uri="{BB962C8B-B14F-4D97-AF65-F5344CB8AC3E}">
+        <p14:creationId xmlns:p14="http://schemas.microsoft.com/office/powerpoint/2010/main" val="1387545596"/>
+      </p:ext>
+    </p:extLst>
+  </p:cSld>
+  <p:clrMapOvr>
+    <a:masterClrMapping/>
+  </p:clrMapOvr>
+</p:sld>
+</file>
+
+<file path=ppt/slides/slide16.xml><?xml version="1.0" encoding="utf-8"?>
+<p:sld xmlns:a="http://schemas.openxmlformats.org/drawingml/2006/main" xmlns:r="http://schemas.openxmlformats.org/officeDocument/2006/relationships" xmlns:p="http://schemas.openxmlformats.org/presentationml/2006/main">
+  <p:cSld>
+    <p:spTree>
+      <p:nvGrpSpPr>
+        <p:cNvPr id="1" name=""/>
+        <p:cNvGrpSpPr/>
+        <p:nvPr/>
+      </p:nvGrpSpPr>
+      <p:grpSpPr>
+        <a:xfrm>
+          <a:off x="0" y="0"/>
+          <a:ext cx="0" cy="0"/>
+          <a:chOff x="0" y="0"/>
+          <a:chExt cx="0" cy="0"/>
+        </a:xfrm>
+      </p:grpSpPr>
+      <p:sp>
+        <p:nvSpPr>
+          <p:cNvPr id="2" name="Title 1"/>
+          <p:cNvSpPr>
+            <a:spLocks noGrp="1"/>
+          </p:cNvSpPr>
+          <p:nvPr>
+            <p:ph type="title"/>
+          </p:nvPr>
+        </p:nvSpPr>
+        <p:spPr>
+          <a:xfrm>
+            <a:off x="838200" y="365126"/>
+            <a:ext cx="10515600" cy="981894"/>
+          </a:xfrm>
+        </p:spPr>
+        <p:txBody>
+          <a:bodyPr>
+            <a:normAutofit/>
+          </a:bodyPr>
+          <a:lstStyle/>
+          <a:p>
+            <a:r>
+              <a:rPr lang="en-US" dirty="0"/>
+              <a:t>Classification Tree-Building Process</a:t>
+            </a:r>
+          </a:p>
+        </p:txBody>
+      </p:sp>
+      <p:pic>
+        <p:nvPicPr>
+          <p:cNvPr id="3" name="Picture 2">
+            <a:extLst>
+              <a:ext uri="{FF2B5EF4-FFF2-40B4-BE49-F238E27FC236}">
+                <a16:creationId xmlns:a16="http://schemas.microsoft.com/office/drawing/2014/main" id="{414FDDB6-3A78-BBF6-17B6-1941C5EAD145}"/>
+              </a:ext>
+            </a:extLst>
+          </p:cNvPr>
+          <p:cNvPicPr>
+            <a:picLocks noChangeAspect="1"/>
+          </p:cNvPicPr>
+          <p:nvPr/>
+        </p:nvPicPr>
+        <p:blipFill>
+          <a:blip r:embed="rId3"/>
+          <a:stretch>
+            <a:fillRect/>
+          </a:stretch>
+        </p:blipFill>
+        <p:spPr>
+          <a:xfrm>
+            <a:off x="3477723" y="2633069"/>
+            <a:ext cx="4592511" cy="1056032"/>
+          </a:xfrm>
+          <a:prstGeom prst="rect">
+            <a:avLst/>
+          </a:prstGeom>
+        </p:spPr>
+      </p:pic>
+      <p:sp>
+        <p:nvSpPr>
+          <p:cNvPr id="7" name="TextBox 6">
+            <a:extLst>
+              <a:ext uri="{FF2B5EF4-FFF2-40B4-BE49-F238E27FC236}">
+                <a16:creationId xmlns:a16="http://schemas.microsoft.com/office/drawing/2014/main" id="{2F604905-E1E4-0B7C-2122-D461825A5D32}"/>
+              </a:ext>
+            </a:extLst>
+          </p:cNvPr>
+          <p:cNvSpPr txBox="1"/>
+          <p:nvPr/>
+        </p:nvSpPr>
+        <p:spPr>
+          <a:xfrm>
+            <a:off x="838200" y="1746961"/>
+            <a:ext cx="10073640" cy="523220"/>
+          </a:xfrm>
+          <a:prstGeom prst="rect">
+            <a:avLst/>
+          </a:prstGeom>
+          <a:noFill/>
+        </p:spPr>
+        <p:txBody>
+          <a:bodyPr wrap="square">
+            <a:spAutoFit/>
+          </a:bodyPr>
+          <a:lstStyle/>
+          <a:p>
+            <a:r>
+              <a:rPr lang="en-US" altLang="zh-CN" sz="2800" dirty="0"/>
+              <a:t>If a target is a classification outcome taking on values 0,1,…,K-1 </a:t>
+            </a:r>
+          </a:p>
+        </p:txBody>
+      </p:sp>
+      <p:sp>
+        <p:nvSpPr>
+          <p:cNvPr id="8" name="TextBox 7">
+            <a:extLst>
+              <a:ext uri="{FF2B5EF4-FFF2-40B4-BE49-F238E27FC236}">
+                <a16:creationId xmlns:a16="http://schemas.microsoft.com/office/drawing/2014/main" id="{6DDE8594-BF1E-38A1-0D8D-3A4ACF3959B2}"/>
+              </a:ext>
+            </a:extLst>
+          </p:cNvPr>
+          <p:cNvSpPr txBox="1"/>
+          <p:nvPr/>
+        </p:nvSpPr>
+        <p:spPr>
+          <a:xfrm>
+            <a:off x="737158" y="4064600"/>
+            <a:ext cx="10073640" cy="954107"/>
+          </a:xfrm>
+          <a:prstGeom prst="rect">
+            <a:avLst/>
+          </a:prstGeom>
+          <a:noFill/>
+        </p:spPr>
+        <p:txBody>
+          <a:bodyPr wrap="square">
+            <a:spAutoFit/>
+          </a:bodyPr>
+          <a:lstStyle/>
+          <a:p>
+            <a:r>
+              <a:rPr lang="en-US" altLang="zh-CN" sz="2800" dirty="0"/>
+              <a:t>The Gini index is defined by </a:t>
+            </a:r>
+          </a:p>
+          <a:p>
+            <a:r>
+              <a:rPr lang="en-US" altLang="zh-CN" sz="2800" dirty="0"/>
+              <a:t> </a:t>
+            </a:r>
+          </a:p>
+        </p:txBody>
+      </p:sp>
+      <p:pic>
+        <p:nvPicPr>
+          <p:cNvPr id="9" name="Picture 8">
+            <a:extLst>
+              <a:ext uri="{FF2B5EF4-FFF2-40B4-BE49-F238E27FC236}">
+                <a16:creationId xmlns:a16="http://schemas.microsoft.com/office/drawing/2014/main" id="{73C087F9-D25A-4422-06E8-9E59ECFDB018}"/>
+              </a:ext>
+            </a:extLst>
+          </p:cNvPr>
+          <p:cNvPicPr>
+            <a:picLocks noChangeAspect="1"/>
+          </p:cNvPicPr>
+          <p:nvPr/>
+        </p:nvPicPr>
+        <p:blipFill>
+          <a:blip r:embed="rId4"/>
+          <a:stretch>
+            <a:fillRect/>
+          </a:stretch>
+        </p:blipFill>
+        <p:spPr>
+          <a:xfrm>
+            <a:off x="4257361" y="4851596"/>
+            <a:ext cx="3033233" cy="1263847"/>
+          </a:xfrm>
+          <a:prstGeom prst="rect">
+            <a:avLst/>
+          </a:prstGeom>
+        </p:spPr>
+      </p:pic>
+    </p:spTree>
+    <p:extLst>
+      <p:ext uri="{BB962C8B-B14F-4D97-AF65-F5344CB8AC3E}">
+        <p14:creationId xmlns:p14="http://schemas.microsoft.com/office/powerpoint/2010/main" val="1660813449"/>
+      </p:ext>
+    </p:extLst>
+  </p:cSld>
+  <p:clrMapOvr>
+    <a:masterClrMapping/>
+  </p:clrMapOvr>
+</p:sld>
+</file>
+
+<file path=ppt/slides/slide17.xml><?xml version="1.0" encoding="utf-8"?>
+<p:sld xmlns:a="http://schemas.openxmlformats.org/drawingml/2006/main" xmlns:r="http://schemas.openxmlformats.org/officeDocument/2006/relationships" xmlns:p="http://schemas.openxmlformats.org/presentationml/2006/main">
+  <p:cSld>
+    <p:spTree>
+      <p:nvGrpSpPr>
+        <p:cNvPr id="1" name=""/>
+        <p:cNvGrpSpPr/>
+        <p:nvPr/>
+      </p:nvGrpSpPr>
+      <p:grpSpPr>
+        <a:xfrm>
+          <a:off x="0" y="0"/>
+          <a:ext cx="0" cy="0"/>
+          <a:chOff x="0" y="0"/>
+          <a:chExt cx="0" cy="0"/>
+        </a:xfrm>
+      </p:grpSpPr>
+      <p:sp>
+        <p:nvSpPr>
+          <p:cNvPr id="2" name="Title 1"/>
+          <p:cNvSpPr>
+            <a:spLocks noGrp="1"/>
+          </p:cNvSpPr>
+          <p:nvPr>
+            <p:ph type="title"/>
+          </p:nvPr>
+        </p:nvSpPr>
+        <p:spPr>
+          <a:xfrm>
+            <a:off x="838200" y="365126"/>
+            <a:ext cx="10515600" cy="981894"/>
+          </a:xfrm>
+        </p:spPr>
+        <p:txBody>
+          <a:bodyPr>
+            <a:normAutofit/>
+          </a:bodyPr>
+          <a:lstStyle/>
+          <a:p>
+            <a:r>
+              <a:rPr lang="en-US" dirty="0"/>
+              <a:t>Classification Tree-Building Process</a:t>
+            </a:r>
+          </a:p>
+        </p:txBody>
+      </p:sp>
+      <p:pic>
+        <p:nvPicPr>
+          <p:cNvPr id="3" name="Picture 2">
+            <a:extLst>
+              <a:ext uri="{FF2B5EF4-FFF2-40B4-BE49-F238E27FC236}">
+                <a16:creationId xmlns:a16="http://schemas.microsoft.com/office/drawing/2014/main" id="{414FDDB6-3A78-BBF6-17B6-1941C5EAD145}"/>
+              </a:ext>
+            </a:extLst>
+          </p:cNvPr>
+          <p:cNvPicPr>
+            <a:picLocks noChangeAspect="1"/>
+          </p:cNvPicPr>
+          <p:nvPr/>
+        </p:nvPicPr>
+        <p:blipFill>
+          <a:blip r:embed="rId3"/>
+          <a:stretch>
+            <a:fillRect/>
+          </a:stretch>
+        </p:blipFill>
+        <p:spPr>
+          <a:xfrm>
+            <a:off x="3477723" y="2633069"/>
+            <a:ext cx="4592511" cy="1056032"/>
+          </a:xfrm>
+          <a:prstGeom prst="rect">
+            <a:avLst/>
+          </a:prstGeom>
+        </p:spPr>
+      </p:pic>
+      <p:sp>
+        <p:nvSpPr>
+          <p:cNvPr id="7" name="TextBox 6">
+            <a:extLst>
+              <a:ext uri="{FF2B5EF4-FFF2-40B4-BE49-F238E27FC236}">
+                <a16:creationId xmlns:a16="http://schemas.microsoft.com/office/drawing/2014/main" id="{2F604905-E1E4-0B7C-2122-D461825A5D32}"/>
+              </a:ext>
+            </a:extLst>
+          </p:cNvPr>
+          <p:cNvSpPr txBox="1"/>
+          <p:nvPr/>
+        </p:nvSpPr>
+        <p:spPr>
+          <a:xfrm>
+            <a:off x="838200" y="1746961"/>
+            <a:ext cx="10073640" cy="523220"/>
+          </a:xfrm>
+          <a:prstGeom prst="rect">
+            <a:avLst/>
+          </a:prstGeom>
+          <a:noFill/>
+        </p:spPr>
+        <p:txBody>
+          <a:bodyPr wrap="square">
+            <a:spAutoFit/>
+          </a:bodyPr>
+          <a:lstStyle/>
+          <a:p>
+            <a:r>
+              <a:rPr lang="en-US" altLang="zh-CN" sz="2800" dirty="0"/>
+              <a:t>If a target is a classification outcome taking on values 0,1,…,K-1 </a:t>
+            </a:r>
+          </a:p>
+        </p:txBody>
+      </p:sp>
+      <p:sp>
+        <p:nvSpPr>
+          <p:cNvPr id="8" name="TextBox 7">
+            <a:extLst>
+              <a:ext uri="{FF2B5EF4-FFF2-40B4-BE49-F238E27FC236}">
+                <a16:creationId xmlns:a16="http://schemas.microsoft.com/office/drawing/2014/main" id="{6DDE8594-BF1E-38A1-0D8D-3A4ACF3959B2}"/>
+              </a:ext>
+            </a:extLst>
+          </p:cNvPr>
+          <p:cNvSpPr txBox="1"/>
+          <p:nvPr/>
+        </p:nvSpPr>
+        <p:spPr>
+          <a:xfrm>
+            <a:off x="737158" y="4064600"/>
+            <a:ext cx="10073640" cy="954107"/>
+          </a:xfrm>
+          <a:prstGeom prst="rect">
+            <a:avLst/>
+          </a:prstGeom>
+          <a:noFill/>
+        </p:spPr>
+        <p:txBody>
+          <a:bodyPr wrap="square">
+            <a:spAutoFit/>
+          </a:bodyPr>
+          <a:lstStyle/>
+          <a:p>
+            <a:r>
+              <a:rPr lang="en-US" altLang="zh-CN" sz="2800" dirty="0"/>
+              <a:t>The Gini index is defined by </a:t>
+            </a:r>
+          </a:p>
+          <a:p>
+            <a:r>
+              <a:rPr lang="en-US" altLang="zh-CN" sz="2800" dirty="0"/>
+              <a:t> </a:t>
+            </a:r>
+          </a:p>
+        </p:txBody>
+      </p:sp>
+      <p:pic>
+        <p:nvPicPr>
+          <p:cNvPr id="9" name="Picture 8">
+            <a:extLst>
+              <a:ext uri="{FF2B5EF4-FFF2-40B4-BE49-F238E27FC236}">
+                <a16:creationId xmlns:a16="http://schemas.microsoft.com/office/drawing/2014/main" id="{73C087F9-D25A-4422-06E8-9E59ECFDB018}"/>
+              </a:ext>
+            </a:extLst>
+          </p:cNvPr>
+          <p:cNvPicPr>
+            <a:picLocks noChangeAspect="1"/>
+          </p:cNvPicPr>
+          <p:nvPr/>
+        </p:nvPicPr>
+        <p:blipFill>
+          <a:blip r:embed="rId4"/>
+          <a:stretch>
+            <a:fillRect/>
+          </a:stretch>
+        </p:blipFill>
+        <p:spPr>
+          <a:xfrm>
+            <a:off x="4257361" y="4851596"/>
+            <a:ext cx="3033233" cy="1263847"/>
+          </a:xfrm>
+          <a:prstGeom prst="rect">
+            <a:avLst/>
+          </a:prstGeom>
+        </p:spPr>
+      </p:pic>
+    </p:spTree>
+    <p:extLst>
+      <p:ext uri="{BB962C8B-B14F-4D97-AF65-F5344CB8AC3E}">
+        <p14:creationId xmlns:p14="http://schemas.microsoft.com/office/powerpoint/2010/main" val="2938572866"/>
+      </p:ext>
+    </p:extLst>
+  </p:cSld>
+  <p:clrMapOvr>
+    <a:masterClrMapping/>
+  </p:clrMapOvr>
+</p:sld>
+</file>
+
+<file path=ppt/slides/slide18.xml><?xml version="1.0" encoding="utf-8"?>
+<p:sld xmlns:a="http://schemas.openxmlformats.org/drawingml/2006/main" xmlns:r="http://schemas.openxmlformats.org/officeDocument/2006/relationships" xmlns:p="http://schemas.openxmlformats.org/presentationml/2006/main">
+  <p:cSld>
+    <p:spTree>
+      <p:nvGrpSpPr>
+        <p:cNvPr id="1" name=""/>
+        <p:cNvGrpSpPr/>
+        <p:nvPr/>
+      </p:nvGrpSpPr>
+      <p:grpSpPr>
+        <a:xfrm>
+          <a:off x="0" y="0"/>
+          <a:ext cx="0" cy="0"/>
+          <a:chOff x="0" y="0"/>
+          <a:chExt cx="0" cy="0"/>
+        </a:xfrm>
+      </p:grpSpPr>
+      <p:sp>
+        <p:nvSpPr>
+          <p:cNvPr id="2" name="Title 1"/>
+          <p:cNvSpPr>
+            <a:spLocks noGrp="1"/>
+          </p:cNvSpPr>
+          <p:nvPr>
+            <p:ph type="title"/>
+          </p:nvPr>
+        </p:nvSpPr>
+        <p:spPr>
+          <a:xfrm>
+            <a:off x="838200" y="365126"/>
+            <a:ext cx="10515600" cy="981894"/>
+          </a:xfrm>
+        </p:spPr>
+        <p:txBody>
+          <a:bodyPr>
+            <a:normAutofit/>
+          </a:bodyPr>
+          <a:lstStyle/>
+          <a:p>
+            <a:r>
+              <a:rPr lang="en-US" dirty="0"/>
+              <a:t>Gini Index</a:t>
+            </a:r>
+          </a:p>
+        </p:txBody>
+      </p:sp>
+      <mc:AlternateContent xmlns:mc="http://schemas.openxmlformats.org/markup-compatibility/2006">
+        <mc:Choice xmlns:a14="http://schemas.microsoft.com/office/drawing/2010/main" Requires="a14">
+          <p:sp>
+            <p:nvSpPr>
+              <p:cNvPr id="7" name="TextBox 6">
+                <a:extLst>
+                  <a:ext uri="{FF2B5EF4-FFF2-40B4-BE49-F238E27FC236}">
+                    <a16:creationId xmlns:a16="http://schemas.microsoft.com/office/drawing/2014/main" id="{2F604905-E1E4-0B7C-2122-D461825A5D32}"/>
+                  </a:ext>
+                </a:extLst>
+              </p:cNvPr>
+              <p:cNvSpPr txBox="1"/>
+              <p:nvPr/>
+            </p:nvSpPr>
+            <p:spPr>
+              <a:xfrm>
+                <a:off x="838200" y="1746961"/>
                 <a:ext cx="10073640" cy="954107"/>
               </a:xfrm>
               <a:prstGeom prst="rect">
@@ -5849,33 +7263,64 @@
               <a:p>
                 <a:r>
                   <a:rPr lang="en-US" altLang="zh-CN" sz="2800" dirty="0"/>
-                  <a:t>A natural cubic spline extrapolates linearly beyond the boundary knots, which adds </a:t>
+                  <a:t>Gini index is a measure of total variance across the K classes. The Gini index takes on a small value if all </a:t>
                 </a:r>
                 <a14:m>
                   <m:oMath xmlns:m="http://schemas.openxmlformats.org/officeDocument/2006/math">
-                    <m:r>
-                      <a:rPr lang="en-US" altLang="zh-CN" sz="2800" b="0" i="1" smtClean="0">
-                        <a:latin typeface="Cambria Math" panose="02040503050406030204" pitchFamily="18" charset="0"/>
-                      </a:rPr>
-                      <m:t>4=2×2</m:t>
-                    </m:r>
+                    <m:sSub>
+                      <m:sSubPr>
+                        <m:ctrlPr>
+                          <a:rPr lang="en-US" altLang="zh-CN" sz="2800" b="0" i="1" smtClean="0">
+                            <a:latin typeface="Cambria Math" panose="02040503050406030204" pitchFamily="18" charset="0"/>
+                          </a:rPr>
+                        </m:ctrlPr>
+                      </m:sSubPr>
+                      <m:e>
+                        <m:acc>
+                          <m:accPr>
+                            <m:chr m:val="̂"/>
+                            <m:ctrlPr>
+                              <a:rPr lang="en-US" altLang="zh-CN" sz="2800" i="1" smtClean="0">
+                                <a:latin typeface="Cambria Math" panose="02040503050406030204" pitchFamily="18" charset="0"/>
+                              </a:rPr>
+                            </m:ctrlPr>
+                          </m:accPr>
+                          <m:e>
+                            <m:r>
+                              <a:rPr lang="en-US" altLang="zh-CN" sz="2800" b="0" i="1" smtClean="0">
+                                <a:latin typeface="Cambria Math" panose="02040503050406030204" pitchFamily="18" charset="0"/>
+                              </a:rPr>
+                              <m:t>𝑝</m:t>
+                            </m:r>
+                          </m:e>
+                        </m:acc>
+                      </m:e>
+                      <m:sub>
+                        <m:r>
+                          <a:rPr lang="en-US" altLang="zh-CN" sz="2800" b="0" i="1" smtClean="0">
+                            <a:latin typeface="Cambria Math" panose="02040503050406030204" pitchFamily="18" charset="0"/>
+                          </a:rPr>
+                          <m:t>𝑚𝑘</m:t>
+                        </m:r>
+                      </m:sub>
+                    </m:sSub>
                   </m:oMath>
                 </a14:m>
                 <a:r>
                   <a:rPr lang="en-US" altLang="zh-CN" sz="2800" dirty="0"/>
-                  <a:t> constraints </a:t>
+                  <a:t> are close to zero or one. </a:t>
                 </a:r>
               </a:p>
             </p:txBody>
           </p:sp>
         </mc:Choice>
-        <mc:Fallback xmlns="">
+        <mc:Fallback>
           <p:sp>
             <p:nvSpPr>
-              <p:cNvPr id="3" name="TextBox 2">
+              <p:cNvPr id="7" name="TextBox 6">
                 <a:extLst>
                   <a:ext uri="{FF2B5EF4-FFF2-40B4-BE49-F238E27FC236}">
-                    <a16:creationId xmlns:a16="http://schemas.microsoft.com/office/drawing/2014/main" id="{5C97A158-F913-D876-7FE0-24A6C091BA83}"/>
+                    <a16:creationId xmlns:a16="http://schemas.microsoft.com/office/drawing/2014/main" id="{2F604905-E1E4-0B7C-2122-D461825A5D32}"/>
                   </a:ext>
                 </a:extLst>
               </p:cNvPr>
@@ -5886,7 +7331,7 @@
             </p:nvSpPr>
             <p:spPr>
               <a:xfrm>
-                <a:off x="838200" y="1547630"/>
+                <a:off x="838200" y="1746961"/>
                 <a:ext cx="10073640" cy="954107"/>
               </a:xfrm>
               <a:prstGeom prst="rect">
@@ -5914,102 +7359,12 @@
           </p:sp>
         </mc:Fallback>
       </mc:AlternateContent>
-      <p:pic>
-        <p:nvPicPr>
-          <p:cNvPr id="6" name="Picture 5">
+      <p:sp>
+        <p:nvSpPr>
+          <p:cNvPr id="4" name="TextBox 3">
             <a:extLst>
               <a:ext uri="{FF2B5EF4-FFF2-40B4-BE49-F238E27FC236}">
-                <a16:creationId xmlns:a16="http://schemas.microsoft.com/office/drawing/2014/main" id="{2A90F8CF-2171-05E8-4872-A21BC0ADBF16}"/>
-              </a:ext>
-            </a:extLst>
-          </p:cNvPr>
-          <p:cNvPicPr>
-            <a:picLocks noChangeAspect="1"/>
-          </p:cNvPicPr>
-          <p:nvPr/>
-        </p:nvPicPr>
-        <p:blipFill>
-          <a:blip r:embed="rId4"/>
-          <a:stretch>
-            <a:fillRect/>
-          </a:stretch>
-        </p:blipFill>
-        <p:spPr>
-          <a:xfrm>
-            <a:off x="2478087" y="2830513"/>
-            <a:ext cx="5551488" cy="3746570"/>
-          </a:xfrm>
-          <a:prstGeom prst="rect">
-            <a:avLst/>
-          </a:prstGeom>
-        </p:spPr>
-      </p:pic>
-    </p:spTree>
-    <p:extLst>
-      <p:ext uri="{BB962C8B-B14F-4D97-AF65-F5344CB8AC3E}">
-        <p14:creationId xmlns:p14="http://schemas.microsoft.com/office/powerpoint/2010/main" val="3732722837"/>
-      </p:ext>
-    </p:extLst>
-  </p:cSld>
-  <p:clrMapOvr>
-    <a:masterClrMapping/>
-  </p:clrMapOvr>
-</p:sld>
-</file>
-
-<file path=ppt/slides/slide13.xml><?xml version="1.0" encoding="utf-8"?>
-<p:sld xmlns:a="http://schemas.openxmlformats.org/drawingml/2006/main" xmlns:r="http://schemas.openxmlformats.org/officeDocument/2006/relationships" xmlns:p="http://schemas.openxmlformats.org/presentationml/2006/main">
-  <p:cSld>
-    <p:spTree>
-      <p:nvGrpSpPr>
-        <p:cNvPr id="1" name=""/>
-        <p:cNvGrpSpPr/>
-        <p:nvPr/>
-      </p:nvGrpSpPr>
-      <p:grpSpPr>
-        <a:xfrm>
-          <a:off x="0" y="0"/>
-          <a:ext cx="0" cy="0"/>
-          <a:chOff x="0" y="0"/>
-          <a:chExt cx="0" cy="0"/>
-        </a:xfrm>
-      </p:grpSpPr>
-      <p:sp>
-        <p:nvSpPr>
-          <p:cNvPr id="2" name="Title 1"/>
-          <p:cNvSpPr>
-            <a:spLocks noGrp="1"/>
-          </p:cNvSpPr>
-          <p:nvPr>
-            <p:ph type="title"/>
-          </p:nvPr>
-        </p:nvSpPr>
-        <p:spPr>
-          <a:xfrm>
-            <a:off x="838200" y="365126"/>
-            <a:ext cx="10515600" cy="981894"/>
-          </a:xfrm>
-        </p:spPr>
-        <p:txBody>
-          <a:bodyPr>
-            <a:normAutofit/>
-          </a:bodyPr>
-          <a:lstStyle/>
-          <a:p>
-            <a:r>
-              <a:rPr lang="en-US" sz="4400" dirty="0"/>
-              <a:t>Smoothing Splines </a:t>
-            </a:r>
-            <a:endParaRPr lang="en-US" dirty="0"/>
-          </a:p>
-        </p:txBody>
-      </p:sp>
-      <p:sp>
-        <p:nvSpPr>
-          <p:cNvPr id="3" name="TextBox 2">
-            <a:extLst>
-              <a:ext uri="{FF2B5EF4-FFF2-40B4-BE49-F238E27FC236}">
-                <a16:creationId xmlns:a16="http://schemas.microsoft.com/office/drawing/2014/main" id="{5C97A158-F913-D876-7FE0-24A6C091BA83}"/>
+                <a16:creationId xmlns:a16="http://schemas.microsoft.com/office/drawing/2014/main" id="{6ED8C8C1-0560-21B2-BEED-9CD5650FAA7A}"/>
               </a:ext>
             </a:extLst>
           </p:cNvPr>
@@ -6018,8 +7373,8 @@
         </p:nvSpPr>
         <p:spPr>
           <a:xfrm>
-            <a:off x="838200" y="1547630"/>
-            <a:ext cx="10073640" cy="523220"/>
+            <a:off x="838200" y="3563970"/>
+            <a:ext cx="10073640" cy="1815882"/>
           </a:xfrm>
           <a:prstGeom prst="rect">
             <a:avLst/>
@@ -6034,754 +7389,21 @@
           <a:p>
             <a:r>
               <a:rPr lang="en-US" altLang="zh-CN" sz="2800" dirty="0"/>
-              <a:t>Objective for smoothing splines</a:t>
-            </a:r>
-          </a:p>
-        </p:txBody>
-      </p:sp>
-      <p:pic>
-        <p:nvPicPr>
-          <p:cNvPr id="4" name="Picture 3">
-            <a:extLst>
-              <a:ext uri="{FF2B5EF4-FFF2-40B4-BE49-F238E27FC236}">
-                <a16:creationId xmlns:a16="http://schemas.microsoft.com/office/drawing/2014/main" id="{BC77EB4C-D8AE-667B-9075-9D13980C791C}"/>
-              </a:ext>
-            </a:extLst>
-          </p:cNvPr>
-          <p:cNvPicPr>
-            <a:picLocks noChangeAspect="1"/>
-          </p:cNvPicPr>
-          <p:nvPr/>
-        </p:nvPicPr>
-        <p:blipFill>
-          <a:blip r:embed="rId3"/>
-          <a:stretch>
-            <a:fillRect/>
-          </a:stretch>
-        </p:blipFill>
-        <p:spPr>
-          <a:xfrm>
-            <a:off x="2163761" y="2421075"/>
-            <a:ext cx="6854613" cy="1249363"/>
-          </a:xfrm>
-          <a:prstGeom prst="rect">
-            <a:avLst/>
-          </a:prstGeom>
-        </p:spPr>
-      </p:pic>
-      <p:sp>
-        <p:nvSpPr>
-          <p:cNvPr id="5" name="TextBox 4">
-            <a:extLst>
-              <a:ext uri="{FF2B5EF4-FFF2-40B4-BE49-F238E27FC236}">
-                <a16:creationId xmlns:a16="http://schemas.microsoft.com/office/drawing/2014/main" id="{432E11A6-F401-198D-5D3B-C6693B02C9A8}"/>
-              </a:ext>
-            </a:extLst>
-          </p:cNvPr>
-          <p:cNvSpPr txBox="1"/>
-          <p:nvPr/>
-        </p:nvSpPr>
-        <p:spPr>
-          <a:xfrm>
-            <a:off x="838200" y="4020663"/>
-            <a:ext cx="10073640" cy="1384995"/>
-          </a:xfrm>
-          <a:prstGeom prst="rect">
-            <a:avLst/>
-          </a:prstGeom>
-          <a:noFill/>
-        </p:spPr>
-        <p:txBody>
-          <a:bodyPr wrap="square">
-            <a:spAutoFit/>
-          </a:bodyPr>
-          <a:lstStyle/>
+              <a:t>For this reason the Gini index is referred to as a measure of node purity — a small value indicates that a node contains predominantly observations from a single class. </a:t>
+            </a:r>
+          </a:p>
           <a:p>
             <a:r>
               <a:rPr lang="en-US" altLang="zh-CN" sz="2800" dirty="0"/>
-              <a:t>The second term is a roughness penalty and controls how wiggly g(x) is. It is modulated by the tuning parameter. </a:t>
-            </a:r>
-          </a:p>
-          <a:p>
-            <a:endParaRPr lang="en-US" altLang="zh-CN" sz="2800" dirty="0"/>
+              <a:t> </a:t>
+            </a:r>
           </a:p>
         </p:txBody>
       </p:sp>
     </p:spTree>
     <p:extLst>
       <p:ext uri="{BB962C8B-B14F-4D97-AF65-F5344CB8AC3E}">
-        <p14:creationId xmlns:p14="http://schemas.microsoft.com/office/powerpoint/2010/main" val="1828494070"/>
-      </p:ext>
-    </p:extLst>
-  </p:cSld>
-  <p:clrMapOvr>
-    <a:masterClrMapping/>
-  </p:clrMapOvr>
-</p:sld>
-</file>
-
-<file path=ppt/slides/slide14.xml><?xml version="1.0" encoding="utf-8"?>
-<p:sld xmlns:a="http://schemas.openxmlformats.org/drawingml/2006/main" xmlns:r="http://schemas.openxmlformats.org/officeDocument/2006/relationships" xmlns:p="http://schemas.openxmlformats.org/presentationml/2006/main">
-  <p:cSld>
-    <p:spTree>
-      <p:nvGrpSpPr>
-        <p:cNvPr id="1" name=""/>
-        <p:cNvGrpSpPr/>
-        <p:nvPr/>
-      </p:nvGrpSpPr>
-      <p:grpSpPr>
-        <a:xfrm>
-          <a:off x="0" y="0"/>
-          <a:ext cx="0" cy="0"/>
-          <a:chOff x="0" y="0"/>
-          <a:chExt cx="0" cy="0"/>
-        </a:xfrm>
-      </p:grpSpPr>
-      <p:sp>
-        <p:nvSpPr>
-          <p:cNvPr id="2" name="Title 1"/>
-          <p:cNvSpPr>
-            <a:spLocks noGrp="1"/>
-          </p:cNvSpPr>
-          <p:nvPr>
-            <p:ph type="title"/>
-          </p:nvPr>
-        </p:nvSpPr>
-        <p:spPr>
-          <a:xfrm>
-            <a:off x="838200" y="365126"/>
-            <a:ext cx="10515600" cy="981894"/>
-          </a:xfrm>
-        </p:spPr>
-        <p:txBody>
-          <a:bodyPr>
-            <a:normAutofit/>
-          </a:bodyPr>
-          <a:lstStyle/>
-          <a:p>
-            <a:r>
-              <a:rPr lang="en-US" sz="4400" dirty="0"/>
-              <a:t>Smoothing Splines </a:t>
-            </a:r>
-            <a:endParaRPr lang="en-US" dirty="0"/>
-          </a:p>
-        </p:txBody>
-      </p:sp>
-      <p:pic>
-        <p:nvPicPr>
-          <p:cNvPr id="6" name="Picture 5">
-            <a:extLst>
-              <a:ext uri="{FF2B5EF4-FFF2-40B4-BE49-F238E27FC236}">
-                <a16:creationId xmlns:a16="http://schemas.microsoft.com/office/drawing/2014/main" id="{C286E16C-5D94-F2A2-AB2B-E4FDAF7E4A39}"/>
-              </a:ext>
-            </a:extLst>
-          </p:cNvPr>
-          <p:cNvPicPr>
-            <a:picLocks noChangeAspect="1"/>
-          </p:cNvPicPr>
-          <p:nvPr/>
-        </p:nvPicPr>
-        <p:blipFill>
-          <a:blip r:embed="rId3"/>
-          <a:stretch>
-            <a:fillRect/>
-          </a:stretch>
-        </p:blipFill>
-        <p:spPr>
-          <a:xfrm>
-            <a:off x="1781173" y="1638449"/>
-            <a:ext cx="6648452" cy="4854425"/>
-          </a:xfrm>
-          <a:prstGeom prst="rect">
-            <a:avLst/>
-          </a:prstGeom>
-        </p:spPr>
-      </p:pic>
-    </p:spTree>
-    <p:extLst>
-      <p:ext uri="{BB962C8B-B14F-4D97-AF65-F5344CB8AC3E}">
-        <p14:creationId xmlns:p14="http://schemas.microsoft.com/office/powerpoint/2010/main" val="303847479"/>
-      </p:ext>
-    </p:extLst>
-  </p:cSld>
-  <p:clrMapOvr>
-    <a:masterClrMapping/>
-  </p:clrMapOvr>
-</p:sld>
-</file>
-
-<file path=ppt/slides/slide15.xml><?xml version="1.0" encoding="utf-8"?>
-<p:sld xmlns:a="http://schemas.openxmlformats.org/drawingml/2006/main" xmlns:r="http://schemas.openxmlformats.org/officeDocument/2006/relationships" xmlns:p="http://schemas.openxmlformats.org/presentationml/2006/main">
-  <p:cSld>
-    <p:spTree>
-      <p:nvGrpSpPr>
-        <p:cNvPr id="1" name=""/>
-        <p:cNvGrpSpPr/>
-        <p:nvPr/>
-      </p:nvGrpSpPr>
-      <p:grpSpPr>
-        <a:xfrm>
-          <a:off x="0" y="0"/>
-          <a:ext cx="0" cy="0"/>
-          <a:chOff x="0" y="0"/>
-          <a:chExt cx="0" cy="0"/>
-        </a:xfrm>
-      </p:grpSpPr>
-      <p:sp>
-        <p:nvSpPr>
-          <p:cNvPr id="2" name="Title 1"/>
-          <p:cNvSpPr>
-            <a:spLocks noGrp="1"/>
-          </p:cNvSpPr>
-          <p:nvPr>
-            <p:ph type="title"/>
-          </p:nvPr>
-        </p:nvSpPr>
-        <p:spPr>
-          <a:xfrm>
-            <a:off x="838200" y="365126"/>
-            <a:ext cx="10515600" cy="981894"/>
-          </a:xfrm>
-        </p:spPr>
-        <p:txBody>
-          <a:bodyPr>
-            <a:normAutofit/>
-          </a:bodyPr>
-          <a:lstStyle/>
-          <a:p>
-            <a:r>
-              <a:rPr lang="en-US" sz="4400" dirty="0"/>
-              <a:t>Generalized Additive Models (GAM)  </a:t>
-            </a:r>
-            <a:endParaRPr lang="en-US" dirty="0"/>
-          </a:p>
-        </p:txBody>
-      </p:sp>
-      <p:pic>
-        <p:nvPicPr>
-          <p:cNvPr id="3" name="Picture 2">
-            <a:extLst>
-              <a:ext uri="{FF2B5EF4-FFF2-40B4-BE49-F238E27FC236}">
-                <a16:creationId xmlns:a16="http://schemas.microsoft.com/office/drawing/2014/main" id="{74D3C889-7D91-2D04-3FEE-AC213A3C24E4}"/>
-              </a:ext>
-            </a:extLst>
-          </p:cNvPr>
-          <p:cNvPicPr>
-            <a:picLocks noChangeAspect="1"/>
-          </p:cNvPicPr>
-          <p:nvPr/>
-        </p:nvPicPr>
-        <p:blipFill>
-          <a:blip r:embed="rId3"/>
-          <a:stretch>
-            <a:fillRect/>
-          </a:stretch>
-        </p:blipFill>
-        <p:spPr>
-          <a:xfrm>
-            <a:off x="2189159" y="3190714"/>
-            <a:ext cx="6854829" cy="616934"/>
-          </a:xfrm>
-          <a:prstGeom prst="rect">
-            <a:avLst/>
-          </a:prstGeom>
-        </p:spPr>
-      </p:pic>
-      <p:sp>
-        <p:nvSpPr>
-          <p:cNvPr id="4" name="TextBox 3">
-            <a:extLst>
-              <a:ext uri="{FF2B5EF4-FFF2-40B4-BE49-F238E27FC236}">
-                <a16:creationId xmlns:a16="http://schemas.microsoft.com/office/drawing/2014/main" id="{45E1B50C-5DB8-16D9-39FF-F23531683E07}"/>
-              </a:ext>
-            </a:extLst>
-          </p:cNvPr>
-          <p:cNvSpPr txBox="1"/>
-          <p:nvPr/>
-        </p:nvSpPr>
-        <p:spPr>
-          <a:xfrm>
-            <a:off x="872647" y="1791813"/>
-            <a:ext cx="10073640" cy="954107"/>
-          </a:xfrm>
-          <a:prstGeom prst="rect">
-            <a:avLst/>
-          </a:prstGeom>
-          <a:noFill/>
-        </p:spPr>
-        <p:txBody>
-          <a:bodyPr wrap="square">
-            <a:spAutoFit/>
-          </a:bodyPr>
-          <a:lstStyle/>
-          <a:p>
-            <a:r>
-              <a:rPr lang="en-US" altLang="zh-CN" sz="2800" dirty="0"/>
-              <a:t>Allows for flexible nonlinearities in several variables, but retains the additive structure of linear models. </a:t>
-            </a:r>
-          </a:p>
-        </p:txBody>
-      </p:sp>
-    </p:spTree>
-    <p:extLst>
-      <p:ext uri="{BB962C8B-B14F-4D97-AF65-F5344CB8AC3E}">
-        <p14:creationId xmlns:p14="http://schemas.microsoft.com/office/powerpoint/2010/main" val="2611264731"/>
-      </p:ext>
-    </p:extLst>
-  </p:cSld>
-  <p:clrMapOvr>
-    <a:masterClrMapping/>
-  </p:clrMapOvr>
-</p:sld>
-</file>
-
-<file path=ppt/slides/slide16.xml><?xml version="1.0" encoding="utf-8"?>
-<p:sld xmlns:a="http://schemas.openxmlformats.org/drawingml/2006/main" xmlns:r="http://schemas.openxmlformats.org/officeDocument/2006/relationships" xmlns:p="http://schemas.openxmlformats.org/presentationml/2006/main">
-  <p:cSld>
-    <p:spTree>
-      <p:nvGrpSpPr>
-        <p:cNvPr id="1" name=""/>
-        <p:cNvGrpSpPr/>
-        <p:nvPr/>
-      </p:nvGrpSpPr>
-      <p:grpSpPr>
-        <a:xfrm>
-          <a:off x="0" y="0"/>
-          <a:ext cx="0" cy="0"/>
-          <a:chOff x="0" y="0"/>
-          <a:chExt cx="0" cy="0"/>
-        </a:xfrm>
-      </p:grpSpPr>
-      <p:sp>
-        <p:nvSpPr>
-          <p:cNvPr id="2" name="Title 1"/>
-          <p:cNvSpPr>
-            <a:spLocks noGrp="1"/>
-          </p:cNvSpPr>
-          <p:nvPr>
-            <p:ph type="title"/>
-          </p:nvPr>
-        </p:nvSpPr>
-        <p:spPr>
-          <a:xfrm>
-            <a:off x="838200" y="365126"/>
-            <a:ext cx="10515600" cy="981894"/>
-          </a:xfrm>
-        </p:spPr>
-        <p:txBody>
-          <a:bodyPr>
-            <a:normAutofit/>
-          </a:bodyPr>
-          <a:lstStyle/>
-          <a:p>
-            <a:r>
-              <a:rPr lang="en-US" sz="4400" dirty="0"/>
-              <a:t>GAMs for classification  </a:t>
-            </a:r>
-            <a:endParaRPr lang="en-US" dirty="0"/>
-          </a:p>
-        </p:txBody>
-      </p:sp>
-      <p:pic>
-        <p:nvPicPr>
-          <p:cNvPr id="5" name="Picture 4">
-            <a:extLst>
-              <a:ext uri="{FF2B5EF4-FFF2-40B4-BE49-F238E27FC236}">
-                <a16:creationId xmlns:a16="http://schemas.microsoft.com/office/drawing/2014/main" id="{BDD4FD1D-1435-4F9E-48C8-B57936B0E5F9}"/>
-              </a:ext>
-            </a:extLst>
-          </p:cNvPr>
-          <p:cNvPicPr>
-            <a:picLocks noChangeAspect="1"/>
-          </p:cNvPicPr>
-          <p:nvPr/>
-        </p:nvPicPr>
-        <p:blipFill>
-          <a:blip r:embed="rId3"/>
-          <a:stretch>
-            <a:fillRect/>
-          </a:stretch>
-        </p:blipFill>
-        <p:spPr>
-          <a:xfrm>
-            <a:off x="1979611" y="1836777"/>
-            <a:ext cx="6944481" cy="835643"/>
-          </a:xfrm>
-          <a:prstGeom prst="rect">
-            <a:avLst/>
-          </a:prstGeom>
-        </p:spPr>
-      </p:pic>
-      <p:pic>
-        <p:nvPicPr>
-          <p:cNvPr id="6" name="Picture 5">
-            <a:extLst>
-              <a:ext uri="{FF2B5EF4-FFF2-40B4-BE49-F238E27FC236}">
-                <a16:creationId xmlns:a16="http://schemas.microsoft.com/office/drawing/2014/main" id="{DE4B2EA8-A1CD-9B7F-275A-AE3898C8F30D}"/>
-              </a:ext>
-            </a:extLst>
-          </p:cNvPr>
-          <p:cNvPicPr>
-            <a:picLocks noChangeAspect="1"/>
-          </p:cNvPicPr>
-          <p:nvPr/>
-        </p:nvPicPr>
-        <p:blipFill>
-          <a:blip r:embed="rId4"/>
-          <a:stretch>
-            <a:fillRect/>
-          </a:stretch>
-        </p:blipFill>
-        <p:spPr>
-          <a:xfrm>
-            <a:off x="1459667" y="2998262"/>
-            <a:ext cx="8284407" cy="3499190"/>
-          </a:xfrm>
-          <a:prstGeom prst="rect">
-            <a:avLst/>
-          </a:prstGeom>
-        </p:spPr>
-      </p:pic>
-    </p:spTree>
-    <p:extLst>
-      <p:ext uri="{BB962C8B-B14F-4D97-AF65-F5344CB8AC3E}">
-        <p14:creationId xmlns:p14="http://schemas.microsoft.com/office/powerpoint/2010/main" val="191937944"/>
-      </p:ext>
-    </p:extLst>
-  </p:cSld>
-  <p:clrMapOvr>
-    <a:masterClrMapping/>
-  </p:clrMapOvr>
-</p:sld>
-</file>
-
-<file path=ppt/slides/slide17.xml><?xml version="1.0" encoding="utf-8"?>
-<p:sld xmlns:a="http://schemas.openxmlformats.org/drawingml/2006/main" xmlns:r="http://schemas.openxmlformats.org/officeDocument/2006/relationships" xmlns:p="http://schemas.openxmlformats.org/presentationml/2006/main">
-  <p:cSld>
-    <p:spTree>
-      <p:nvGrpSpPr>
-        <p:cNvPr id="1" name=""/>
-        <p:cNvGrpSpPr/>
-        <p:nvPr/>
-      </p:nvGrpSpPr>
-      <p:grpSpPr>
-        <a:xfrm>
-          <a:off x="0" y="0"/>
-          <a:ext cx="0" cy="0"/>
-          <a:chOff x="0" y="0"/>
-          <a:chExt cx="0" cy="0"/>
-        </a:xfrm>
-      </p:grpSpPr>
-      <p:sp>
-        <p:nvSpPr>
-          <p:cNvPr id="2" name="Title 1"/>
-          <p:cNvSpPr>
-            <a:spLocks noGrp="1"/>
-          </p:cNvSpPr>
-          <p:nvPr>
-            <p:ph type="title"/>
-          </p:nvPr>
-        </p:nvSpPr>
-        <p:spPr>
-          <a:xfrm>
-            <a:off x="838200" y="365126"/>
-            <a:ext cx="10515600" cy="981894"/>
-          </a:xfrm>
-        </p:spPr>
-        <p:txBody>
-          <a:bodyPr>
-            <a:normAutofit/>
-          </a:bodyPr>
-          <a:lstStyle/>
-          <a:p>
-            <a:r>
-              <a:rPr lang="en-US" sz="4400" dirty="0"/>
-              <a:t>Tree-based Methods  </a:t>
-            </a:r>
-            <a:endParaRPr lang="en-US" dirty="0"/>
-          </a:p>
-        </p:txBody>
-      </p:sp>
-      <p:sp>
-        <p:nvSpPr>
-          <p:cNvPr id="3" name="TextBox 2">
-            <a:extLst>
-              <a:ext uri="{FF2B5EF4-FFF2-40B4-BE49-F238E27FC236}">
-                <a16:creationId xmlns:a16="http://schemas.microsoft.com/office/drawing/2014/main" id="{07051739-C552-1276-4B21-DFE06FD5F89E}"/>
-              </a:ext>
-            </a:extLst>
-          </p:cNvPr>
-          <p:cNvSpPr txBox="1"/>
-          <p:nvPr/>
-        </p:nvSpPr>
-        <p:spPr>
-          <a:xfrm>
-            <a:off x="838200" y="1677513"/>
-            <a:ext cx="10073640" cy="523220"/>
-          </a:xfrm>
-          <a:prstGeom prst="rect">
-            <a:avLst/>
-          </a:prstGeom>
-          <a:noFill/>
-        </p:spPr>
-        <p:txBody>
-          <a:bodyPr wrap="square">
-            <a:spAutoFit/>
-          </a:bodyPr>
-          <a:lstStyle/>
-          <a:p>
-            <a:r>
-              <a:rPr lang="en-US" altLang="zh-CN" sz="2800" dirty="0"/>
-              <a:t>Tree-based methods can be used for regression and classification </a:t>
-            </a:r>
-          </a:p>
-        </p:txBody>
-      </p:sp>
-      <p:sp>
-        <p:nvSpPr>
-          <p:cNvPr id="4" name="TextBox 3">
-            <a:extLst>
-              <a:ext uri="{FF2B5EF4-FFF2-40B4-BE49-F238E27FC236}">
-                <a16:creationId xmlns:a16="http://schemas.microsoft.com/office/drawing/2014/main" id="{8269BB5F-FE8E-52B5-B5E8-53EACE081417}"/>
-              </a:ext>
-            </a:extLst>
-          </p:cNvPr>
-          <p:cNvSpPr txBox="1"/>
-          <p:nvPr/>
-        </p:nvSpPr>
-        <p:spPr>
-          <a:xfrm>
-            <a:off x="838200" y="2736502"/>
-            <a:ext cx="10073640" cy="1384995"/>
-          </a:xfrm>
-          <a:prstGeom prst="rect">
-            <a:avLst/>
-          </a:prstGeom>
-          <a:noFill/>
-        </p:spPr>
-        <p:txBody>
-          <a:bodyPr wrap="square">
-            <a:spAutoFit/>
-          </a:bodyPr>
-          <a:lstStyle/>
-          <a:p>
-            <a:r>
-              <a:rPr lang="en-US" altLang="zh-CN" sz="2800" dirty="0"/>
-              <a:t>Stratifying or segmenting the predictor space into a number of simple regions. </a:t>
-            </a:r>
-          </a:p>
-          <a:p>
-            <a:r>
-              <a:rPr lang="en-US" altLang="zh-CN" sz="2800" dirty="0"/>
-              <a:t> </a:t>
-            </a:r>
-          </a:p>
-        </p:txBody>
-      </p:sp>
-      <p:sp>
-        <p:nvSpPr>
-          <p:cNvPr id="7" name="TextBox 6">
-            <a:extLst>
-              <a:ext uri="{FF2B5EF4-FFF2-40B4-BE49-F238E27FC236}">
-                <a16:creationId xmlns:a16="http://schemas.microsoft.com/office/drawing/2014/main" id="{AB76F1A5-409E-985B-9ADE-0F5DACFE7F32}"/>
-              </a:ext>
-            </a:extLst>
-          </p:cNvPr>
-          <p:cNvSpPr txBox="1"/>
-          <p:nvPr/>
-        </p:nvSpPr>
-        <p:spPr>
-          <a:xfrm>
-            <a:off x="838200" y="4387976"/>
-            <a:ext cx="10073640" cy="1384995"/>
-          </a:xfrm>
-          <a:prstGeom prst="rect">
-            <a:avLst/>
-          </a:prstGeom>
-          <a:noFill/>
-        </p:spPr>
-        <p:txBody>
-          <a:bodyPr wrap="square">
-            <a:spAutoFit/>
-          </a:bodyPr>
-          <a:lstStyle/>
-          <a:p>
-            <a:r>
-              <a:rPr lang="en-US" altLang="zh-CN" sz="2800" dirty="0"/>
-              <a:t>Since the set of splitting rules used to segment the predictor space can be summarized in a tree, these types of approaches are known as decision-tree methods. </a:t>
-            </a:r>
-          </a:p>
-        </p:txBody>
-      </p:sp>
-    </p:spTree>
-    <p:extLst>
-      <p:ext uri="{BB962C8B-B14F-4D97-AF65-F5344CB8AC3E}">
-        <p14:creationId xmlns:p14="http://schemas.microsoft.com/office/powerpoint/2010/main" val="1133079338"/>
-      </p:ext>
-    </p:extLst>
-  </p:cSld>
-  <p:clrMapOvr>
-    <a:masterClrMapping/>
-  </p:clrMapOvr>
-</p:sld>
-</file>
-
-<file path=ppt/slides/slide18.xml><?xml version="1.0" encoding="utf-8"?>
-<p:sld xmlns:a="http://schemas.openxmlformats.org/drawingml/2006/main" xmlns:r="http://schemas.openxmlformats.org/officeDocument/2006/relationships" xmlns:p="http://schemas.openxmlformats.org/presentationml/2006/main">
-  <p:cSld>
-    <p:spTree>
-      <p:nvGrpSpPr>
-        <p:cNvPr id="1" name=""/>
-        <p:cNvGrpSpPr/>
-        <p:nvPr/>
-      </p:nvGrpSpPr>
-      <p:grpSpPr>
-        <a:xfrm>
-          <a:off x="0" y="0"/>
-          <a:ext cx="0" cy="0"/>
-          <a:chOff x="0" y="0"/>
-          <a:chExt cx="0" cy="0"/>
-        </a:xfrm>
-      </p:grpSpPr>
-      <p:sp>
-        <p:nvSpPr>
-          <p:cNvPr id="2" name="Title 1"/>
-          <p:cNvSpPr>
-            <a:spLocks noGrp="1"/>
-          </p:cNvSpPr>
-          <p:nvPr>
-            <p:ph type="title"/>
-          </p:nvPr>
-        </p:nvSpPr>
-        <p:spPr>
-          <a:xfrm>
-            <a:off x="838200" y="365126"/>
-            <a:ext cx="10515600" cy="981894"/>
-          </a:xfrm>
-        </p:spPr>
-        <p:txBody>
-          <a:bodyPr>
-            <a:normAutofit/>
-          </a:bodyPr>
-          <a:lstStyle/>
-          <a:p>
-            <a:r>
-              <a:rPr lang="en-US" sz="4400" dirty="0"/>
-              <a:t>Pros and Cons </a:t>
-            </a:r>
-            <a:endParaRPr lang="en-US" dirty="0"/>
-          </a:p>
-        </p:txBody>
-      </p:sp>
-      <p:sp>
-        <p:nvSpPr>
-          <p:cNvPr id="3" name="TextBox 2">
-            <a:extLst>
-              <a:ext uri="{FF2B5EF4-FFF2-40B4-BE49-F238E27FC236}">
-                <a16:creationId xmlns:a16="http://schemas.microsoft.com/office/drawing/2014/main" id="{75BA6C4A-31F3-BD25-5B6E-B70034BBDC51}"/>
-              </a:ext>
-            </a:extLst>
-          </p:cNvPr>
-          <p:cNvSpPr txBox="1"/>
-          <p:nvPr/>
-        </p:nvSpPr>
-        <p:spPr>
-          <a:xfrm>
-            <a:off x="838200" y="1677513"/>
-            <a:ext cx="10073640" cy="523220"/>
-          </a:xfrm>
-          <a:prstGeom prst="rect">
-            <a:avLst/>
-          </a:prstGeom>
-          <a:noFill/>
-        </p:spPr>
-        <p:txBody>
-          <a:bodyPr wrap="square">
-            <a:spAutoFit/>
-          </a:bodyPr>
-          <a:lstStyle/>
-          <a:p>
-            <a:r>
-              <a:rPr lang="en-US" altLang="zh-CN" sz="2800" dirty="0"/>
-              <a:t>Tree-based methods are simple and useful for interpretation.  </a:t>
-            </a:r>
-          </a:p>
-        </p:txBody>
-      </p:sp>
-      <p:sp>
-        <p:nvSpPr>
-          <p:cNvPr id="4" name="TextBox 3">
-            <a:extLst>
-              <a:ext uri="{FF2B5EF4-FFF2-40B4-BE49-F238E27FC236}">
-                <a16:creationId xmlns:a16="http://schemas.microsoft.com/office/drawing/2014/main" id="{E5B18A56-807E-F894-35F4-7BBC0283C65C}"/>
-              </a:ext>
-            </a:extLst>
-          </p:cNvPr>
-          <p:cNvSpPr txBox="1"/>
-          <p:nvPr/>
-        </p:nvSpPr>
-        <p:spPr>
-          <a:xfrm>
-            <a:off x="838200" y="2730025"/>
-            <a:ext cx="10073640" cy="954107"/>
-          </a:xfrm>
-          <a:prstGeom prst="rect">
-            <a:avLst/>
-          </a:prstGeom>
-          <a:noFill/>
-        </p:spPr>
-        <p:txBody>
-          <a:bodyPr wrap="square">
-            <a:spAutoFit/>
-          </a:bodyPr>
-          <a:lstStyle/>
-          <a:p>
-            <a:r>
-              <a:rPr lang="en-US" altLang="zh-CN" sz="2800" dirty="0"/>
-              <a:t>We will also discuss methods that can grow multiple trees which are then combined to yield a single consensus prediction </a:t>
-            </a:r>
-          </a:p>
-        </p:txBody>
-      </p:sp>
-      <p:sp>
-        <p:nvSpPr>
-          <p:cNvPr id="7" name="TextBox 6">
-            <a:extLst>
-              <a:ext uri="{FF2B5EF4-FFF2-40B4-BE49-F238E27FC236}">
-                <a16:creationId xmlns:a16="http://schemas.microsoft.com/office/drawing/2014/main" id="{FC138D97-7457-2463-F8CF-51951D69F08F}"/>
-              </a:ext>
-            </a:extLst>
-          </p:cNvPr>
-          <p:cNvSpPr txBox="1"/>
-          <p:nvPr/>
-        </p:nvSpPr>
-        <p:spPr>
-          <a:xfrm>
-            <a:off x="838200" y="4339750"/>
-            <a:ext cx="10073640" cy="1384995"/>
-          </a:xfrm>
-          <a:prstGeom prst="rect">
-            <a:avLst/>
-          </a:prstGeom>
-          <a:noFill/>
-        </p:spPr>
-        <p:txBody>
-          <a:bodyPr wrap="square">
-            <a:spAutoFit/>
-          </a:bodyPr>
-          <a:lstStyle/>
-          <a:p>
-            <a:r>
-              <a:rPr lang="en-US" altLang="zh-CN" sz="2800" dirty="0"/>
-              <a:t>Combining a large number of trees can often result in dramatic improvements in prediction accuracy, at the expense of some loss interpretation. </a:t>
-            </a:r>
-          </a:p>
-        </p:txBody>
-      </p:sp>
-    </p:spTree>
-    <p:extLst>
-      <p:ext uri="{BB962C8B-B14F-4D97-AF65-F5344CB8AC3E}">
-        <p14:creationId xmlns:p14="http://schemas.microsoft.com/office/powerpoint/2010/main" val="3521302614"/>
+        <p14:creationId xmlns:p14="http://schemas.microsoft.com/office/powerpoint/2010/main" val="2556048408"/>
       </p:ext>
     </p:extLst>
   </p:cSld>
@@ -6831,19 +7453,100 @@
           <a:lstStyle/>
           <a:p>
             <a:r>
-              <a:rPr lang="en-US" sz="4400" dirty="0"/>
-              <a:t>Decision Tree Example</a:t>
-            </a:r>
-            <a:endParaRPr lang="en-US" dirty="0"/>
+              <a:rPr lang="en-US" dirty="0"/>
+              <a:t>Cross-Entropy </a:t>
+            </a:r>
+          </a:p>
+        </p:txBody>
+      </p:sp>
+      <p:sp>
+        <p:nvSpPr>
+          <p:cNvPr id="7" name="TextBox 6">
+            <a:extLst>
+              <a:ext uri="{FF2B5EF4-FFF2-40B4-BE49-F238E27FC236}">
+                <a16:creationId xmlns:a16="http://schemas.microsoft.com/office/drawing/2014/main" id="{2F604905-E1E4-0B7C-2122-D461825A5D32}"/>
+              </a:ext>
+            </a:extLst>
+          </p:cNvPr>
+          <p:cNvSpPr txBox="1"/>
+          <p:nvPr/>
+        </p:nvSpPr>
+        <p:spPr>
+          <a:xfrm>
+            <a:off x="838200" y="1746961"/>
+            <a:ext cx="10073640" cy="954107"/>
+          </a:xfrm>
+          <a:prstGeom prst="rect">
+            <a:avLst/>
+          </a:prstGeom>
+          <a:noFill/>
+        </p:spPr>
+        <p:txBody>
+          <a:bodyPr wrap="square">
+            <a:spAutoFit/>
+          </a:bodyPr>
+          <a:lstStyle/>
+          <a:p>
+            <a:r>
+              <a:rPr lang="en-US" altLang="zh-CN" sz="2800" dirty="0"/>
+              <a:t>An alternative to the Gini index is cross-entropy, given by </a:t>
+            </a:r>
+          </a:p>
+          <a:p>
+            <a:r>
+              <a:rPr lang="en-US" altLang="zh-CN" sz="2800" dirty="0"/>
+              <a:t> </a:t>
+            </a:r>
+          </a:p>
+        </p:txBody>
+      </p:sp>
+      <p:sp>
+        <p:nvSpPr>
+          <p:cNvPr id="4" name="TextBox 3">
+            <a:extLst>
+              <a:ext uri="{FF2B5EF4-FFF2-40B4-BE49-F238E27FC236}">
+                <a16:creationId xmlns:a16="http://schemas.microsoft.com/office/drawing/2014/main" id="{6ED8C8C1-0560-21B2-BEED-9CD5650FAA7A}"/>
+              </a:ext>
+            </a:extLst>
+          </p:cNvPr>
+          <p:cNvSpPr txBox="1"/>
+          <p:nvPr/>
+        </p:nvSpPr>
+        <p:spPr>
+          <a:xfrm>
+            <a:off x="838200" y="4478370"/>
+            <a:ext cx="10073640" cy="1384995"/>
+          </a:xfrm>
+          <a:prstGeom prst="rect">
+            <a:avLst/>
+          </a:prstGeom>
+          <a:noFill/>
+        </p:spPr>
+        <p:txBody>
+          <a:bodyPr wrap="square">
+            <a:spAutoFit/>
+          </a:bodyPr>
+          <a:lstStyle/>
+          <a:p>
+            <a:r>
+              <a:rPr lang="en-US" altLang="zh-CN" sz="2800" dirty="0"/>
+              <a:t>Cross-entropy is also a commonly-used loss function for deep learning</a:t>
+            </a:r>
+          </a:p>
+          <a:p>
+            <a:r>
+              <a:rPr lang="en-US" altLang="zh-CN" sz="2800" dirty="0"/>
+              <a:t> </a:t>
+            </a:r>
           </a:p>
         </p:txBody>
       </p:sp>
       <p:pic>
         <p:nvPicPr>
-          <p:cNvPr id="5" name="Picture 4">
+          <p:cNvPr id="3" name="Picture 2">
             <a:extLst>
               <a:ext uri="{FF2B5EF4-FFF2-40B4-BE49-F238E27FC236}">
-                <a16:creationId xmlns:a16="http://schemas.microsoft.com/office/drawing/2014/main" id="{A90799C4-10F9-71E6-E1CE-13FC23C4E8BB}"/>
+                <a16:creationId xmlns:a16="http://schemas.microsoft.com/office/drawing/2014/main" id="{2855B176-0489-B7F9-0F64-5990A62484A1}"/>
               </a:ext>
             </a:extLst>
           </p:cNvPr>
@@ -6860,38 +7563,8 @@
         </p:blipFill>
         <p:spPr>
           <a:xfrm>
-            <a:off x="1431925" y="1735137"/>
-            <a:ext cx="4241800" cy="4330700"/>
-          </a:xfrm>
-          <a:prstGeom prst="rect">
-            <a:avLst/>
-          </a:prstGeom>
-        </p:spPr>
-      </p:pic>
-      <p:pic>
-        <p:nvPicPr>
-          <p:cNvPr id="6" name="Picture 5">
-            <a:extLst>
-              <a:ext uri="{FF2B5EF4-FFF2-40B4-BE49-F238E27FC236}">
-                <a16:creationId xmlns:a16="http://schemas.microsoft.com/office/drawing/2014/main" id="{63D2F275-1F4F-8998-3D2B-5610E70D304F}"/>
-              </a:ext>
-            </a:extLst>
-          </p:cNvPr>
-          <p:cNvPicPr>
-            <a:picLocks noChangeAspect="1"/>
-          </p:cNvPicPr>
-          <p:nvPr/>
-        </p:nvPicPr>
-        <p:blipFill>
-          <a:blip r:embed="rId4"/>
-          <a:stretch>
-            <a:fillRect/>
-          </a:stretch>
-        </p:blipFill>
-        <p:spPr>
-          <a:xfrm>
-            <a:off x="6096000" y="1735137"/>
-            <a:ext cx="5092700" cy="4343400"/>
+            <a:off x="3873320" y="2820749"/>
+            <a:ext cx="3222939" cy="1216502"/>
           </a:xfrm>
           <a:prstGeom prst="rect">
             <a:avLst/>
@@ -6901,7 +7574,7 @@
     </p:spTree>
     <p:extLst>
       <p:ext uri="{BB962C8B-B14F-4D97-AF65-F5344CB8AC3E}">
-        <p14:creationId xmlns:p14="http://schemas.microsoft.com/office/powerpoint/2010/main" val="221629056"/>
+        <p14:creationId xmlns:p14="http://schemas.microsoft.com/office/powerpoint/2010/main" val="1388375172"/>
       </p:ext>
     </p:extLst>
   </p:cSld>
@@ -6952,7 +7625,7 @@
           <a:p>
             <a:r>
               <a:rPr lang="en-US" dirty="0"/>
-              <a:t>Tree-Building Process</a:t>
+              <a:t>Interpretation of Decision Tree</a:t>
             </a:r>
           </a:p>
         </p:txBody>
@@ -7069,10 +7742,9 @@
           <a:lstStyle/>
           <a:p>
             <a:r>
-              <a:rPr lang="en-US" sz="4400" dirty="0"/>
-              <a:t>Decision Tree Example</a:t>
-            </a:r>
-            <a:endParaRPr lang="en-US" dirty="0"/>
+              <a:rPr lang="en-US" dirty="0"/>
+              <a:t>Tree vs Linear Model </a:t>
+            </a:r>
           </a:p>
         </p:txBody>
       </p:sp>
@@ -7081,7 +7753,7 @@
           <p:cNvPr id="5" name="Picture 4">
             <a:extLst>
               <a:ext uri="{FF2B5EF4-FFF2-40B4-BE49-F238E27FC236}">
-                <a16:creationId xmlns:a16="http://schemas.microsoft.com/office/drawing/2014/main" id="{A90799C4-10F9-71E6-E1CE-13FC23C4E8BB}"/>
+                <a16:creationId xmlns:a16="http://schemas.microsoft.com/office/drawing/2014/main" id="{DEA15090-1EDD-7BE3-E0CC-99A119C167E7}"/>
               </a:ext>
             </a:extLst>
           </p:cNvPr>
@@ -7098,38 +7770,8 @@
         </p:blipFill>
         <p:spPr>
           <a:xfrm>
-            <a:off x="1431925" y="1735137"/>
-            <a:ext cx="4241800" cy="4330700"/>
-          </a:xfrm>
-          <a:prstGeom prst="rect">
-            <a:avLst/>
-          </a:prstGeom>
-        </p:spPr>
-      </p:pic>
-      <p:pic>
-        <p:nvPicPr>
-          <p:cNvPr id="6" name="Picture 5">
-            <a:extLst>
-              <a:ext uri="{FF2B5EF4-FFF2-40B4-BE49-F238E27FC236}">
-                <a16:creationId xmlns:a16="http://schemas.microsoft.com/office/drawing/2014/main" id="{63D2F275-1F4F-8998-3D2B-5610E70D304F}"/>
-              </a:ext>
-            </a:extLst>
-          </p:cNvPr>
-          <p:cNvPicPr>
-            <a:picLocks noChangeAspect="1"/>
-          </p:cNvPicPr>
-          <p:nvPr/>
-        </p:nvPicPr>
-        <p:blipFill>
-          <a:blip r:embed="rId4"/>
-          <a:stretch>
-            <a:fillRect/>
-          </a:stretch>
-        </p:blipFill>
-        <p:spPr>
-          <a:xfrm>
-            <a:off x="6096000" y="1735137"/>
-            <a:ext cx="5092700" cy="4343400"/>
+            <a:off x="1107583" y="1929951"/>
+            <a:ext cx="8950817" cy="4352231"/>
           </a:xfrm>
           <a:prstGeom prst="rect">
             <a:avLst/>
@@ -7139,7 +7781,7 @@
     </p:spTree>
     <p:extLst>
       <p:ext uri="{BB962C8B-B14F-4D97-AF65-F5344CB8AC3E}">
-        <p14:creationId xmlns:p14="http://schemas.microsoft.com/office/powerpoint/2010/main" val="1709944997"/>
+        <p14:creationId xmlns:p14="http://schemas.microsoft.com/office/powerpoint/2010/main" val="2527846701"/>
       </p:ext>
     </p:extLst>
   </p:cSld>
@@ -7189,10 +7831,9 @@
           <a:lstStyle/>
           <a:p>
             <a:r>
-              <a:rPr lang="en-US" sz="4400" dirty="0"/>
-              <a:t>Decision Tree Example</a:t>
-            </a:r>
-            <a:endParaRPr lang="en-US" dirty="0"/>
+              <a:rPr lang="en-US" dirty="0"/>
+              <a:t>Tree vs Linear Model </a:t>
+            </a:r>
           </a:p>
         </p:txBody>
       </p:sp>
@@ -7201,7 +7842,7 @@
           <p:cNvPr id="3" name="Picture 2">
             <a:extLst>
               <a:ext uri="{FF2B5EF4-FFF2-40B4-BE49-F238E27FC236}">
-                <a16:creationId xmlns:a16="http://schemas.microsoft.com/office/drawing/2014/main" id="{4D63910E-F9AF-CF27-45E9-9D31371279B5}"/>
+                <a16:creationId xmlns:a16="http://schemas.microsoft.com/office/drawing/2014/main" id="{40AAC658-59CF-1443-C6E6-DF0130888A2D}"/>
               </a:ext>
             </a:extLst>
           </p:cNvPr>
@@ -7218,8 +7859,8 @@
         </p:blipFill>
         <p:spPr>
           <a:xfrm>
-            <a:off x="2120899" y="1718110"/>
-            <a:ext cx="7308851" cy="5139890"/>
+            <a:off x="1121802" y="2032983"/>
+            <a:ext cx="8872204" cy="4314008"/>
           </a:xfrm>
           <a:prstGeom prst="rect">
             <a:avLst/>
@@ -7229,7 +7870,7 @@
     </p:spTree>
     <p:extLst>
       <p:ext uri="{BB962C8B-B14F-4D97-AF65-F5344CB8AC3E}">
-        <p14:creationId xmlns:p14="http://schemas.microsoft.com/office/powerpoint/2010/main" val="2988893810"/>
+        <p14:creationId xmlns:p14="http://schemas.microsoft.com/office/powerpoint/2010/main" val="2655408804"/>
       </p:ext>
     </p:extLst>
   </p:cSld>
@@ -7240,6 +7881,826 @@
 </file>
 
 <file path=ppt/slides/slide22.xml><?xml version="1.0" encoding="utf-8"?>
+<p:sld xmlns:a="http://schemas.openxmlformats.org/drawingml/2006/main" xmlns:r="http://schemas.openxmlformats.org/officeDocument/2006/relationships" xmlns:p="http://schemas.openxmlformats.org/presentationml/2006/main">
+  <p:cSld>
+    <p:spTree>
+      <p:nvGrpSpPr>
+        <p:cNvPr id="1" name=""/>
+        <p:cNvGrpSpPr/>
+        <p:nvPr/>
+      </p:nvGrpSpPr>
+      <p:grpSpPr>
+        <a:xfrm>
+          <a:off x="0" y="0"/>
+          <a:ext cx="0" cy="0"/>
+          <a:chOff x="0" y="0"/>
+          <a:chExt cx="0" cy="0"/>
+        </a:xfrm>
+      </p:grpSpPr>
+      <p:sp>
+        <p:nvSpPr>
+          <p:cNvPr id="2" name="Title 1"/>
+          <p:cNvSpPr>
+            <a:spLocks noGrp="1"/>
+          </p:cNvSpPr>
+          <p:nvPr>
+            <p:ph type="title"/>
+          </p:nvPr>
+        </p:nvSpPr>
+        <p:spPr>
+          <a:xfrm>
+            <a:off x="838200" y="365126"/>
+            <a:ext cx="10515600" cy="981894"/>
+          </a:xfrm>
+        </p:spPr>
+        <p:txBody>
+          <a:bodyPr>
+            <a:normAutofit/>
+          </a:bodyPr>
+          <a:lstStyle/>
+          <a:p>
+            <a:r>
+              <a:rPr lang="en-US" dirty="0"/>
+              <a:t>Discussion about Tree-based Methods</a:t>
+            </a:r>
+          </a:p>
+        </p:txBody>
+      </p:sp>
+      <p:sp>
+        <p:nvSpPr>
+          <p:cNvPr id="4" name="TextBox 3">
+            <a:extLst>
+              <a:ext uri="{FF2B5EF4-FFF2-40B4-BE49-F238E27FC236}">
+                <a16:creationId xmlns:a16="http://schemas.microsoft.com/office/drawing/2014/main" id="{51015B70-81A8-0101-C768-7DA9E95B187A}"/>
+              </a:ext>
+            </a:extLst>
+          </p:cNvPr>
+          <p:cNvSpPr txBox="1"/>
+          <p:nvPr/>
+        </p:nvSpPr>
+        <p:spPr>
+          <a:xfrm>
+            <a:off x="838200" y="1734082"/>
+            <a:ext cx="10073640" cy="954107"/>
+          </a:xfrm>
+          <a:prstGeom prst="rect">
+            <a:avLst/>
+          </a:prstGeom>
+          <a:noFill/>
+        </p:spPr>
+        <p:txBody>
+          <a:bodyPr wrap="square">
+            <a:spAutoFit/>
+          </a:bodyPr>
+          <a:lstStyle/>
+          <a:p>
+            <a:r>
+              <a:rPr lang="en-US" altLang="zh-CN" sz="2800" dirty="0"/>
+              <a:t>Trees are very easy to explain to people. In fact, they are even easier to explain than linear regression. </a:t>
+            </a:r>
+          </a:p>
+        </p:txBody>
+      </p:sp>
+      <p:sp>
+        <p:nvSpPr>
+          <p:cNvPr id="5" name="TextBox 4">
+            <a:extLst>
+              <a:ext uri="{FF2B5EF4-FFF2-40B4-BE49-F238E27FC236}">
+                <a16:creationId xmlns:a16="http://schemas.microsoft.com/office/drawing/2014/main" id="{13013749-AB21-6A0E-7021-3D11B81A1765}"/>
+              </a:ext>
+            </a:extLst>
+          </p:cNvPr>
+          <p:cNvSpPr txBox="1"/>
+          <p:nvPr/>
+        </p:nvSpPr>
+        <p:spPr>
+          <a:xfrm>
+            <a:off x="838200" y="3215705"/>
+            <a:ext cx="10073640" cy="954107"/>
+          </a:xfrm>
+          <a:prstGeom prst="rect">
+            <a:avLst/>
+          </a:prstGeom>
+          <a:noFill/>
+        </p:spPr>
+        <p:txBody>
+          <a:bodyPr wrap="square">
+            <a:spAutoFit/>
+          </a:bodyPr>
+          <a:lstStyle/>
+          <a:p>
+            <a:r>
+              <a:rPr lang="en-US" altLang="zh-CN" sz="2800" dirty="0"/>
+              <a:t>Some people believe that decision trees more closely mirror human decision-making </a:t>
+            </a:r>
+          </a:p>
+        </p:txBody>
+      </p:sp>
+      <p:sp>
+        <p:nvSpPr>
+          <p:cNvPr id="6" name="TextBox 5">
+            <a:extLst>
+              <a:ext uri="{FF2B5EF4-FFF2-40B4-BE49-F238E27FC236}">
+                <a16:creationId xmlns:a16="http://schemas.microsoft.com/office/drawing/2014/main" id="{AC658BE9-C89F-10B5-486B-C45388F80F3E}"/>
+              </a:ext>
+            </a:extLst>
+          </p:cNvPr>
+          <p:cNvSpPr txBox="1"/>
+          <p:nvPr/>
+        </p:nvSpPr>
+        <p:spPr>
+          <a:xfrm>
+            <a:off x="838200" y="4697328"/>
+            <a:ext cx="10073640" cy="1384995"/>
+          </a:xfrm>
+          <a:prstGeom prst="rect">
+            <a:avLst/>
+          </a:prstGeom>
+          <a:noFill/>
+        </p:spPr>
+        <p:txBody>
+          <a:bodyPr wrap="square">
+            <a:spAutoFit/>
+          </a:bodyPr>
+          <a:lstStyle/>
+          <a:p>
+            <a:r>
+              <a:rPr lang="en-US" altLang="zh-CN" sz="2800" dirty="0"/>
+              <a:t>Trees can easily handle qualitative predictors without the need to create dummy variables. </a:t>
+            </a:r>
+          </a:p>
+          <a:p>
+            <a:r>
+              <a:rPr lang="en-US" altLang="zh-CN" sz="2800" dirty="0"/>
+              <a:t> </a:t>
+            </a:r>
+          </a:p>
+        </p:txBody>
+      </p:sp>
+    </p:spTree>
+    <p:extLst>
+      <p:ext uri="{BB962C8B-B14F-4D97-AF65-F5344CB8AC3E}">
+        <p14:creationId xmlns:p14="http://schemas.microsoft.com/office/powerpoint/2010/main" val="386178214"/>
+      </p:ext>
+    </p:extLst>
+  </p:cSld>
+  <p:clrMapOvr>
+    <a:masterClrMapping/>
+  </p:clrMapOvr>
+</p:sld>
+</file>
+
+<file path=ppt/slides/slide23.xml><?xml version="1.0" encoding="utf-8"?>
+<p:sld xmlns:a="http://schemas.openxmlformats.org/drawingml/2006/main" xmlns:r="http://schemas.openxmlformats.org/officeDocument/2006/relationships" xmlns:p="http://schemas.openxmlformats.org/presentationml/2006/main">
+  <p:cSld>
+    <p:spTree>
+      <p:nvGrpSpPr>
+        <p:cNvPr id="1" name=""/>
+        <p:cNvGrpSpPr/>
+        <p:nvPr/>
+      </p:nvGrpSpPr>
+      <p:grpSpPr>
+        <a:xfrm>
+          <a:off x="0" y="0"/>
+          <a:ext cx="0" cy="0"/>
+          <a:chOff x="0" y="0"/>
+          <a:chExt cx="0" cy="0"/>
+        </a:xfrm>
+      </p:grpSpPr>
+      <p:sp>
+        <p:nvSpPr>
+          <p:cNvPr id="2" name="Title 1"/>
+          <p:cNvSpPr>
+            <a:spLocks noGrp="1"/>
+          </p:cNvSpPr>
+          <p:nvPr>
+            <p:ph type="title"/>
+          </p:nvPr>
+        </p:nvSpPr>
+        <p:spPr>
+          <a:xfrm>
+            <a:off x="838200" y="365126"/>
+            <a:ext cx="10515600" cy="981894"/>
+          </a:xfrm>
+        </p:spPr>
+        <p:txBody>
+          <a:bodyPr>
+            <a:normAutofit/>
+          </a:bodyPr>
+          <a:lstStyle/>
+          <a:p>
+            <a:r>
+              <a:rPr lang="en-US" dirty="0"/>
+              <a:t>Bagging</a:t>
+            </a:r>
+          </a:p>
+        </p:txBody>
+      </p:sp>
+      <p:sp>
+        <p:nvSpPr>
+          <p:cNvPr id="4" name="TextBox 3">
+            <a:extLst>
+              <a:ext uri="{FF2B5EF4-FFF2-40B4-BE49-F238E27FC236}">
+                <a16:creationId xmlns:a16="http://schemas.microsoft.com/office/drawing/2014/main" id="{51015B70-81A8-0101-C768-7DA9E95B187A}"/>
+              </a:ext>
+            </a:extLst>
+          </p:cNvPr>
+          <p:cNvSpPr txBox="1"/>
+          <p:nvPr/>
+        </p:nvSpPr>
+        <p:spPr>
+          <a:xfrm>
+            <a:off x="838200" y="4839653"/>
+            <a:ext cx="10073640" cy="1384995"/>
+          </a:xfrm>
+          <a:prstGeom prst="rect">
+            <a:avLst/>
+          </a:prstGeom>
+          <a:noFill/>
+        </p:spPr>
+        <p:txBody>
+          <a:bodyPr wrap="square">
+            <a:spAutoFit/>
+          </a:bodyPr>
+          <a:lstStyle/>
+          <a:p>
+            <a:r>
+              <a:rPr lang="en-US" altLang="zh-CN" sz="2800" dirty="0"/>
+              <a:t>Bootstrap aggregation, or bagging, is a general-purpose procedure for reducing the variance of a statistical learning method. </a:t>
+            </a:r>
+          </a:p>
+          <a:p>
+            <a:r>
+              <a:rPr lang="en-US" altLang="zh-CN" sz="2800" dirty="0"/>
+              <a:t> </a:t>
+            </a:r>
+          </a:p>
+        </p:txBody>
+      </p:sp>
+      <p:sp>
+        <p:nvSpPr>
+          <p:cNvPr id="5" name="TextBox 4">
+            <a:extLst>
+              <a:ext uri="{FF2B5EF4-FFF2-40B4-BE49-F238E27FC236}">
+                <a16:creationId xmlns:a16="http://schemas.microsoft.com/office/drawing/2014/main" id="{13013749-AB21-6A0E-7021-3D11B81A1765}"/>
+              </a:ext>
+            </a:extLst>
+          </p:cNvPr>
+          <p:cNvSpPr txBox="1"/>
+          <p:nvPr/>
+        </p:nvSpPr>
+        <p:spPr>
+          <a:xfrm>
+            <a:off x="838200" y="1721756"/>
+            <a:ext cx="10073640" cy="1384995"/>
+          </a:xfrm>
+          <a:prstGeom prst="rect">
+            <a:avLst/>
+          </a:prstGeom>
+          <a:noFill/>
+        </p:spPr>
+        <p:txBody>
+          <a:bodyPr wrap="square">
+            <a:spAutoFit/>
+          </a:bodyPr>
+          <a:lstStyle/>
+          <a:p>
+            <a:r>
+              <a:rPr lang="en-US" altLang="zh-CN" sz="2800" dirty="0"/>
+              <a:t>Averaging a set of observations reduces variance. But this is not practical because we do not have access to multiple training sets. </a:t>
+            </a:r>
+          </a:p>
+          <a:p>
+            <a:endParaRPr lang="en-US" altLang="zh-CN" sz="2800" dirty="0"/>
+          </a:p>
+        </p:txBody>
+      </p:sp>
+      <p:sp>
+        <p:nvSpPr>
+          <p:cNvPr id="3" name="TextBox 2">
+            <a:extLst>
+              <a:ext uri="{FF2B5EF4-FFF2-40B4-BE49-F238E27FC236}">
+                <a16:creationId xmlns:a16="http://schemas.microsoft.com/office/drawing/2014/main" id="{A037E853-03C3-6DA6-6E3A-08E7F85707EB}"/>
+              </a:ext>
+            </a:extLst>
+          </p:cNvPr>
+          <p:cNvSpPr txBox="1"/>
+          <p:nvPr/>
+        </p:nvSpPr>
+        <p:spPr>
+          <a:xfrm>
+            <a:off x="838200" y="3274196"/>
+            <a:ext cx="10073640" cy="954107"/>
+          </a:xfrm>
+          <a:prstGeom prst="rect">
+            <a:avLst/>
+          </a:prstGeom>
+          <a:noFill/>
+        </p:spPr>
+        <p:txBody>
+          <a:bodyPr wrap="square">
+            <a:spAutoFit/>
+          </a:bodyPr>
+          <a:lstStyle/>
+          <a:p>
+            <a:r>
+              <a:rPr lang="en-US" altLang="zh-CN" sz="2800" dirty="0"/>
+              <a:t>Instead, we can bootstrap, by taking repeated samples from the (single) training data set. </a:t>
+            </a:r>
+          </a:p>
+        </p:txBody>
+      </p:sp>
+    </p:spTree>
+    <p:extLst>
+      <p:ext uri="{BB962C8B-B14F-4D97-AF65-F5344CB8AC3E}">
+        <p14:creationId xmlns:p14="http://schemas.microsoft.com/office/powerpoint/2010/main" val="4084947338"/>
+      </p:ext>
+    </p:extLst>
+  </p:cSld>
+  <p:clrMapOvr>
+    <a:masterClrMapping/>
+  </p:clrMapOvr>
+</p:sld>
+</file>
+
+<file path=ppt/slides/slide24.xml><?xml version="1.0" encoding="utf-8"?>
+<p:sld xmlns:a="http://schemas.openxmlformats.org/drawingml/2006/main" xmlns:r="http://schemas.openxmlformats.org/officeDocument/2006/relationships" xmlns:p="http://schemas.openxmlformats.org/presentationml/2006/main">
+  <p:cSld>
+    <p:spTree>
+      <p:nvGrpSpPr>
+        <p:cNvPr id="1" name=""/>
+        <p:cNvGrpSpPr/>
+        <p:nvPr/>
+      </p:nvGrpSpPr>
+      <p:grpSpPr>
+        <a:xfrm>
+          <a:off x="0" y="0"/>
+          <a:ext cx="0" cy="0"/>
+          <a:chOff x="0" y="0"/>
+          <a:chExt cx="0" cy="0"/>
+        </a:xfrm>
+      </p:grpSpPr>
+      <p:sp>
+        <p:nvSpPr>
+          <p:cNvPr id="2" name="Title 1"/>
+          <p:cNvSpPr>
+            <a:spLocks noGrp="1"/>
+          </p:cNvSpPr>
+          <p:nvPr>
+            <p:ph type="title"/>
+          </p:nvPr>
+        </p:nvSpPr>
+        <p:spPr>
+          <a:xfrm>
+            <a:off x="838200" y="365126"/>
+            <a:ext cx="10515600" cy="981894"/>
+          </a:xfrm>
+        </p:spPr>
+        <p:txBody>
+          <a:bodyPr>
+            <a:normAutofit/>
+          </a:bodyPr>
+          <a:lstStyle/>
+          <a:p>
+            <a:r>
+              <a:rPr lang="en-US" dirty="0"/>
+              <a:t>Bagging</a:t>
+            </a:r>
+          </a:p>
+        </p:txBody>
+      </p:sp>
+      <mc:AlternateContent xmlns:mc="http://schemas.openxmlformats.org/markup-compatibility/2006">
+        <mc:Choice xmlns:a14="http://schemas.microsoft.com/office/drawing/2010/main" Requires="a14">
+          <p:sp>
+            <p:nvSpPr>
+              <p:cNvPr id="5" name="TextBox 4">
+                <a:extLst>
+                  <a:ext uri="{FF2B5EF4-FFF2-40B4-BE49-F238E27FC236}">
+                    <a16:creationId xmlns:a16="http://schemas.microsoft.com/office/drawing/2014/main" id="{13013749-AB21-6A0E-7021-3D11B81A1765}"/>
+                  </a:ext>
+                </a:extLst>
+              </p:cNvPr>
+              <p:cNvSpPr txBox="1"/>
+              <p:nvPr/>
+            </p:nvSpPr>
+            <p:spPr>
+              <a:xfrm>
+                <a:off x="838200" y="1721756"/>
+                <a:ext cx="10073640" cy="2677656"/>
+              </a:xfrm>
+              <a:prstGeom prst="rect">
+                <a:avLst/>
+              </a:prstGeom>
+              <a:noFill/>
+            </p:spPr>
+            <p:txBody>
+              <a:bodyPr wrap="square">
+                <a:spAutoFit/>
+              </a:bodyPr>
+              <a:lstStyle/>
+              <a:p>
+                <a:r>
+                  <a:rPr lang="en-US" altLang="zh-CN" sz="2800" dirty="0"/>
+                  <a:t>For bagging, we generate B different bootstrapped training data sets. We then train our method on the b-</a:t>
+                </a:r>
+                <a:r>
+                  <a:rPr lang="en-US" altLang="zh-CN" sz="2800" dirty="0" err="1"/>
+                  <a:t>th</a:t>
+                </a:r>
+                <a:r>
+                  <a:rPr lang="en-US" altLang="zh-CN" sz="2800" dirty="0"/>
+                  <a:t> bootstrapped training set in order to get </a:t>
+                </a:r>
+                <a14:m>
+                  <m:oMath xmlns:m="http://schemas.openxmlformats.org/officeDocument/2006/math">
+                    <m:sSup>
+                      <m:sSupPr>
+                        <m:ctrlPr>
+                          <a:rPr lang="en-US" altLang="zh-CN" sz="2800" b="0" i="1" smtClean="0">
+                            <a:latin typeface="Cambria Math" panose="02040503050406030204" pitchFamily="18" charset="0"/>
+                          </a:rPr>
+                        </m:ctrlPr>
+                      </m:sSupPr>
+                      <m:e>
+                        <m:r>
+                          <a:rPr lang="en-US" altLang="zh-CN" sz="2800" b="0" i="1" smtClean="0">
+                            <a:latin typeface="Cambria Math" panose="02040503050406030204" pitchFamily="18" charset="0"/>
+                          </a:rPr>
+                          <m:t>𝑓</m:t>
+                        </m:r>
+                      </m:e>
+                      <m:sup>
+                        <m:r>
+                          <a:rPr lang="en-US" altLang="zh-CN" sz="2800" b="0" i="1" smtClean="0">
+                            <a:latin typeface="Cambria Math" panose="02040503050406030204" pitchFamily="18" charset="0"/>
+                          </a:rPr>
+                          <m:t>𝑏</m:t>
+                        </m:r>
+                      </m:sup>
+                    </m:sSup>
+                    <m:d>
+                      <m:dPr>
+                        <m:ctrlPr>
+                          <a:rPr lang="en-US" altLang="zh-CN" sz="2800" b="0" i="1" smtClean="0">
+                            <a:latin typeface="Cambria Math" panose="02040503050406030204" pitchFamily="18" charset="0"/>
+                          </a:rPr>
+                        </m:ctrlPr>
+                      </m:dPr>
+                      <m:e>
+                        <m:r>
+                          <a:rPr lang="en-US" altLang="zh-CN" sz="2800" b="0" i="1" smtClean="0">
+                            <a:latin typeface="Cambria Math" panose="02040503050406030204" pitchFamily="18" charset="0"/>
+                          </a:rPr>
+                          <m:t>𝑥</m:t>
+                        </m:r>
+                      </m:e>
+                    </m:d>
+                  </m:oMath>
+                </a14:m>
+                <a:r>
+                  <a:rPr lang="en-US" altLang="zh-CN" sz="2800" dirty="0"/>
+                  <a:t>, the prediction at a point x. We then average all the predictions to obtain </a:t>
+                </a:r>
+              </a:p>
+              <a:p>
+                <a:r>
+                  <a:rPr lang="en-US" altLang="zh-CN" sz="2800" dirty="0"/>
+                  <a:t> </a:t>
+                </a:r>
+              </a:p>
+              <a:p>
+                <a:endParaRPr lang="en-US" altLang="zh-CN" sz="2800" dirty="0"/>
+              </a:p>
+            </p:txBody>
+          </p:sp>
+        </mc:Choice>
+        <mc:Fallback>
+          <p:sp>
+            <p:nvSpPr>
+              <p:cNvPr id="5" name="TextBox 4">
+                <a:extLst>
+                  <a:ext uri="{FF2B5EF4-FFF2-40B4-BE49-F238E27FC236}">
+                    <a16:creationId xmlns:a16="http://schemas.microsoft.com/office/drawing/2014/main" id="{13013749-AB21-6A0E-7021-3D11B81A1765}"/>
+                  </a:ext>
+                </a:extLst>
+              </p:cNvPr>
+              <p:cNvSpPr txBox="1">
+                <a:spLocks noRot="1" noChangeAspect="1" noMove="1" noResize="1" noEditPoints="1" noAdjustHandles="1" noChangeArrowheads="1" noChangeShapeType="1" noTextEdit="1"/>
+              </p:cNvSpPr>
+              <p:nvPr/>
+            </p:nvSpPr>
+            <p:spPr>
+              <a:xfrm>
+                <a:off x="838200" y="1721756"/>
+                <a:ext cx="10073640" cy="2677656"/>
+              </a:xfrm>
+              <a:prstGeom prst="rect">
+                <a:avLst/>
+              </a:prstGeom>
+              <a:blipFill>
+                <a:blip r:embed="rId3"/>
+                <a:stretch>
+                  <a:fillRect l="-1259" t="-2358" r="-2519"/>
+                </a:stretch>
+              </a:blipFill>
+            </p:spPr>
+            <p:txBody>
+              <a:bodyPr/>
+              <a:lstStyle/>
+              <a:p>
+                <a:r>
+                  <a:rPr lang="en-US">
+                    <a:noFill/>
+                  </a:rPr>
+                  <a:t> </a:t>
+                </a:r>
+              </a:p>
+            </p:txBody>
+          </p:sp>
+        </mc:Fallback>
+      </mc:AlternateContent>
+      <p:pic>
+        <p:nvPicPr>
+          <p:cNvPr id="6" name="Picture 5">
+            <a:extLst>
+              <a:ext uri="{FF2B5EF4-FFF2-40B4-BE49-F238E27FC236}">
+                <a16:creationId xmlns:a16="http://schemas.microsoft.com/office/drawing/2014/main" id="{DD029CC4-D3EA-7513-2C55-E32C52B9B8AF}"/>
+              </a:ext>
+            </a:extLst>
+          </p:cNvPr>
+          <p:cNvPicPr>
+            <a:picLocks noChangeAspect="1"/>
+          </p:cNvPicPr>
+          <p:nvPr/>
+        </p:nvPicPr>
+        <p:blipFill>
+          <a:blip r:embed="rId4"/>
+          <a:stretch>
+            <a:fillRect/>
+          </a:stretch>
+        </p:blipFill>
+        <p:spPr>
+          <a:xfrm>
+            <a:off x="3803650" y="4015644"/>
+            <a:ext cx="3678975" cy="1135905"/>
+          </a:xfrm>
+          <a:prstGeom prst="rect">
+            <a:avLst/>
+          </a:prstGeom>
+        </p:spPr>
+      </p:pic>
+    </p:spTree>
+    <p:extLst>
+      <p:ext uri="{BB962C8B-B14F-4D97-AF65-F5344CB8AC3E}">
+        <p14:creationId xmlns:p14="http://schemas.microsoft.com/office/powerpoint/2010/main" val="2151370417"/>
+      </p:ext>
+    </p:extLst>
+  </p:cSld>
+  <p:clrMapOvr>
+    <a:masterClrMapping/>
+  </p:clrMapOvr>
+</p:sld>
+</file>
+
+<file path=ppt/slides/slide25.xml><?xml version="1.0" encoding="utf-8"?>
+<p:sld xmlns:a="http://schemas.openxmlformats.org/drawingml/2006/main" xmlns:r="http://schemas.openxmlformats.org/officeDocument/2006/relationships" xmlns:p="http://schemas.openxmlformats.org/presentationml/2006/main">
+  <p:cSld>
+    <p:spTree>
+      <p:nvGrpSpPr>
+        <p:cNvPr id="1" name=""/>
+        <p:cNvGrpSpPr/>
+        <p:nvPr/>
+      </p:nvGrpSpPr>
+      <p:grpSpPr>
+        <a:xfrm>
+          <a:off x="0" y="0"/>
+          <a:ext cx="0" cy="0"/>
+          <a:chOff x="0" y="0"/>
+          <a:chExt cx="0" cy="0"/>
+        </a:xfrm>
+      </p:grpSpPr>
+      <p:sp>
+        <p:nvSpPr>
+          <p:cNvPr id="2" name="Title 1"/>
+          <p:cNvSpPr>
+            <a:spLocks noGrp="1"/>
+          </p:cNvSpPr>
+          <p:nvPr>
+            <p:ph type="title"/>
+          </p:nvPr>
+        </p:nvSpPr>
+        <p:spPr>
+          <a:xfrm>
+            <a:off x="838200" y="365126"/>
+            <a:ext cx="10515600" cy="981894"/>
+          </a:xfrm>
+        </p:spPr>
+        <p:txBody>
+          <a:bodyPr>
+            <a:normAutofit/>
+          </a:bodyPr>
+          <a:lstStyle/>
+          <a:p>
+            <a:r>
+              <a:rPr lang="en-US" dirty="0"/>
+              <a:t>Bagging Classification Trees</a:t>
+            </a:r>
+          </a:p>
+        </p:txBody>
+      </p:sp>
+      <p:sp>
+        <p:nvSpPr>
+          <p:cNvPr id="4" name="TextBox 3">
+            <a:extLst>
+              <a:ext uri="{FF2B5EF4-FFF2-40B4-BE49-F238E27FC236}">
+                <a16:creationId xmlns:a16="http://schemas.microsoft.com/office/drawing/2014/main" id="{51015B70-81A8-0101-C768-7DA9E95B187A}"/>
+              </a:ext>
+            </a:extLst>
+          </p:cNvPr>
+          <p:cNvSpPr txBox="1"/>
+          <p:nvPr/>
+        </p:nvSpPr>
+        <p:spPr>
+          <a:xfrm>
+            <a:off x="838200" y="3429000"/>
+            <a:ext cx="10073640" cy="1815882"/>
+          </a:xfrm>
+          <a:prstGeom prst="rect">
+            <a:avLst/>
+          </a:prstGeom>
+          <a:noFill/>
+        </p:spPr>
+        <p:txBody>
+          <a:bodyPr wrap="square">
+            <a:spAutoFit/>
+          </a:bodyPr>
+          <a:lstStyle/>
+          <a:p>
+            <a:r>
+              <a:rPr lang="en-US" altLang="zh-CN" sz="2800" dirty="0"/>
+              <a:t>Take a majority vote: the overall prediction is the most commonly occurring class among the B predictions. </a:t>
+            </a:r>
+          </a:p>
+          <a:p>
+            <a:r>
+              <a:rPr lang="en-US" altLang="zh-CN" sz="2800" dirty="0"/>
+              <a:t> </a:t>
+            </a:r>
+          </a:p>
+          <a:p>
+            <a:r>
+              <a:rPr lang="en-US" altLang="zh-CN" sz="2800" dirty="0"/>
+              <a:t> </a:t>
+            </a:r>
+          </a:p>
+        </p:txBody>
+      </p:sp>
+      <p:sp>
+        <p:nvSpPr>
+          <p:cNvPr id="5" name="TextBox 4">
+            <a:extLst>
+              <a:ext uri="{FF2B5EF4-FFF2-40B4-BE49-F238E27FC236}">
+                <a16:creationId xmlns:a16="http://schemas.microsoft.com/office/drawing/2014/main" id="{13013749-AB21-6A0E-7021-3D11B81A1765}"/>
+              </a:ext>
+            </a:extLst>
+          </p:cNvPr>
+          <p:cNvSpPr txBox="1"/>
+          <p:nvPr/>
+        </p:nvSpPr>
+        <p:spPr>
+          <a:xfrm>
+            <a:off x="838200" y="1721756"/>
+            <a:ext cx="10073640" cy="954107"/>
+          </a:xfrm>
+          <a:prstGeom prst="rect">
+            <a:avLst/>
+          </a:prstGeom>
+          <a:noFill/>
+        </p:spPr>
+        <p:txBody>
+          <a:bodyPr wrap="square">
+            <a:spAutoFit/>
+          </a:bodyPr>
+          <a:lstStyle/>
+          <a:p>
+            <a:r>
+              <a:rPr lang="en-US" altLang="zh-CN" sz="2800" dirty="0"/>
+              <a:t>For classification trees: for each test observation, we record the class predicted by each of the B trees </a:t>
+            </a:r>
+          </a:p>
+        </p:txBody>
+      </p:sp>
+    </p:spTree>
+    <p:extLst>
+      <p:ext uri="{BB962C8B-B14F-4D97-AF65-F5344CB8AC3E}">
+        <p14:creationId xmlns:p14="http://schemas.microsoft.com/office/powerpoint/2010/main" val="1596132586"/>
+      </p:ext>
+    </p:extLst>
+  </p:cSld>
+  <p:clrMapOvr>
+    <a:masterClrMapping/>
+  </p:clrMapOvr>
+</p:sld>
+</file>
+
+<file path=ppt/slides/slide26.xml><?xml version="1.0" encoding="utf-8"?>
+<p:sld xmlns:a="http://schemas.openxmlformats.org/drawingml/2006/main" xmlns:r="http://schemas.openxmlformats.org/officeDocument/2006/relationships" xmlns:p="http://schemas.openxmlformats.org/presentationml/2006/main">
+  <p:cSld>
+    <p:spTree>
+      <p:nvGrpSpPr>
+        <p:cNvPr id="1" name=""/>
+        <p:cNvGrpSpPr/>
+        <p:nvPr/>
+      </p:nvGrpSpPr>
+      <p:grpSpPr>
+        <a:xfrm>
+          <a:off x="0" y="0"/>
+          <a:ext cx="0" cy="0"/>
+          <a:chOff x="0" y="0"/>
+          <a:chExt cx="0" cy="0"/>
+        </a:xfrm>
+      </p:grpSpPr>
+      <p:sp>
+        <p:nvSpPr>
+          <p:cNvPr id="2" name="Title 1"/>
+          <p:cNvSpPr>
+            <a:spLocks noGrp="1"/>
+          </p:cNvSpPr>
+          <p:nvPr>
+            <p:ph type="title"/>
+          </p:nvPr>
+        </p:nvSpPr>
+        <p:spPr>
+          <a:xfrm>
+            <a:off x="838200" y="365126"/>
+            <a:ext cx="10515600" cy="981894"/>
+          </a:xfrm>
+        </p:spPr>
+        <p:txBody>
+          <a:bodyPr>
+            <a:normAutofit/>
+          </a:bodyPr>
+          <a:lstStyle/>
+          <a:p>
+            <a:r>
+              <a:rPr lang="en-US" dirty="0"/>
+              <a:t>Random Forests </a:t>
+            </a:r>
+          </a:p>
+        </p:txBody>
+      </p:sp>
+      <p:sp>
+        <p:nvSpPr>
+          <p:cNvPr id="3" name="TextBox 2">
+            <a:extLst>
+              <a:ext uri="{FF2B5EF4-FFF2-40B4-BE49-F238E27FC236}">
+                <a16:creationId xmlns:a16="http://schemas.microsoft.com/office/drawing/2014/main" id="{19BD1984-ABC3-86FD-FE31-E17B9BE6083F}"/>
+              </a:ext>
+            </a:extLst>
+          </p:cNvPr>
+          <p:cNvSpPr txBox="1"/>
+          <p:nvPr/>
+        </p:nvSpPr>
+        <p:spPr>
+          <a:xfrm>
+            <a:off x="838200" y="1721756"/>
+            <a:ext cx="10073640" cy="1815882"/>
+          </a:xfrm>
+          <a:prstGeom prst="rect">
+            <a:avLst/>
+          </a:prstGeom>
+          <a:noFill/>
+        </p:spPr>
+        <p:txBody>
+          <a:bodyPr wrap="square">
+            <a:spAutoFit/>
+          </a:bodyPr>
+          <a:lstStyle/>
+          <a:p>
+            <a:r>
+              <a:rPr lang="en-US" altLang="zh-CN" sz="2800" dirty="0"/>
+              <a:t>Random forests provide an improvement over bagged trees by way of a small tweak that decorrelates the trees. This reduces the variance when we average the trees. </a:t>
+            </a:r>
+          </a:p>
+          <a:p>
+            <a:endParaRPr lang="en-US" altLang="zh-CN" sz="2800" dirty="0"/>
+          </a:p>
+        </p:txBody>
+      </p:sp>
+    </p:spTree>
+    <p:extLst>
+      <p:ext uri="{BB962C8B-B14F-4D97-AF65-F5344CB8AC3E}">
+        <p14:creationId xmlns:p14="http://schemas.microsoft.com/office/powerpoint/2010/main" val="3802388739"/>
+      </p:ext>
+    </p:extLst>
+  </p:cSld>
+  <p:clrMapOvr>
+    <a:masterClrMapping/>
+  </p:clrMapOvr>
+</p:sld>
+</file>
+
+<file path=ppt/slides/slide27.xml><?xml version="1.0" encoding="utf-8"?>
 <p:sld xmlns:a="http://schemas.openxmlformats.org/drawingml/2006/main" xmlns:r="http://schemas.openxmlformats.org/officeDocument/2006/relationships" xmlns:p="http://schemas.openxmlformats.org/presentationml/2006/main">
   <p:cSld>
     <p:spTree>
@@ -7345,7 +8806,7 @@
           <a:p>
             <a:r>
               <a:rPr lang="en-US" dirty="0"/>
-              <a:t>Tree-Building Process</a:t>
+              <a:t>Regression Tree-Building Process</a:t>
             </a:r>
           </a:p>
         </p:txBody>
@@ -7464,7 +8925,7 @@
           <a:p>
             <a:r>
               <a:rPr lang="en-US" dirty="0"/>
-              <a:t>Tree-Building Process</a:t>
+              <a:t>Regression Tree-Building Process</a:t>
             </a:r>
           </a:p>
         </p:txBody>
@@ -7553,7 +9014,7 @@
           <a:p>
             <a:r>
               <a:rPr lang="en-US" dirty="0"/>
-              <a:t>Tree-Building Process</a:t>
+              <a:t>Regression Tree-Building Process</a:t>
             </a:r>
           </a:p>
         </p:txBody>
@@ -7642,7 +9103,7 @@
           <a:p>
             <a:r>
               <a:rPr lang="en-US" dirty="0"/>
-              <a:t>Tree-Building Process</a:t>
+              <a:t>Regression Tree-Building Process</a:t>
             </a:r>
           </a:p>
         </p:txBody>
@@ -7731,7 +9192,7 @@
           <a:p>
             <a:r>
               <a:rPr lang="en-US" dirty="0"/>
-              <a:t>Tree-Building Process</a:t>
+              <a:t>Regression Tree-Building Process</a:t>
             </a:r>
           </a:p>
         </p:txBody>
@@ -7849,19 +9310,18 @@
           <a:lstStyle/>
           <a:p>
             <a:r>
-              <a:rPr lang="en-US" sz="4400" dirty="0"/>
-              <a:t>Piecewise Polynomials</a:t>
-            </a:r>
-            <a:endParaRPr lang="en-US" dirty="0"/>
+              <a:rPr lang="en-US" dirty="0"/>
+              <a:t>Greedy Method</a:t>
+            </a:r>
           </a:p>
         </p:txBody>
       </p:sp>
       <p:pic>
         <p:nvPicPr>
-          <p:cNvPr id="6" name="Picture 5">
+          <p:cNvPr id="4" name="Picture 3">
             <a:extLst>
               <a:ext uri="{FF2B5EF4-FFF2-40B4-BE49-F238E27FC236}">
-                <a16:creationId xmlns:a16="http://schemas.microsoft.com/office/drawing/2014/main" id="{A048B7E0-9E1D-2DA5-6E23-BB20B6D86E93}"/>
+                <a16:creationId xmlns:a16="http://schemas.microsoft.com/office/drawing/2014/main" id="{B2F0CA04-2940-DA54-7031-C0FBCD94C15C}"/>
               </a:ext>
             </a:extLst>
           </p:cNvPr>
@@ -7878,8 +9338,8 @@
         </p:blipFill>
         <p:spPr>
           <a:xfrm>
-            <a:off x="1263238" y="1855018"/>
-            <a:ext cx="9665524" cy="4291781"/>
+            <a:off x="838200" y="2290663"/>
+            <a:ext cx="9647565" cy="1922522"/>
           </a:xfrm>
           <a:prstGeom prst="rect">
             <a:avLst/>
@@ -7889,7 +9349,7 @@
     </p:spTree>
     <p:extLst>
       <p:ext uri="{BB962C8B-B14F-4D97-AF65-F5344CB8AC3E}">
-        <p14:creationId xmlns:p14="http://schemas.microsoft.com/office/powerpoint/2010/main" val="4161387621"/>
+        <p14:creationId xmlns:p14="http://schemas.microsoft.com/office/powerpoint/2010/main" val="495608460"/>
       </p:ext>
     </p:extLst>
   </p:cSld>
@@ -7900,7 +9360,7 @@
 </file>
 
 <file path=ppt/slides/slide9.xml><?xml version="1.0" encoding="utf-8"?>
-<p:sld xmlns:a="http://schemas.openxmlformats.org/drawingml/2006/main" xmlns:r="http://schemas.openxmlformats.org/officeDocument/2006/relationships" xmlns:p="http://schemas.openxmlformats.org/presentationml/2006/main">
+<p:sld xmlns:a="http://schemas.openxmlformats.org/drawingml/2006/main" xmlns:r="http://schemas.openxmlformats.org/officeDocument/2006/relationships" xmlns:p="http://schemas.openxmlformats.org/presentationml/2006/main" show="0">
   <p:cSld>
     <p:spTree>
       <p:nvGrpSpPr>
@@ -7939,19 +9399,95 @@
           <a:lstStyle/>
           <a:p>
             <a:r>
-              <a:rPr lang="en-US" sz="4400" dirty="0"/>
-              <a:t>Piecewise Polynomials</a:t>
-            </a:r>
-            <a:endParaRPr lang="en-US" dirty="0"/>
+              <a:rPr lang="en-US" dirty="0"/>
+              <a:t>Beyond RSS</a:t>
+            </a:r>
+          </a:p>
+        </p:txBody>
+      </p:sp>
+      <p:sp>
+        <p:nvSpPr>
+          <p:cNvPr id="5" name="TextBox 4">
+            <a:extLst>
+              <a:ext uri="{FF2B5EF4-FFF2-40B4-BE49-F238E27FC236}">
+                <a16:creationId xmlns:a16="http://schemas.microsoft.com/office/drawing/2014/main" id="{F2AE8DAA-C69E-7C93-B281-2404426A7EE2}"/>
+              </a:ext>
+            </a:extLst>
+          </p:cNvPr>
+          <p:cNvSpPr txBox="1"/>
+          <p:nvPr/>
+        </p:nvSpPr>
+        <p:spPr>
+          <a:xfrm>
+            <a:off x="838200" y="1746961"/>
+            <a:ext cx="10073640" cy="523220"/>
+          </a:xfrm>
+          <a:prstGeom prst="rect">
+            <a:avLst/>
+          </a:prstGeom>
+          <a:noFill/>
+        </p:spPr>
+        <p:txBody>
+          <a:bodyPr wrap="square">
+            <a:spAutoFit/>
+          </a:bodyPr>
+          <a:lstStyle/>
+          <a:p>
+            <a:r>
+              <a:rPr lang="en-US" altLang="zh-CN" sz="2800" dirty="0"/>
+              <a:t>If a target is a classification outcome taking on values 0,1,…,K-1 </a:t>
+            </a:r>
+          </a:p>
+        </p:txBody>
+      </p:sp>
+      <p:sp>
+        <p:nvSpPr>
+          <p:cNvPr id="8" name="TextBox 7">
+            <a:extLst>
+              <a:ext uri="{FF2B5EF4-FFF2-40B4-BE49-F238E27FC236}">
+                <a16:creationId xmlns:a16="http://schemas.microsoft.com/office/drawing/2014/main" id="{DEE5483D-6112-457D-7889-011BE5E246C6}"/>
+              </a:ext>
+            </a:extLst>
+          </p:cNvPr>
+          <p:cNvSpPr txBox="1"/>
+          <p:nvPr/>
+        </p:nvSpPr>
+        <p:spPr>
+          <a:xfrm>
+            <a:off x="747532" y="3801176"/>
+            <a:ext cx="10073640" cy="523220"/>
+          </a:xfrm>
+          <a:prstGeom prst="rect">
+            <a:avLst/>
+          </a:prstGeom>
+          <a:noFill/>
+        </p:spPr>
+        <p:txBody>
+          <a:bodyPr wrap="square">
+            <a:spAutoFit/>
+          </a:bodyPr>
+          <a:lstStyle/>
+          <a:p>
+            <a:r>
+              <a:rPr lang="en-US" sz="2800" b="0" i="0" dirty="0">
+                <a:solidFill>
+                  <a:srgbClr val="212529"/>
+                </a:solidFill>
+                <a:effectLst/>
+                <a:latin typeface="-apple-system"/>
+              </a:rPr>
+              <a:t>Log Loss or Entropy:</a:t>
+            </a:r>
+            <a:endParaRPr lang="en-US" altLang="zh-CN" sz="2800" dirty="0"/>
           </a:p>
         </p:txBody>
       </p:sp>
       <p:pic>
         <p:nvPicPr>
-          <p:cNvPr id="3" name="Picture 2">
+          <p:cNvPr id="9" name="Picture 8">
             <a:extLst>
               <a:ext uri="{FF2B5EF4-FFF2-40B4-BE49-F238E27FC236}">
-                <a16:creationId xmlns:a16="http://schemas.microsoft.com/office/drawing/2014/main" id="{B6A824DD-AB60-4096-51EA-9376887CC952}"/>
+                <a16:creationId xmlns:a16="http://schemas.microsoft.com/office/drawing/2014/main" id="{010A446B-4396-E036-A5B6-9E965D19F8F4}"/>
               </a:ext>
             </a:extLst>
           </p:cNvPr>
@@ -7968,8 +9504,38 @@
         </p:blipFill>
         <p:spPr>
           <a:xfrm>
-            <a:off x="1322973" y="1867718"/>
-            <a:ext cx="9166281" cy="3796482"/>
+            <a:off x="3708465" y="4853504"/>
+            <a:ext cx="3955876" cy="909640"/>
+          </a:xfrm>
+          <a:prstGeom prst="rect">
+            <a:avLst/>
+          </a:prstGeom>
+        </p:spPr>
+      </p:pic>
+      <p:pic>
+        <p:nvPicPr>
+          <p:cNvPr id="10" name="Picture 9">
+            <a:extLst>
+              <a:ext uri="{FF2B5EF4-FFF2-40B4-BE49-F238E27FC236}">
+                <a16:creationId xmlns:a16="http://schemas.microsoft.com/office/drawing/2014/main" id="{81F80D82-2F39-9508-8397-BF2EDD8D37E0}"/>
+              </a:ext>
+            </a:extLst>
+          </p:cNvPr>
+          <p:cNvPicPr>
+            <a:picLocks noChangeAspect="1"/>
+          </p:cNvPicPr>
+          <p:nvPr/>
+        </p:nvPicPr>
+        <p:blipFill>
+          <a:blip r:embed="rId4"/>
+          <a:stretch>
+            <a:fillRect/>
+          </a:stretch>
+        </p:blipFill>
+        <p:spPr>
+          <a:xfrm>
+            <a:off x="3567877" y="2586459"/>
+            <a:ext cx="4378388" cy="1006795"/>
           </a:xfrm>
           <a:prstGeom prst="rect">
             <a:avLst/>
@@ -7979,7 +9545,7 @@
     </p:spTree>
     <p:extLst>
       <p:ext uri="{BB962C8B-B14F-4D97-AF65-F5344CB8AC3E}">
-        <p14:creationId xmlns:p14="http://schemas.microsoft.com/office/powerpoint/2010/main" val="2388345632"/>
+        <p14:creationId xmlns:p14="http://schemas.microsoft.com/office/powerpoint/2010/main" val="2016356908"/>
       </p:ext>
     </p:extLst>
   </p:cSld>

--- a/_umkc-teaching/slides/Lecture9.pptx
+++ b/_umkc-teaching/slides/Lecture9.pptx
@@ -5,7 +5,7 @@
     <p:sldMasterId id="2147483660" r:id="rId1"/>
   </p:sldMasterIdLst>
   <p:notesMasterIdLst>
-    <p:notesMasterId r:id="rId29"/>
+    <p:notesMasterId r:id="rId30"/>
   </p:notesMasterIdLst>
   <p:sldIdLst>
     <p:sldId id="257" r:id="rId2"/>
@@ -34,7 +34,8 @@
     <p:sldId id="381" r:id="rId25"/>
     <p:sldId id="382" r:id="rId26"/>
     <p:sldId id="383" r:id="rId27"/>
-    <p:sldId id="325" r:id="rId28"/>
+    <p:sldId id="384" r:id="rId28"/>
+    <p:sldId id="325" r:id="rId29"/>
   </p:sldIdLst>
   <p:sldSz cx="12192000" cy="6858000"/>
   <p:notesSz cx="6858000" cy="9144000"/>
@@ -2083,6 +2084,95 @@
     <p:extLst>
       <p:ext uri="{BB962C8B-B14F-4D97-AF65-F5344CB8AC3E}">
         <p14:creationId xmlns:p14="http://schemas.microsoft.com/office/powerpoint/2010/main" val="2792232873"/>
+      </p:ext>
+    </p:extLst>
+  </p:cSld>
+  <p:clrMapOvr>
+    <a:masterClrMapping/>
+  </p:clrMapOvr>
+</p:notes>
+</file>
+
+<file path=ppt/notesSlides/notesSlide26.xml><?xml version="1.0" encoding="utf-8"?>
+<p:notes xmlns:a="http://schemas.openxmlformats.org/drawingml/2006/main" xmlns:r="http://schemas.openxmlformats.org/officeDocument/2006/relationships" xmlns:p="http://schemas.openxmlformats.org/presentationml/2006/main">
+  <p:cSld>
+    <p:spTree>
+      <p:nvGrpSpPr>
+        <p:cNvPr id="1" name=""/>
+        <p:cNvGrpSpPr/>
+        <p:nvPr/>
+      </p:nvGrpSpPr>
+      <p:grpSpPr>
+        <a:xfrm>
+          <a:off x="0" y="0"/>
+          <a:ext cx="0" cy="0"/>
+          <a:chOff x="0" y="0"/>
+          <a:chExt cx="0" cy="0"/>
+        </a:xfrm>
+      </p:grpSpPr>
+      <p:sp>
+        <p:nvSpPr>
+          <p:cNvPr id="2" name="Slide Image Placeholder 1"/>
+          <p:cNvSpPr>
+            <a:spLocks noGrp="1" noRot="1" noChangeAspect="1"/>
+          </p:cNvSpPr>
+          <p:nvPr>
+            <p:ph type="sldImg"/>
+          </p:nvPr>
+        </p:nvSpPr>
+        <p:spPr>
+          <a:xfrm>
+            <a:off x="685800" y="1143000"/>
+            <a:ext cx="5486400" cy="3086100"/>
+          </a:xfrm>
+        </p:spPr>
+      </p:sp>
+      <p:sp>
+        <p:nvSpPr>
+          <p:cNvPr id="3" name="Notes Placeholder 2"/>
+          <p:cNvSpPr>
+            <a:spLocks noGrp="1"/>
+          </p:cNvSpPr>
+          <p:nvPr>
+            <p:ph type="body" idx="1"/>
+          </p:nvPr>
+        </p:nvSpPr>
+        <p:spPr/>
+        <p:txBody>
+          <a:bodyPr/>
+          <a:lstStyle/>
+          <a:p>
+            <a:endParaRPr lang="en-US" dirty="0"/>
+          </a:p>
+        </p:txBody>
+      </p:sp>
+      <p:sp>
+        <p:nvSpPr>
+          <p:cNvPr id="4" name="Slide Number Placeholder 3"/>
+          <p:cNvSpPr>
+            <a:spLocks noGrp="1"/>
+          </p:cNvSpPr>
+          <p:nvPr>
+            <p:ph type="sldNum" sz="quarter" idx="5"/>
+          </p:nvPr>
+        </p:nvSpPr>
+        <p:spPr/>
+        <p:txBody>
+          <a:bodyPr/>
+          <a:lstStyle/>
+          <a:p>
+            <a:fld id="{3F8BDF20-BE86-4883-8A23-4CE3D0058BEA}" type="slidenum">
+              <a:rPr lang="en-US" smtClean="0"/>
+              <a:t>27</a:t>
+            </a:fld>
+            <a:endParaRPr lang="en-US"/>
+          </a:p>
+        </p:txBody>
+      </p:sp>
+    </p:spTree>
+    <p:extLst>
+      <p:ext uri="{BB962C8B-B14F-4D97-AF65-F5344CB8AC3E}">
+        <p14:creationId xmlns:p14="http://schemas.microsoft.com/office/powerpoint/2010/main" val="755810481"/>
       </p:ext>
     </p:extLst>
   </p:cSld>
@@ -8523,7 +8613,7 @@
         <p:spPr>
           <a:xfrm>
             <a:off x="838200" y="3429000"/>
-            <a:ext cx="10073640" cy="1815882"/>
+            <a:ext cx="10073640" cy="954107"/>
           </a:xfrm>
           <a:prstGeom prst="rect">
             <a:avLst/>
@@ -8539,18 +8629,6 @@
             <a:r>
               <a:rPr lang="en-US" altLang="zh-CN" sz="2800" dirty="0"/>
               <a:t>Take a majority vote: the overall prediction is the most commonly occurring class among the B predictions. </a:t>
-            </a:r>
-          </a:p>
-          <a:p>
-            <a:r>
-              <a:rPr lang="en-US" altLang="zh-CN" sz="2800" dirty="0"/>
-              <a:t> </a:t>
-            </a:r>
-          </a:p>
-          <a:p>
-            <a:r>
-              <a:rPr lang="en-US" altLang="zh-CN" sz="2800" dirty="0"/>
-              <a:t> </a:t>
             </a:r>
           </a:p>
         </p:txBody>
@@ -8586,6 +8664,53 @@
             <a:r>
               <a:rPr lang="en-US" altLang="zh-CN" sz="2800" dirty="0"/>
               <a:t>For classification trees: for each test observation, we record the class predicted by each of the B trees </a:t>
+            </a:r>
+          </a:p>
+        </p:txBody>
+      </p:sp>
+      <p:sp>
+        <p:nvSpPr>
+          <p:cNvPr id="6" name="TextBox 5">
+            <a:extLst>
+              <a:ext uri="{FF2B5EF4-FFF2-40B4-BE49-F238E27FC236}">
+                <a16:creationId xmlns:a16="http://schemas.microsoft.com/office/drawing/2014/main" id="{D11C5F96-9376-DFAD-7C75-ADEE8E2A8AF6}"/>
+              </a:ext>
+            </a:extLst>
+          </p:cNvPr>
+          <p:cNvSpPr txBox="1"/>
+          <p:nvPr/>
+        </p:nvSpPr>
+        <p:spPr>
+          <a:xfrm>
+            <a:off x="838200" y="5010955"/>
+            <a:ext cx="10073640" cy="523220"/>
+          </a:xfrm>
+          <a:prstGeom prst="rect">
+            <a:avLst/>
+          </a:prstGeom>
+          <a:noFill/>
+        </p:spPr>
+        <p:txBody>
+          <a:bodyPr wrap="square">
+            <a:spAutoFit/>
+          </a:bodyPr>
+          <a:lstStyle/>
+          <a:p>
+            <a:r>
+              <a:rPr lang="en-US" altLang="zh-CN" sz="2800" dirty="0"/>
+              <a:t>But the trees are </a:t>
+            </a:r>
+            <a:r>
+              <a:rPr lang="en-US" altLang="zh-CN" sz="2800" dirty="0">
+                <a:solidFill>
+                  <a:schemeClr val="accent6"/>
+                </a:solidFill>
+              </a:rPr>
+              <a:t>highly correlated</a:t>
+            </a:r>
+            <a:r>
+              <a:rPr lang="en-US" altLang="zh-CN" sz="2800" dirty="0"/>
+              <a:t> and can increase variance</a:t>
             </a:r>
           </a:p>
         </p:txBody>
@@ -8687,6 +8812,56 @@
           </a:p>
         </p:txBody>
       </p:sp>
+      <p:sp>
+        <p:nvSpPr>
+          <p:cNvPr id="6" name="TextBox 5">
+            <a:extLst>
+              <a:ext uri="{FF2B5EF4-FFF2-40B4-BE49-F238E27FC236}">
+                <a16:creationId xmlns:a16="http://schemas.microsoft.com/office/drawing/2014/main" id="{019BBAA3-EDDB-6CDB-E5C5-07588FD1C4C5}"/>
+              </a:ext>
+            </a:extLst>
+          </p:cNvPr>
+          <p:cNvSpPr txBox="1"/>
+          <p:nvPr/>
+        </p:nvSpPr>
+        <p:spPr>
+          <a:xfrm>
+            <a:off x="838200" y="3912374"/>
+            <a:ext cx="10073640" cy="1815882"/>
+          </a:xfrm>
+          <a:prstGeom prst="rect">
+            <a:avLst/>
+          </a:prstGeom>
+          <a:noFill/>
+        </p:spPr>
+        <p:txBody>
+          <a:bodyPr wrap="square">
+            <a:spAutoFit/>
+          </a:bodyPr>
+          <a:lstStyle/>
+          <a:p>
+            <a:r>
+              <a:rPr lang="en-US" altLang="zh-CN" sz="2800" dirty="0"/>
+              <a:t>Random forests provide an improvement over bagged trees </a:t>
+            </a:r>
+            <a:r>
+              <a:rPr lang="en-US" altLang="zh-CN" sz="2800" dirty="0">
+                <a:solidFill>
+                  <a:schemeClr val="accent6"/>
+                </a:solidFill>
+              </a:rPr>
+              <a:t>by way of a small tweak that decorrelates the trees</a:t>
+            </a:r>
+            <a:r>
+              <a:rPr lang="en-US" altLang="zh-CN" sz="2800" dirty="0"/>
+              <a:t>. This reduces the variance when we average the trees. </a:t>
+            </a:r>
+          </a:p>
+          <a:p>
+            <a:endParaRPr lang="en-US" altLang="zh-CN" sz="2800" dirty="0"/>
+          </a:p>
+        </p:txBody>
+      </p:sp>
     </p:spTree>
     <p:extLst>
       <p:ext uri="{BB962C8B-B14F-4D97-AF65-F5344CB8AC3E}">
@@ -8701,6 +8876,147 @@
 </file>
 
 <file path=ppt/slides/slide27.xml><?xml version="1.0" encoding="utf-8"?>
+<p:sld xmlns:a="http://schemas.openxmlformats.org/drawingml/2006/main" xmlns:r="http://schemas.openxmlformats.org/officeDocument/2006/relationships" xmlns:p="http://schemas.openxmlformats.org/presentationml/2006/main">
+  <p:cSld>
+    <p:spTree>
+      <p:nvGrpSpPr>
+        <p:cNvPr id="1" name=""/>
+        <p:cNvGrpSpPr/>
+        <p:nvPr/>
+      </p:nvGrpSpPr>
+      <p:grpSpPr>
+        <a:xfrm>
+          <a:off x="0" y="0"/>
+          <a:ext cx="0" cy="0"/>
+          <a:chOff x="0" y="0"/>
+          <a:chExt cx="0" cy="0"/>
+        </a:xfrm>
+      </p:grpSpPr>
+      <p:sp>
+        <p:nvSpPr>
+          <p:cNvPr id="2" name="Title 1"/>
+          <p:cNvSpPr>
+            <a:spLocks noGrp="1"/>
+          </p:cNvSpPr>
+          <p:nvPr>
+            <p:ph type="title"/>
+          </p:nvPr>
+        </p:nvSpPr>
+        <p:spPr>
+          <a:xfrm>
+            <a:off x="838200" y="365126"/>
+            <a:ext cx="10515600" cy="981894"/>
+          </a:xfrm>
+        </p:spPr>
+        <p:txBody>
+          <a:bodyPr>
+            <a:normAutofit/>
+          </a:bodyPr>
+          <a:lstStyle/>
+          <a:p>
+            <a:r>
+              <a:rPr lang="en-US" dirty="0"/>
+              <a:t>Random Forests </a:t>
+            </a:r>
+          </a:p>
+        </p:txBody>
+      </p:sp>
+      <p:sp>
+        <p:nvSpPr>
+          <p:cNvPr id="3" name="TextBox 2">
+            <a:extLst>
+              <a:ext uri="{FF2B5EF4-FFF2-40B4-BE49-F238E27FC236}">
+                <a16:creationId xmlns:a16="http://schemas.microsoft.com/office/drawing/2014/main" id="{19BD1984-ABC3-86FD-FE31-E17B9BE6083F}"/>
+              </a:ext>
+            </a:extLst>
+          </p:cNvPr>
+          <p:cNvSpPr txBox="1"/>
+          <p:nvPr/>
+        </p:nvSpPr>
+        <p:spPr>
+          <a:xfrm>
+            <a:off x="838200" y="1721756"/>
+            <a:ext cx="10073640" cy="1815882"/>
+          </a:xfrm>
+          <a:prstGeom prst="rect">
+            <a:avLst/>
+          </a:prstGeom>
+          <a:noFill/>
+        </p:spPr>
+        <p:txBody>
+          <a:bodyPr wrap="square">
+            <a:spAutoFit/>
+          </a:bodyPr>
+          <a:lstStyle/>
+          <a:p>
+            <a:r>
+              <a:rPr lang="en-US" altLang="zh-CN" sz="2800" dirty="0"/>
+              <a:t>When building these decision trees, each time a split in a tree is considered, </a:t>
+            </a:r>
+            <a:r>
+              <a:rPr lang="en-US" altLang="zh-CN" sz="2800" dirty="0">
+                <a:solidFill>
+                  <a:schemeClr val="accent6"/>
+                </a:solidFill>
+              </a:rPr>
+              <a:t>a random selection of m predictors is chosen as split candidates</a:t>
+            </a:r>
+            <a:r>
+              <a:rPr lang="en-US" altLang="zh-CN" sz="2800" dirty="0"/>
+              <a:t> from the full set of p predictors. The split is allowed to use only one of those m predictors. </a:t>
+            </a:r>
+          </a:p>
+        </p:txBody>
+      </p:sp>
+      <p:sp>
+        <p:nvSpPr>
+          <p:cNvPr id="4" name="TextBox 3">
+            <a:extLst>
+              <a:ext uri="{FF2B5EF4-FFF2-40B4-BE49-F238E27FC236}">
+                <a16:creationId xmlns:a16="http://schemas.microsoft.com/office/drawing/2014/main" id="{83AB9328-1238-A089-E1E9-82CAF8028C5F}"/>
+              </a:ext>
+            </a:extLst>
+          </p:cNvPr>
+          <p:cNvSpPr txBox="1"/>
+          <p:nvPr/>
+        </p:nvSpPr>
+        <p:spPr>
+          <a:xfrm>
+            <a:off x="838200" y="4153716"/>
+            <a:ext cx="10073640" cy="1384995"/>
+          </a:xfrm>
+          <a:prstGeom prst="rect">
+            <a:avLst/>
+          </a:prstGeom>
+          <a:noFill/>
+        </p:spPr>
+        <p:txBody>
+          <a:bodyPr wrap="square">
+            <a:spAutoFit/>
+          </a:bodyPr>
+          <a:lstStyle/>
+          <a:p>
+            <a:r>
+              <a:rPr lang="en-US" altLang="zh-CN" sz="2800" dirty="0"/>
+              <a:t>The reason: if one or a few features are very strong predictors for the target output, these features will be selected in many of the B trees, causing them (bagging trees) to become correlated.</a:t>
+            </a:r>
+          </a:p>
+        </p:txBody>
+      </p:sp>
+    </p:spTree>
+    <p:extLst>
+      <p:ext uri="{BB962C8B-B14F-4D97-AF65-F5344CB8AC3E}">
+        <p14:creationId xmlns:p14="http://schemas.microsoft.com/office/powerpoint/2010/main" val="3946964673"/>
+      </p:ext>
+    </p:extLst>
+  </p:cSld>
+  <p:clrMapOvr>
+    <a:masterClrMapping/>
+  </p:clrMapOvr>
+</p:sld>
+</file>
+
+<file path=ppt/slides/slide28.xml><?xml version="1.0" encoding="utf-8"?>
 <p:sld xmlns:a="http://schemas.openxmlformats.org/drawingml/2006/main" xmlns:r="http://schemas.openxmlformats.org/officeDocument/2006/relationships" xmlns:p="http://schemas.openxmlformats.org/presentationml/2006/main">
   <p:cSld>
     <p:spTree>

--- a/_umkc-teaching/slides/Lecture9.pptx
+++ b/_umkc-teaching/slides/Lecture9.pptx
@@ -5,7 +5,7 @@
     <p:sldMasterId id="2147483660" r:id="rId1"/>
   </p:sldMasterIdLst>
   <p:notesMasterIdLst>
-    <p:notesMasterId r:id="rId30"/>
+    <p:notesMasterId r:id="rId35"/>
   </p:notesMasterIdLst>
   <p:sldIdLst>
     <p:sldId id="257" r:id="rId2"/>
@@ -35,7 +35,12 @@
     <p:sldId id="382" r:id="rId26"/>
     <p:sldId id="383" r:id="rId27"/>
     <p:sldId id="384" r:id="rId28"/>
-    <p:sldId id="325" r:id="rId29"/>
+    <p:sldId id="385" r:id="rId29"/>
+    <p:sldId id="386" r:id="rId30"/>
+    <p:sldId id="387" r:id="rId31"/>
+    <p:sldId id="389" r:id="rId32"/>
+    <p:sldId id="388" r:id="rId33"/>
+    <p:sldId id="325" r:id="rId34"/>
   </p:sldIdLst>
   <p:sldSz cx="12192000" cy="6858000"/>
   <p:notesSz cx="6858000" cy="9144000"/>
@@ -2182,6 +2187,273 @@
 </p:notes>
 </file>
 
+<file path=ppt/notesSlides/notesSlide27.xml><?xml version="1.0" encoding="utf-8"?>
+<p:notes xmlns:a="http://schemas.openxmlformats.org/drawingml/2006/main" xmlns:r="http://schemas.openxmlformats.org/officeDocument/2006/relationships" xmlns:p="http://schemas.openxmlformats.org/presentationml/2006/main">
+  <p:cSld>
+    <p:spTree>
+      <p:nvGrpSpPr>
+        <p:cNvPr id="1" name=""/>
+        <p:cNvGrpSpPr/>
+        <p:nvPr/>
+      </p:nvGrpSpPr>
+      <p:grpSpPr>
+        <a:xfrm>
+          <a:off x="0" y="0"/>
+          <a:ext cx="0" cy="0"/>
+          <a:chOff x="0" y="0"/>
+          <a:chExt cx="0" cy="0"/>
+        </a:xfrm>
+      </p:grpSpPr>
+      <p:sp>
+        <p:nvSpPr>
+          <p:cNvPr id="2" name="Slide Image Placeholder 1"/>
+          <p:cNvSpPr>
+            <a:spLocks noGrp="1" noRot="1" noChangeAspect="1"/>
+          </p:cNvSpPr>
+          <p:nvPr>
+            <p:ph type="sldImg"/>
+          </p:nvPr>
+        </p:nvSpPr>
+        <p:spPr>
+          <a:xfrm>
+            <a:off x="685800" y="1143000"/>
+            <a:ext cx="5486400" cy="3086100"/>
+          </a:xfrm>
+        </p:spPr>
+      </p:sp>
+      <p:sp>
+        <p:nvSpPr>
+          <p:cNvPr id="3" name="Notes Placeholder 2"/>
+          <p:cNvSpPr>
+            <a:spLocks noGrp="1"/>
+          </p:cNvSpPr>
+          <p:nvPr>
+            <p:ph type="body" idx="1"/>
+          </p:nvPr>
+        </p:nvSpPr>
+        <p:spPr/>
+        <p:txBody>
+          <a:bodyPr/>
+          <a:lstStyle/>
+          <a:p>
+            <a:endParaRPr lang="en-US" dirty="0"/>
+          </a:p>
+        </p:txBody>
+      </p:sp>
+      <p:sp>
+        <p:nvSpPr>
+          <p:cNvPr id="4" name="Slide Number Placeholder 3"/>
+          <p:cNvSpPr>
+            <a:spLocks noGrp="1"/>
+          </p:cNvSpPr>
+          <p:nvPr>
+            <p:ph type="sldNum" sz="quarter" idx="5"/>
+          </p:nvPr>
+        </p:nvSpPr>
+        <p:spPr/>
+        <p:txBody>
+          <a:bodyPr/>
+          <a:lstStyle/>
+          <a:p>
+            <a:fld id="{3F8BDF20-BE86-4883-8A23-4CE3D0058BEA}" type="slidenum">
+              <a:rPr lang="en-US" smtClean="0"/>
+              <a:t>28</a:t>
+            </a:fld>
+            <a:endParaRPr lang="en-US"/>
+          </a:p>
+        </p:txBody>
+      </p:sp>
+    </p:spTree>
+    <p:extLst>
+      <p:ext uri="{BB962C8B-B14F-4D97-AF65-F5344CB8AC3E}">
+        <p14:creationId xmlns:p14="http://schemas.microsoft.com/office/powerpoint/2010/main" val="3072624806"/>
+      </p:ext>
+    </p:extLst>
+  </p:cSld>
+  <p:clrMapOvr>
+    <a:masterClrMapping/>
+  </p:clrMapOvr>
+</p:notes>
+</file>
+
+<file path=ppt/notesSlides/notesSlide28.xml><?xml version="1.0" encoding="utf-8"?>
+<p:notes xmlns:a="http://schemas.openxmlformats.org/drawingml/2006/main" xmlns:r="http://schemas.openxmlformats.org/officeDocument/2006/relationships" xmlns:p="http://schemas.openxmlformats.org/presentationml/2006/main">
+  <p:cSld>
+    <p:spTree>
+      <p:nvGrpSpPr>
+        <p:cNvPr id="1" name=""/>
+        <p:cNvGrpSpPr/>
+        <p:nvPr/>
+      </p:nvGrpSpPr>
+      <p:grpSpPr>
+        <a:xfrm>
+          <a:off x="0" y="0"/>
+          <a:ext cx="0" cy="0"/>
+          <a:chOff x="0" y="0"/>
+          <a:chExt cx="0" cy="0"/>
+        </a:xfrm>
+      </p:grpSpPr>
+      <p:sp>
+        <p:nvSpPr>
+          <p:cNvPr id="2" name="Slide Image Placeholder 1"/>
+          <p:cNvSpPr>
+            <a:spLocks noGrp="1" noRot="1" noChangeAspect="1"/>
+          </p:cNvSpPr>
+          <p:nvPr>
+            <p:ph type="sldImg"/>
+          </p:nvPr>
+        </p:nvSpPr>
+        <p:spPr>
+          <a:xfrm>
+            <a:off x="685800" y="1143000"/>
+            <a:ext cx="5486400" cy="3086100"/>
+          </a:xfrm>
+        </p:spPr>
+      </p:sp>
+      <p:sp>
+        <p:nvSpPr>
+          <p:cNvPr id="3" name="Notes Placeholder 2"/>
+          <p:cNvSpPr>
+            <a:spLocks noGrp="1"/>
+          </p:cNvSpPr>
+          <p:nvPr>
+            <p:ph type="body" idx="1"/>
+          </p:nvPr>
+        </p:nvSpPr>
+        <p:spPr/>
+        <p:txBody>
+          <a:bodyPr/>
+          <a:lstStyle/>
+          <a:p>
+            <a:endParaRPr lang="en-US" dirty="0"/>
+          </a:p>
+        </p:txBody>
+      </p:sp>
+      <p:sp>
+        <p:nvSpPr>
+          <p:cNvPr id="4" name="Slide Number Placeholder 3"/>
+          <p:cNvSpPr>
+            <a:spLocks noGrp="1"/>
+          </p:cNvSpPr>
+          <p:nvPr>
+            <p:ph type="sldNum" sz="quarter" idx="5"/>
+          </p:nvPr>
+        </p:nvSpPr>
+        <p:spPr/>
+        <p:txBody>
+          <a:bodyPr/>
+          <a:lstStyle/>
+          <a:p>
+            <a:fld id="{3F8BDF20-BE86-4883-8A23-4CE3D0058BEA}" type="slidenum">
+              <a:rPr lang="en-US" smtClean="0"/>
+              <a:t>29</a:t>
+            </a:fld>
+            <a:endParaRPr lang="en-US"/>
+          </a:p>
+        </p:txBody>
+      </p:sp>
+    </p:spTree>
+    <p:extLst>
+      <p:ext uri="{BB962C8B-B14F-4D97-AF65-F5344CB8AC3E}">
+        <p14:creationId xmlns:p14="http://schemas.microsoft.com/office/powerpoint/2010/main" val="1205026938"/>
+      </p:ext>
+    </p:extLst>
+  </p:cSld>
+  <p:clrMapOvr>
+    <a:masterClrMapping/>
+  </p:clrMapOvr>
+</p:notes>
+</file>
+
+<file path=ppt/notesSlides/notesSlide29.xml><?xml version="1.0" encoding="utf-8"?>
+<p:notes xmlns:a="http://schemas.openxmlformats.org/drawingml/2006/main" xmlns:r="http://schemas.openxmlformats.org/officeDocument/2006/relationships" xmlns:p="http://schemas.openxmlformats.org/presentationml/2006/main">
+  <p:cSld>
+    <p:spTree>
+      <p:nvGrpSpPr>
+        <p:cNvPr id="1" name=""/>
+        <p:cNvGrpSpPr/>
+        <p:nvPr/>
+      </p:nvGrpSpPr>
+      <p:grpSpPr>
+        <a:xfrm>
+          <a:off x="0" y="0"/>
+          <a:ext cx="0" cy="0"/>
+          <a:chOff x="0" y="0"/>
+          <a:chExt cx="0" cy="0"/>
+        </a:xfrm>
+      </p:grpSpPr>
+      <p:sp>
+        <p:nvSpPr>
+          <p:cNvPr id="2" name="Slide Image Placeholder 1"/>
+          <p:cNvSpPr>
+            <a:spLocks noGrp="1" noRot="1" noChangeAspect="1"/>
+          </p:cNvSpPr>
+          <p:nvPr>
+            <p:ph type="sldImg"/>
+          </p:nvPr>
+        </p:nvSpPr>
+        <p:spPr>
+          <a:xfrm>
+            <a:off x="685800" y="1143000"/>
+            <a:ext cx="5486400" cy="3086100"/>
+          </a:xfrm>
+        </p:spPr>
+      </p:sp>
+      <p:sp>
+        <p:nvSpPr>
+          <p:cNvPr id="3" name="Notes Placeholder 2"/>
+          <p:cNvSpPr>
+            <a:spLocks noGrp="1"/>
+          </p:cNvSpPr>
+          <p:nvPr>
+            <p:ph type="body" idx="1"/>
+          </p:nvPr>
+        </p:nvSpPr>
+        <p:spPr/>
+        <p:txBody>
+          <a:bodyPr/>
+          <a:lstStyle/>
+          <a:p>
+            <a:endParaRPr lang="en-US" dirty="0"/>
+          </a:p>
+        </p:txBody>
+      </p:sp>
+      <p:sp>
+        <p:nvSpPr>
+          <p:cNvPr id="4" name="Slide Number Placeholder 3"/>
+          <p:cNvSpPr>
+            <a:spLocks noGrp="1"/>
+          </p:cNvSpPr>
+          <p:nvPr>
+            <p:ph type="sldNum" sz="quarter" idx="5"/>
+          </p:nvPr>
+        </p:nvSpPr>
+        <p:spPr/>
+        <p:txBody>
+          <a:bodyPr/>
+          <a:lstStyle/>
+          <a:p>
+            <a:fld id="{3F8BDF20-BE86-4883-8A23-4CE3D0058BEA}" type="slidenum">
+              <a:rPr lang="en-US" smtClean="0"/>
+              <a:t>30</a:t>
+            </a:fld>
+            <a:endParaRPr lang="en-US"/>
+          </a:p>
+        </p:txBody>
+      </p:sp>
+    </p:spTree>
+    <p:extLst>
+      <p:ext uri="{BB962C8B-B14F-4D97-AF65-F5344CB8AC3E}">
+        <p14:creationId xmlns:p14="http://schemas.microsoft.com/office/powerpoint/2010/main" val="3637614074"/>
+      </p:ext>
+    </p:extLst>
+  </p:cSld>
+  <p:clrMapOvr>
+    <a:masterClrMapping/>
+  </p:clrMapOvr>
+</p:notes>
+</file>
+
 <file path=ppt/notesSlides/notesSlide3.xml><?xml version="1.0" encoding="utf-8"?>
 <p:notes xmlns:a="http://schemas.openxmlformats.org/drawingml/2006/main" xmlns:r="http://schemas.openxmlformats.org/officeDocument/2006/relationships" xmlns:p="http://schemas.openxmlformats.org/presentationml/2006/main">
   <p:cSld>
@@ -2262,6 +2534,184 @@
     <p:extLst>
       <p:ext uri="{BB962C8B-B14F-4D97-AF65-F5344CB8AC3E}">
         <p14:creationId xmlns:p14="http://schemas.microsoft.com/office/powerpoint/2010/main" val="847679841"/>
+      </p:ext>
+    </p:extLst>
+  </p:cSld>
+  <p:clrMapOvr>
+    <a:masterClrMapping/>
+  </p:clrMapOvr>
+</p:notes>
+</file>
+
+<file path=ppt/notesSlides/notesSlide30.xml><?xml version="1.0" encoding="utf-8"?>
+<p:notes xmlns:a="http://schemas.openxmlformats.org/drawingml/2006/main" xmlns:r="http://schemas.openxmlformats.org/officeDocument/2006/relationships" xmlns:p="http://schemas.openxmlformats.org/presentationml/2006/main">
+  <p:cSld>
+    <p:spTree>
+      <p:nvGrpSpPr>
+        <p:cNvPr id="1" name=""/>
+        <p:cNvGrpSpPr/>
+        <p:nvPr/>
+      </p:nvGrpSpPr>
+      <p:grpSpPr>
+        <a:xfrm>
+          <a:off x="0" y="0"/>
+          <a:ext cx="0" cy="0"/>
+          <a:chOff x="0" y="0"/>
+          <a:chExt cx="0" cy="0"/>
+        </a:xfrm>
+      </p:grpSpPr>
+      <p:sp>
+        <p:nvSpPr>
+          <p:cNvPr id="2" name="Slide Image Placeholder 1"/>
+          <p:cNvSpPr>
+            <a:spLocks noGrp="1" noRot="1" noChangeAspect="1"/>
+          </p:cNvSpPr>
+          <p:nvPr>
+            <p:ph type="sldImg"/>
+          </p:nvPr>
+        </p:nvSpPr>
+        <p:spPr>
+          <a:xfrm>
+            <a:off x="685800" y="1143000"/>
+            <a:ext cx="5486400" cy="3086100"/>
+          </a:xfrm>
+        </p:spPr>
+      </p:sp>
+      <p:sp>
+        <p:nvSpPr>
+          <p:cNvPr id="3" name="Notes Placeholder 2"/>
+          <p:cNvSpPr>
+            <a:spLocks noGrp="1"/>
+          </p:cNvSpPr>
+          <p:nvPr>
+            <p:ph type="body" idx="1"/>
+          </p:nvPr>
+        </p:nvSpPr>
+        <p:spPr/>
+        <p:txBody>
+          <a:bodyPr/>
+          <a:lstStyle/>
+          <a:p>
+            <a:endParaRPr lang="en-US" dirty="0"/>
+          </a:p>
+        </p:txBody>
+      </p:sp>
+      <p:sp>
+        <p:nvSpPr>
+          <p:cNvPr id="4" name="Slide Number Placeholder 3"/>
+          <p:cNvSpPr>
+            <a:spLocks noGrp="1"/>
+          </p:cNvSpPr>
+          <p:nvPr>
+            <p:ph type="sldNum" sz="quarter" idx="5"/>
+          </p:nvPr>
+        </p:nvSpPr>
+        <p:spPr/>
+        <p:txBody>
+          <a:bodyPr/>
+          <a:lstStyle/>
+          <a:p>
+            <a:fld id="{3F8BDF20-BE86-4883-8A23-4CE3D0058BEA}" type="slidenum">
+              <a:rPr lang="en-US" smtClean="0"/>
+              <a:t>31</a:t>
+            </a:fld>
+            <a:endParaRPr lang="en-US"/>
+          </a:p>
+        </p:txBody>
+      </p:sp>
+    </p:spTree>
+    <p:extLst>
+      <p:ext uri="{BB962C8B-B14F-4D97-AF65-F5344CB8AC3E}">
+        <p14:creationId xmlns:p14="http://schemas.microsoft.com/office/powerpoint/2010/main" val="1751192970"/>
+      </p:ext>
+    </p:extLst>
+  </p:cSld>
+  <p:clrMapOvr>
+    <a:masterClrMapping/>
+  </p:clrMapOvr>
+</p:notes>
+</file>
+
+<file path=ppt/notesSlides/notesSlide31.xml><?xml version="1.0" encoding="utf-8"?>
+<p:notes xmlns:a="http://schemas.openxmlformats.org/drawingml/2006/main" xmlns:r="http://schemas.openxmlformats.org/officeDocument/2006/relationships" xmlns:p="http://schemas.openxmlformats.org/presentationml/2006/main">
+  <p:cSld>
+    <p:spTree>
+      <p:nvGrpSpPr>
+        <p:cNvPr id="1" name=""/>
+        <p:cNvGrpSpPr/>
+        <p:nvPr/>
+      </p:nvGrpSpPr>
+      <p:grpSpPr>
+        <a:xfrm>
+          <a:off x="0" y="0"/>
+          <a:ext cx="0" cy="0"/>
+          <a:chOff x="0" y="0"/>
+          <a:chExt cx="0" cy="0"/>
+        </a:xfrm>
+      </p:grpSpPr>
+      <p:sp>
+        <p:nvSpPr>
+          <p:cNvPr id="2" name="Slide Image Placeholder 1"/>
+          <p:cNvSpPr>
+            <a:spLocks noGrp="1" noRot="1" noChangeAspect="1"/>
+          </p:cNvSpPr>
+          <p:nvPr>
+            <p:ph type="sldImg"/>
+          </p:nvPr>
+        </p:nvSpPr>
+        <p:spPr>
+          <a:xfrm>
+            <a:off x="685800" y="1143000"/>
+            <a:ext cx="5486400" cy="3086100"/>
+          </a:xfrm>
+        </p:spPr>
+      </p:sp>
+      <p:sp>
+        <p:nvSpPr>
+          <p:cNvPr id="3" name="Notes Placeholder 2"/>
+          <p:cNvSpPr>
+            <a:spLocks noGrp="1"/>
+          </p:cNvSpPr>
+          <p:nvPr>
+            <p:ph type="body" idx="1"/>
+          </p:nvPr>
+        </p:nvSpPr>
+        <p:spPr/>
+        <p:txBody>
+          <a:bodyPr/>
+          <a:lstStyle/>
+          <a:p>
+            <a:endParaRPr lang="en-US" dirty="0"/>
+          </a:p>
+        </p:txBody>
+      </p:sp>
+      <p:sp>
+        <p:nvSpPr>
+          <p:cNvPr id="4" name="Slide Number Placeholder 3"/>
+          <p:cNvSpPr>
+            <a:spLocks noGrp="1"/>
+          </p:cNvSpPr>
+          <p:nvPr>
+            <p:ph type="sldNum" sz="quarter" idx="5"/>
+          </p:nvPr>
+        </p:nvSpPr>
+        <p:spPr/>
+        <p:txBody>
+          <a:bodyPr/>
+          <a:lstStyle/>
+          <a:p>
+            <a:fld id="{3F8BDF20-BE86-4883-8A23-4CE3D0058BEA}" type="slidenum">
+              <a:rPr lang="en-US" smtClean="0"/>
+              <a:t>32</a:t>
+            </a:fld>
+            <a:endParaRPr lang="en-US"/>
+          </a:p>
+        </p:txBody>
+      </p:sp>
+    </p:spTree>
+    <p:extLst>
+      <p:ext uri="{BB962C8B-B14F-4D97-AF65-F5344CB8AC3E}">
+        <p14:creationId xmlns:p14="http://schemas.microsoft.com/office/powerpoint/2010/main" val="4173070492"/>
       </p:ext>
     </p:extLst>
   </p:cSld>
@@ -9035,10 +9485,128 @@
       </p:grpSpPr>
       <p:sp>
         <p:nvSpPr>
-          <p:cNvPr id="10" name="TextBox 9">
+          <p:cNvPr id="2" name="Title 1"/>
+          <p:cNvSpPr>
+            <a:spLocks noGrp="1"/>
+          </p:cNvSpPr>
+          <p:nvPr>
+            <p:ph type="title"/>
+          </p:nvPr>
+        </p:nvSpPr>
+        <p:spPr>
+          <a:xfrm>
+            <a:off x="838200" y="365126"/>
+            <a:ext cx="10515600" cy="981894"/>
+          </a:xfrm>
+        </p:spPr>
+        <p:txBody>
+          <a:bodyPr>
+            <a:normAutofit/>
+          </a:bodyPr>
+          <a:lstStyle/>
+          <a:p>
+            <a:r>
+              <a:rPr lang="en-US" dirty="0"/>
+              <a:t>Random Forests (How to Select m) </a:t>
+            </a:r>
+          </a:p>
+        </p:txBody>
+      </p:sp>
+      <p:pic>
+        <p:nvPicPr>
+          <p:cNvPr id="5" name="Picture 4">
             <a:extLst>
               <a:ext uri="{FF2B5EF4-FFF2-40B4-BE49-F238E27FC236}">
-                <a16:creationId xmlns:a16="http://schemas.microsoft.com/office/drawing/2014/main" id="{514E73AD-7A38-9D42-8C4C-ADC0FDE0FBC3}"/>
+                <a16:creationId xmlns:a16="http://schemas.microsoft.com/office/drawing/2014/main" id="{536278BB-DE62-0AE4-EA40-D6C1C45CEE0D}"/>
+              </a:ext>
+            </a:extLst>
+          </p:cNvPr>
+          <p:cNvPicPr>
+            <a:picLocks noChangeAspect="1"/>
+          </p:cNvPicPr>
+          <p:nvPr/>
+        </p:nvPicPr>
+        <p:blipFill>
+          <a:blip r:embed="rId3"/>
+          <a:stretch>
+            <a:fillRect/>
+          </a:stretch>
+        </p:blipFill>
+        <p:spPr>
+          <a:xfrm>
+            <a:off x="2024486" y="1581744"/>
+            <a:ext cx="6655873" cy="4911130"/>
+          </a:xfrm>
+          <a:prstGeom prst="rect">
+            <a:avLst/>
+          </a:prstGeom>
+        </p:spPr>
+      </p:pic>
+    </p:spTree>
+    <p:extLst>
+      <p:ext uri="{BB962C8B-B14F-4D97-AF65-F5344CB8AC3E}">
+        <p14:creationId xmlns:p14="http://schemas.microsoft.com/office/powerpoint/2010/main" val="1912921450"/>
+      </p:ext>
+    </p:extLst>
+  </p:cSld>
+  <p:clrMapOvr>
+    <a:masterClrMapping/>
+  </p:clrMapOvr>
+</p:sld>
+</file>
+
+<file path=ppt/slides/slide29.xml><?xml version="1.0" encoding="utf-8"?>
+<p:sld xmlns:a="http://schemas.openxmlformats.org/drawingml/2006/main" xmlns:r="http://schemas.openxmlformats.org/officeDocument/2006/relationships" xmlns:p="http://schemas.openxmlformats.org/presentationml/2006/main">
+  <p:cSld>
+    <p:spTree>
+      <p:nvGrpSpPr>
+        <p:cNvPr id="1" name=""/>
+        <p:cNvGrpSpPr/>
+        <p:nvPr/>
+      </p:nvGrpSpPr>
+      <p:grpSpPr>
+        <a:xfrm>
+          <a:off x="0" y="0"/>
+          <a:ext cx="0" cy="0"/>
+          <a:chOff x="0" y="0"/>
+          <a:chExt cx="0" cy="0"/>
+        </a:xfrm>
+      </p:grpSpPr>
+      <p:sp>
+        <p:nvSpPr>
+          <p:cNvPr id="2" name="Title 1"/>
+          <p:cNvSpPr>
+            <a:spLocks noGrp="1"/>
+          </p:cNvSpPr>
+          <p:nvPr>
+            <p:ph type="title"/>
+          </p:nvPr>
+        </p:nvSpPr>
+        <p:spPr>
+          <a:xfrm>
+            <a:off x="838200" y="365126"/>
+            <a:ext cx="10515600" cy="981894"/>
+          </a:xfrm>
+        </p:spPr>
+        <p:txBody>
+          <a:bodyPr>
+            <a:normAutofit/>
+          </a:bodyPr>
+          <a:lstStyle/>
+          <a:p>
+            <a:r>
+              <a:rPr lang="en-US" dirty="0"/>
+              <a:t>Boosting Trees</a:t>
+            </a:r>
+          </a:p>
+        </p:txBody>
+      </p:sp>
+      <p:sp>
+        <p:nvSpPr>
+          <p:cNvPr id="3" name="TextBox 2">
+            <a:extLst>
+              <a:ext uri="{FF2B5EF4-FFF2-40B4-BE49-F238E27FC236}">
+                <a16:creationId xmlns:a16="http://schemas.microsoft.com/office/drawing/2014/main" id="{BF01A8ED-BB1C-D14F-68FF-2B7DFF2567CD}"/>
               </a:ext>
             </a:extLst>
           </p:cNvPr>
@@ -9047,8 +9615,8 @@
         </p:nvSpPr>
         <p:spPr>
           <a:xfrm>
-            <a:off x="4792980" y="2601575"/>
-            <a:ext cx="5951220" cy="1077218"/>
+            <a:off x="838200" y="1669700"/>
+            <a:ext cx="10073640" cy="1815882"/>
           </a:xfrm>
           <a:prstGeom prst="rect">
             <a:avLst/>
@@ -9062,16 +9630,81 @@
           <a:lstStyle/>
           <a:p>
             <a:r>
-              <a:rPr lang="en-US" sz="6400" dirty="0"/>
-              <a:t>Q &amp; A</a:t>
-            </a:r>
+              <a:rPr lang="en-US" altLang="zh-CN" sz="2800" dirty="0"/>
+              <a:t>Boosting works in a similar way as bagging, except that </a:t>
+            </a:r>
+            <a:r>
+              <a:rPr lang="en-US" altLang="zh-CN" sz="2800" dirty="0">
+                <a:solidFill>
+                  <a:schemeClr val="accent6"/>
+                </a:solidFill>
+              </a:rPr>
+              <a:t>the trees are grown sequentially</a:t>
+            </a:r>
+            <a:r>
+              <a:rPr lang="en-US" altLang="zh-CN" sz="2800" dirty="0"/>
+              <a:t>: each tree is grown using information from previously grown trees. </a:t>
+            </a:r>
+          </a:p>
+          <a:p>
+            <a:endParaRPr lang="en-US" altLang="zh-CN" sz="2800" dirty="0"/>
+          </a:p>
+        </p:txBody>
+      </p:sp>
+      <p:sp>
+        <p:nvSpPr>
+          <p:cNvPr id="4" name="TextBox 3">
+            <a:extLst>
+              <a:ext uri="{FF2B5EF4-FFF2-40B4-BE49-F238E27FC236}">
+                <a16:creationId xmlns:a16="http://schemas.microsoft.com/office/drawing/2014/main" id="{088835C5-9374-5625-3BB9-D6425C9313E5}"/>
+              </a:ext>
+            </a:extLst>
+          </p:cNvPr>
+          <p:cNvSpPr txBox="1"/>
+          <p:nvPr/>
+        </p:nvSpPr>
+        <p:spPr>
+          <a:xfrm>
+            <a:off x="838200" y="3919751"/>
+            <a:ext cx="10073640" cy="1815882"/>
+          </a:xfrm>
+          <a:prstGeom prst="rect">
+            <a:avLst/>
+          </a:prstGeom>
+          <a:noFill/>
+        </p:spPr>
+        <p:txBody>
+          <a:bodyPr wrap="square">
+            <a:spAutoFit/>
+          </a:bodyPr>
+          <a:lstStyle/>
+          <a:p>
+            <a:r>
+              <a:rPr lang="en-US" altLang="zh-CN" sz="2800" dirty="0"/>
+              <a:t>Unlike fitting a single large decision tree to the data, which amounts to fitting the data hard and potentially overfitting, the boosting approach instead </a:t>
+            </a:r>
+            <a:r>
+              <a:rPr lang="en-US" altLang="zh-CN" sz="2800" dirty="0">
+                <a:solidFill>
+                  <a:schemeClr val="accent6"/>
+                </a:solidFill>
+              </a:rPr>
+              <a:t>learns slowly</a:t>
+            </a:r>
+            <a:r>
+              <a:rPr lang="en-US" altLang="zh-CN" sz="2800" dirty="0"/>
+              <a:t>. </a:t>
+            </a:r>
+          </a:p>
+          <a:p>
+            <a:endParaRPr lang="en-US" altLang="zh-CN" sz="2800" dirty="0"/>
           </a:p>
         </p:txBody>
       </p:sp>
     </p:spTree>
     <p:extLst>
       <p:ext uri="{BB962C8B-B14F-4D97-AF65-F5344CB8AC3E}">
-        <p14:creationId xmlns:p14="http://schemas.microsoft.com/office/powerpoint/2010/main" val="1222215017"/>
+        <p14:creationId xmlns:p14="http://schemas.microsoft.com/office/powerpoint/2010/main" val="2655536149"/>
       </p:ext>
     </p:extLst>
   </p:cSld>
@@ -9191,6 +9824,556 @@
     <p:extLst>
       <p:ext uri="{BB962C8B-B14F-4D97-AF65-F5344CB8AC3E}">
         <p14:creationId xmlns:p14="http://schemas.microsoft.com/office/powerpoint/2010/main" val="3181903057"/>
+      </p:ext>
+    </p:extLst>
+  </p:cSld>
+  <p:clrMapOvr>
+    <a:masterClrMapping/>
+  </p:clrMapOvr>
+</p:sld>
+</file>
+
+<file path=ppt/slides/slide30.xml><?xml version="1.0" encoding="utf-8"?>
+<p:sld xmlns:a="http://schemas.openxmlformats.org/drawingml/2006/main" xmlns:r="http://schemas.openxmlformats.org/officeDocument/2006/relationships" xmlns:p="http://schemas.openxmlformats.org/presentationml/2006/main">
+  <p:cSld>
+    <p:spTree>
+      <p:nvGrpSpPr>
+        <p:cNvPr id="1" name=""/>
+        <p:cNvGrpSpPr/>
+        <p:nvPr/>
+      </p:nvGrpSpPr>
+      <p:grpSpPr>
+        <a:xfrm>
+          <a:off x="0" y="0"/>
+          <a:ext cx="0" cy="0"/>
+          <a:chOff x="0" y="0"/>
+          <a:chExt cx="0" cy="0"/>
+        </a:xfrm>
+      </p:grpSpPr>
+      <p:sp>
+        <p:nvSpPr>
+          <p:cNvPr id="2" name="Title 1"/>
+          <p:cNvSpPr>
+            <a:spLocks noGrp="1"/>
+          </p:cNvSpPr>
+          <p:nvPr>
+            <p:ph type="title"/>
+          </p:nvPr>
+        </p:nvSpPr>
+        <p:spPr>
+          <a:xfrm>
+            <a:off x="838200" y="365126"/>
+            <a:ext cx="10515600" cy="981894"/>
+          </a:xfrm>
+        </p:spPr>
+        <p:txBody>
+          <a:bodyPr>
+            <a:normAutofit/>
+          </a:bodyPr>
+          <a:lstStyle/>
+          <a:p>
+            <a:r>
+              <a:rPr lang="en-US" dirty="0"/>
+              <a:t>Boosting Regression Trees</a:t>
+            </a:r>
+          </a:p>
+        </p:txBody>
+      </p:sp>
+      <p:pic>
+        <p:nvPicPr>
+          <p:cNvPr id="4" name="Picture 3">
+            <a:extLst>
+              <a:ext uri="{FF2B5EF4-FFF2-40B4-BE49-F238E27FC236}">
+                <a16:creationId xmlns:a16="http://schemas.microsoft.com/office/drawing/2014/main" id="{DD0E1FAD-F150-0564-EA42-EABCF947B17F}"/>
+              </a:ext>
+            </a:extLst>
+          </p:cNvPr>
+          <p:cNvPicPr>
+            <a:picLocks noChangeAspect="1"/>
+          </p:cNvPicPr>
+          <p:nvPr/>
+        </p:nvPicPr>
+        <p:blipFill rotWithShape="1">
+          <a:blip r:embed="rId3"/>
+          <a:srcRect b="30667"/>
+          <a:stretch/>
+        </p:blipFill>
+        <p:spPr>
+          <a:xfrm>
+            <a:off x="706101" y="1347020"/>
+            <a:ext cx="10532480" cy="5003800"/>
+          </a:xfrm>
+          <a:prstGeom prst="rect">
+            <a:avLst/>
+          </a:prstGeom>
+        </p:spPr>
+      </p:pic>
+      <p:sp>
+        <p:nvSpPr>
+          <p:cNvPr id="5" name="Rounded Rectangle 4">
+            <a:extLst>
+              <a:ext uri="{FF2B5EF4-FFF2-40B4-BE49-F238E27FC236}">
+                <a16:creationId xmlns:a16="http://schemas.microsoft.com/office/drawing/2014/main" id="{C4F166D3-A004-AE6F-5293-A5158DE40F75}"/>
+              </a:ext>
+            </a:extLst>
+          </p:cNvPr>
+          <p:cNvSpPr/>
+          <p:nvPr/>
+        </p:nvSpPr>
+        <p:spPr>
+          <a:xfrm>
+            <a:off x="3348507" y="2781837"/>
+            <a:ext cx="2034862" cy="647163"/>
+          </a:xfrm>
+          <a:prstGeom prst="roundRect">
+            <a:avLst/>
+          </a:prstGeom>
+          <a:noFill/>
+          <a:ln w="28575">
+            <a:solidFill>
+              <a:srgbClr val="FF0000"/>
+            </a:solidFill>
+          </a:ln>
+        </p:spPr>
+        <p:style>
+          <a:lnRef idx="2">
+            <a:schemeClr val="accent1">
+              <a:shade val="15000"/>
+            </a:schemeClr>
+          </a:lnRef>
+          <a:fillRef idx="1">
+            <a:schemeClr val="accent1"/>
+          </a:fillRef>
+          <a:effectRef idx="0">
+            <a:schemeClr val="accent1"/>
+          </a:effectRef>
+          <a:fontRef idx="minor">
+            <a:schemeClr val="lt1"/>
+          </a:fontRef>
+        </p:style>
+        <p:txBody>
+          <a:bodyPr rtlCol="0" anchor="ctr"/>
+          <a:lstStyle/>
+          <a:p>
+            <a:pPr algn="ctr"/>
+            <a:endParaRPr lang="en-US"/>
+          </a:p>
+        </p:txBody>
+      </p:sp>
+    </p:spTree>
+    <p:extLst>
+      <p:ext uri="{BB962C8B-B14F-4D97-AF65-F5344CB8AC3E}">
+        <p14:creationId xmlns:p14="http://schemas.microsoft.com/office/powerpoint/2010/main" val="3817821968"/>
+      </p:ext>
+    </p:extLst>
+  </p:cSld>
+  <p:clrMapOvr>
+    <a:masterClrMapping/>
+  </p:clrMapOvr>
+</p:sld>
+</file>
+
+<file path=ppt/slides/slide31.xml><?xml version="1.0" encoding="utf-8"?>
+<p:sld xmlns:a="http://schemas.openxmlformats.org/drawingml/2006/main" xmlns:r="http://schemas.openxmlformats.org/officeDocument/2006/relationships" xmlns:p="http://schemas.openxmlformats.org/presentationml/2006/main">
+  <p:cSld>
+    <p:spTree>
+      <p:nvGrpSpPr>
+        <p:cNvPr id="1" name=""/>
+        <p:cNvGrpSpPr/>
+        <p:nvPr/>
+      </p:nvGrpSpPr>
+      <p:grpSpPr>
+        <a:xfrm>
+          <a:off x="0" y="0"/>
+          <a:ext cx="0" cy="0"/>
+          <a:chOff x="0" y="0"/>
+          <a:chExt cx="0" cy="0"/>
+        </a:xfrm>
+      </p:grpSpPr>
+      <p:sp>
+        <p:nvSpPr>
+          <p:cNvPr id="2" name="Title 1"/>
+          <p:cNvSpPr>
+            <a:spLocks noGrp="1"/>
+          </p:cNvSpPr>
+          <p:nvPr>
+            <p:ph type="title"/>
+          </p:nvPr>
+        </p:nvSpPr>
+        <p:spPr>
+          <a:xfrm>
+            <a:off x="838200" y="365126"/>
+            <a:ext cx="10515600" cy="981894"/>
+          </a:xfrm>
+        </p:spPr>
+        <p:txBody>
+          <a:bodyPr>
+            <a:normAutofit/>
+          </a:bodyPr>
+          <a:lstStyle/>
+          <a:p>
+            <a:r>
+              <a:rPr lang="en-US" dirty="0"/>
+              <a:t>Gradient Boosting</a:t>
+            </a:r>
+          </a:p>
+        </p:txBody>
+      </p:sp>
+      <p:sp>
+        <p:nvSpPr>
+          <p:cNvPr id="3" name="TextBox 2">
+            <a:extLst>
+              <a:ext uri="{FF2B5EF4-FFF2-40B4-BE49-F238E27FC236}">
+                <a16:creationId xmlns:a16="http://schemas.microsoft.com/office/drawing/2014/main" id="{4BF3BA4A-CD4E-2070-9E0B-9529C4D1F2D9}"/>
+              </a:ext>
+            </a:extLst>
+          </p:cNvPr>
+          <p:cNvSpPr txBox="1"/>
+          <p:nvPr/>
+        </p:nvSpPr>
+        <p:spPr>
+          <a:xfrm>
+            <a:off x="838199" y="1859131"/>
+            <a:ext cx="10515599" cy="1815882"/>
+          </a:xfrm>
+          <a:prstGeom prst="rect">
+            <a:avLst/>
+          </a:prstGeom>
+          <a:noFill/>
+        </p:spPr>
+        <p:txBody>
+          <a:bodyPr wrap="square">
+            <a:spAutoFit/>
+          </a:bodyPr>
+          <a:lstStyle/>
+          <a:p>
+            <a:r>
+              <a:rPr lang="en-US" altLang="zh-CN" sz="2800" dirty="0"/>
+              <a:t>A machine learning algorithm used in regression and classification tasks that gives a prediction model in the form of an ensemble of weak prediction models.</a:t>
+            </a:r>
+          </a:p>
+          <a:p>
+            <a:endParaRPr lang="en-US" altLang="zh-CN" sz="2800" dirty="0"/>
+          </a:p>
+        </p:txBody>
+      </p:sp>
+      <p:sp>
+        <p:nvSpPr>
+          <p:cNvPr id="6" name="TextBox 5">
+            <a:extLst>
+              <a:ext uri="{FF2B5EF4-FFF2-40B4-BE49-F238E27FC236}">
+                <a16:creationId xmlns:a16="http://schemas.microsoft.com/office/drawing/2014/main" id="{0AE7D09A-BA9B-7C5B-8537-480F05DBBC7E}"/>
+              </a:ext>
+            </a:extLst>
+          </p:cNvPr>
+          <p:cNvSpPr txBox="1"/>
+          <p:nvPr/>
+        </p:nvSpPr>
+        <p:spPr>
+          <a:xfrm>
+            <a:off x="838198" y="3981999"/>
+            <a:ext cx="10515599" cy="1384995"/>
+          </a:xfrm>
+          <a:prstGeom prst="rect">
+            <a:avLst/>
+          </a:prstGeom>
+          <a:noFill/>
+        </p:spPr>
+        <p:txBody>
+          <a:bodyPr wrap="square">
+            <a:spAutoFit/>
+          </a:bodyPr>
+          <a:lstStyle/>
+          <a:p>
+            <a:r>
+              <a:rPr lang="en-US" altLang="zh-CN" sz="2800" dirty="0"/>
+              <a:t>Can outperform random forest but more complicated: https://</a:t>
+            </a:r>
+            <a:r>
+              <a:rPr lang="en-US" altLang="zh-CN" sz="2800" dirty="0" err="1"/>
+              <a:t>en.wikipedia.org</a:t>
+            </a:r>
+            <a:r>
+              <a:rPr lang="en-US" altLang="zh-CN" sz="2800" dirty="0"/>
+              <a:t>/wiki/</a:t>
+            </a:r>
+            <a:r>
+              <a:rPr lang="en-US" altLang="zh-CN" sz="2800" dirty="0" err="1"/>
+              <a:t>Gradient_boosting</a:t>
+            </a:r>
+            <a:endParaRPr lang="en-US" altLang="zh-CN" sz="2800" dirty="0"/>
+          </a:p>
+          <a:p>
+            <a:endParaRPr lang="en-US" altLang="zh-CN" sz="2800" dirty="0"/>
+          </a:p>
+        </p:txBody>
+      </p:sp>
+    </p:spTree>
+    <p:extLst>
+      <p:ext uri="{BB962C8B-B14F-4D97-AF65-F5344CB8AC3E}">
+        <p14:creationId xmlns:p14="http://schemas.microsoft.com/office/powerpoint/2010/main" val="359470975"/>
+      </p:ext>
+    </p:extLst>
+  </p:cSld>
+  <p:clrMapOvr>
+    <a:masterClrMapping/>
+  </p:clrMapOvr>
+</p:sld>
+</file>
+
+<file path=ppt/slides/slide32.xml><?xml version="1.0" encoding="utf-8"?>
+<p:sld xmlns:a="http://schemas.openxmlformats.org/drawingml/2006/main" xmlns:r="http://schemas.openxmlformats.org/officeDocument/2006/relationships" xmlns:p="http://schemas.openxmlformats.org/presentationml/2006/main">
+  <p:cSld>
+    <p:spTree>
+      <p:nvGrpSpPr>
+        <p:cNvPr id="1" name=""/>
+        <p:cNvGrpSpPr/>
+        <p:nvPr/>
+      </p:nvGrpSpPr>
+      <p:grpSpPr>
+        <a:xfrm>
+          <a:off x="0" y="0"/>
+          <a:ext cx="0" cy="0"/>
+          <a:chOff x="0" y="0"/>
+          <a:chExt cx="0" cy="0"/>
+        </a:xfrm>
+      </p:grpSpPr>
+      <p:sp>
+        <p:nvSpPr>
+          <p:cNvPr id="2" name="Title 1"/>
+          <p:cNvSpPr>
+            <a:spLocks noGrp="1"/>
+          </p:cNvSpPr>
+          <p:nvPr>
+            <p:ph type="title"/>
+          </p:nvPr>
+        </p:nvSpPr>
+        <p:spPr>
+          <a:xfrm>
+            <a:off x="838200" y="365126"/>
+            <a:ext cx="10515600" cy="981894"/>
+          </a:xfrm>
+        </p:spPr>
+        <p:txBody>
+          <a:bodyPr>
+            <a:normAutofit/>
+          </a:bodyPr>
+          <a:lstStyle/>
+          <a:p>
+            <a:r>
+              <a:rPr lang="en-US" dirty="0"/>
+              <a:t>Hyperparameters for Boosting</a:t>
+            </a:r>
+          </a:p>
+        </p:txBody>
+      </p:sp>
+      <p:sp>
+        <p:nvSpPr>
+          <p:cNvPr id="3" name="TextBox 2">
+            <a:extLst>
+              <a:ext uri="{FF2B5EF4-FFF2-40B4-BE49-F238E27FC236}">
+                <a16:creationId xmlns:a16="http://schemas.microsoft.com/office/drawing/2014/main" id="{3E29636D-0B03-3DE9-352B-30E2E77A9A2A}"/>
+              </a:ext>
+            </a:extLst>
+          </p:cNvPr>
+          <p:cNvSpPr txBox="1"/>
+          <p:nvPr/>
+        </p:nvSpPr>
+        <p:spPr>
+          <a:xfrm>
+            <a:off x="838199" y="1669700"/>
+            <a:ext cx="10515599" cy="954107"/>
+          </a:xfrm>
+          <a:prstGeom prst="rect">
+            <a:avLst/>
+          </a:prstGeom>
+          <a:noFill/>
+        </p:spPr>
+        <p:txBody>
+          <a:bodyPr wrap="square">
+            <a:spAutoFit/>
+          </a:bodyPr>
+          <a:lstStyle/>
+          <a:p>
+            <a:r>
+              <a:rPr lang="en-US" altLang="zh-CN" sz="2800" dirty="0"/>
+              <a:t>The number of trees B: Too large B leads to overfitting (cross validation) </a:t>
+            </a:r>
+          </a:p>
+          <a:p>
+            <a:endParaRPr lang="en-US" altLang="zh-CN" sz="2800" dirty="0"/>
+          </a:p>
+        </p:txBody>
+      </p:sp>
+      <p:sp>
+        <p:nvSpPr>
+          <p:cNvPr id="6" name="TextBox 5">
+            <a:extLst>
+              <a:ext uri="{FF2B5EF4-FFF2-40B4-BE49-F238E27FC236}">
+                <a16:creationId xmlns:a16="http://schemas.microsoft.com/office/drawing/2014/main" id="{63C042DB-29D1-3A54-1FE3-BA2F51183F53}"/>
+              </a:ext>
+            </a:extLst>
+          </p:cNvPr>
+          <p:cNvSpPr txBox="1"/>
+          <p:nvPr/>
+        </p:nvSpPr>
+        <p:spPr>
+          <a:xfrm>
+            <a:off x="838199" y="2951946"/>
+            <a:ext cx="10515599" cy="954107"/>
+          </a:xfrm>
+          <a:prstGeom prst="rect">
+            <a:avLst/>
+          </a:prstGeom>
+          <a:noFill/>
+        </p:spPr>
+        <p:txBody>
+          <a:bodyPr wrap="square">
+            <a:spAutoFit/>
+          </a:bodyPr>
+          <a:lstStyle/>
+          <a:p>
+            <a:r>
+              <a:rPr lang="en-US" altLang="zh-CN" sz="2800" dirty="0"/>
+              <a:t>The shrinkage parameter </a:t>
+            </a:r>
+            <a:r>
+              <a:rPr lang="el-GR" altLang="zh-CN" sz="2800" dirty="0"/>
+              <a:t>λ</a:t>
+            </a:r>
+            <a:r>
+              <a:rPr lang="en-US" altLang="zh-CN" sz="2800" dirty="0"/>
+              <a:t>: Typically 0.01 or 0.001</a:t>
+            </a:r>
+            <a:r>
+              <a:rPr lang="el-GR" altLang="zh-CN" sz="2800" dirty="0"/>
+              <a:t> </a:t>
+            </a:r>
+          </a:p>
+          <a:p>
+            <a:endParaRPr lang="en-US" altLang="zh-CN" sz="2800" dirty="0"/>
+          </a:p>
+        </p:txBody>
+      </p:sp>
+      <p:sp>
+        <p:nvSpPr>
+          <p:cNvPr id="7" name="TextBox 6">
+            <a:extLst>
+              <a:ext uri="{FF2B5EF4-FFF2-40B4-BE49-F238E27FC236}">
+                <a16:creationId xmlns:a16="http://schemas.microsoft.com/office/drawing/2014/main" id="{9789DDD6-342A-7518-E1BA-36FB209A2E70}"/>
+              </a:ext>
+            </a:extLst>
+          </p:cNvPr>
+          <p:cNvSpPr txBox="1"/>
+          <p:nvPr/>
+        </p:nvSpPr>
+        <p:spPr>
+          <a:xfrm>
+            <a:off x="838199" y="4234193"/>
+            <a:ext cx="10515599" cy="2246769"/>
+          </a:xfrm>
+          <a:prstGeom prst="rect">
+            <a:avLst/>
+          </a:prstGeom>
+          <a:noFill/>
+        </p:spPr>
+        <p:txBody>
+          <a:bodyPr wrap="square">
+            <a:spAutoFit/>
+          </a:bodyPr>
+          <a:lstStyle/>
+          <a:p>
+            <a:r>
+              <a:rPr lang="en-US" altLang="zh-CN" sz="2800" dirty="0"/>
+              <a:t>The number of splits d in each tree: Often d = 1 works well, in which case each tree is a stump </a:t>
+            </a:r>
+          </a:p>
+          <a:p>
+            <a:r>
+              <a:rPr lang="en-US" altLang="zh-CN" sz="2800" dirty="0"/>
+              <a:t> </a:t>
+            </a:r>
+          </a:p>
+          <a:p>
+            <a:r>
+              <a:rPr lang="el-GR" altLang="zh-CN" sz="2800" dirty="0"/>
+              <a:t> </a:t>
+            </a:r>
+          </a:p>
+          <a:p>
+            <a:endParaRPr lang="en-US" altLang="zh-CN" sz="2800" dirty="0"/>
+          </a:p>
+        </p:txBody>
+      </p:sp>
+    </p:spTree>
+    <p:extLst>
+      <p:ext uri="{BB962C8B-B14F-4D97-AF65-F5344CB8AC3E}">
+        <p14:creationId xmlns:p14="http://schemas.microsoft.com/office/powerpoint/2010/main" val="1255130106"/>
+      </p:ext>
+    </p:extLst>
+  </p:cSld>
+  <p:clrMapOvr>
+    <a:masterClrMapping/>
+  </p:clrMapOvr>
+</p:sld>
+</file>
+
+<file path=ppt/slides/slide33.xml><?xml version="1.0" encoding="utf-8"?>
+<p:sld xmlns:a="http://schemas.openxmlformats.org/drawingml/2006/main" xmlns:r="http://schemas.openxmlformats.org/officeDocument/2006/relationships" xmlns:p="http://schemas.openxmlformats.org/presentationml/2006/main">
+  <p:cSld>
+    <p:spTree>
+      <p:nvGrpSpPr>
+        <p:cNvPr id="1" name=""/>
+        <p:cNvGrpSpPr/>
+        <p:nvPr/>
+      </p:nvGrpSpPr>
+      <p:grpSpPr>
+        <a:xfrm>
+          <a:off x="0" y="0"/>
+          <a:ext cx="0" cy="0"/>
+          <a:chOff x="0" y="0"/>
+          <a:chExt cx="0" cy="0"/>
+        </a:xfrm>
+      </p:grpSpPr>
+      <p:sp>
+        <p:nvSpPr>
+          <p:cNvPr id="10" name="TextBox 9">
+            <a:extLst>
+              <a:ext uri="{FF2B5EF4-FFF2-40B4-BE49-F238E27FC236}">
+                <a16:creationId xmlns:a16="http://schemas.microsoft.com/office/drawing/2014/main" id="{514E73AD-7A38-9D42-8C4C-ADC0FDE0FBC3}"/>
+              </a:ext>
+            </a:extLst>
+          </p:cNvPr>
+          <p:cNvSpPr txBox="1"/>
+          <p:nvPr/>
+        </p:nvSpPr>
+        <p:spPr>
+          <a:xfrm>
+            <a:off x="4792980" y="2601575"/>
+            <a:ext cx="5951220" cy="1077218"/>
+          </a:xfrm>
+          <a:prstGeom prst="rect">
+            <a:avLst/>
+          </a:prstGeom>
+          <a:noFill/>
+        </p:spPr>
+        <p:txBody>
+          <a:bodyPr wrap="square">
+            <a:spAutoFit/>
+          </a:bodyPr>
+          <a:lstStyle/>
+          <a:p>
+            <a:r>
+              <a:rPr lang="en-US" sz="6400" dirty="0"/>
+              <a:t>Q &amp; A</a:t>
+            </a:r>
+          </a:p>
+        </p:txBody>
+      </p:sp>
+    </p:spTree>
+    <p:extLst>
+      <p:ext uri="{BB962C8B-B14F-4D97-AF65-F5344CB8AC3E}">
+        <p14:creationId xmlns:p14="http://schemas.microsoft.com/office/powerpoint/2010/main" val="1222215017"/>
       </p:ext>
     </p:extLst>
   </p:cSld>
